--- a/RABYTE_PPT.pptx
+++ b/RABYTE_PPT.pptx
@@ -5,7 +5,7 @@
     <p:sldMasterId id="2147483648" r:id="rId1"/>
   </p:sldMasterIdLst>
   <p:notesMasterIdLst>
-    <p:notesMasterId r:id="rId11"/>
+    <p:notesMasterId r:id="rId12"/>
   </p:notesMasterIdLst>
   <p:sldIdLst>
     <p:sldId id="4136" r:id="rId2"/>
@@ -15,8 +15,9 @@
     <p:sldId id="4678" r:id="rId6"/>
     <p:sldId id="4363" r:id="rId7"/>
     <p:sldId id="4466" r:id="rId8"/>
-    <p:sldId id="4220" r:id="rId9"/>
-    <p:sldId id="4135" r:id="rId10"/>
+    <p:sldId id="4680" r:id="rId9"/>
+    <p:sldId id="4220" r:id="rId10"/>
+    <p:sldId id="4135" r:id="rId11"/>
   </p:sldIdLst>
   <p:sldSz cx="24377650" cy="13716000"/>
   <p:notesSz cx="6858000" cy="9144000"/>
@@ -213,7 +214,7 @@
             <a:fld id="{EFC10EE1-B198-C942-8235-326C972CBB30}" type="datetimeFigureOut">
               <a:rPr lang="en-US" smtClean="0"/>
               <a:pPr/>
-              <a:t>6/8/2024</a:t>
+              <a:t>6/8/24</a:t>
             </a:fld>
             <a:endParaRPr lang="en-US" dirty="0"/>
           </a:p>
@@ -8235,6 +8236,2280 @@
 </p:sld>
 </file>
 
+<file path=ppt/slides/slide10.xml><?xml version="1.0" encoding="utf-8"?>
+<p:sld xmlns:a="http://schemas.openxmlformats.org/drawingml/2006/main" xmlns:r="http://schemas.openxmlformats.org/officeDocument/2006/relationships" xmlns:p="http://schemas.openxmlformats.org/presentationml/2006/main">
+  <p:cSld>
+    <p:spTree>
+      <p:nvGrpSpPr>
+        <p:cNvPr id="1" name=""/>
+        <p:cNvGrpSpPr/>
+        <p:nvPr/>
+      </p:nvGrpSpPr>
+      <p:grpSpPr>
+        <a:xfrm>
+          <a:off x="0" y="0"/>
+          <a:ext cx="0" cy="0"/>
+          <a:chOff x="0" y="0"/>
+          <a:chExt cx="0" cy="0"/>
+        </a:xfrm>
+      </p:grpSpPr>
+      <p:sp>
+        <p:nvSpPr>
+          <p:cNvPr id="9" name="Freeform 8">
+            <a:extLst>
+              <a:ext uri="{FF2B5EF4-FFF2-40B4-BE49-F238E27FC236}">
+                <a16:creationId xmlns:a16="http://schemas.microsoft.com/office/drawing/2014/main" id="{C12D863C-D011-54C7-A172-B7225F6A92DC}"/>
+              </a:ext>
+            </a:extLst>
+          </p:cNvPr>
+          <p:cNvSpPr/>
+          <p:nvPr/>
+        </p:nvSpPr>
+        <p:spPr>
+          <a:xfrm rot="19800000">
+            <a:off x="-1701306" y="9497623"/>
+            <a:ext cx="5190903" cy="7535187"/>
+          </a:xfrm>
+          <a:custGeom>
+            <a:avLst/>
+            <a:gdLst>
+              <a:gd name="connsiteX0" fmla="*/ 387804 w 1619078"/>
+              <a:gd name="connsiteY0" fmla="*/ 2044666 h 2350276"/>
+              <a:gd name="connsiteX1" fmla="*/ 42345 w 1619078"/>
+              <a:gd name="connsiteY1" fmla="*/ 626563 h 2350276"/>
+              <a:gd name="connsiteX2" fmla="*/ 298986 w 1619078"/>
+              <a:gd name="connsiteY2" fmla="*/ 147173 h 2350276"/>
+              <a:gd name="connsiteX3" fmla="*/ 809017 w 1619078"/>
+              <a:gd name="connsiteY3" fmla="*/ 25804 h 2350276"/>
+              <a:gd name="connsiteX4" fmla="*/ 1085319 w 1619078"/>
+              <a:gd name="connsiteY4" fmla="*/ 307952 h 2350276"/>
+              <a:gd name="connsiteX5" fmla="*/ 1137626 w 1619078"/>
+              <a:gd name="connsiteY5" fmla="*/ 707118 h 2350276"/>
+              <a:gd name="connsiteX6" fmla="*/ 1219532 w 1619078"/>
+              <a:gd name="connsiteY6" fmla="*/ 1261171 h 2350276"/>
+              <a:gd name="connsiteX7" fmla="*/ 1430077 w 1619078"/>
+              <a:gd name="connsiteY7" fmla="*/ 1387057 h 2350276"/>
+              <a:gd name="connsiteX8" fmla="*/ 1522086 w 1619078"/>
+              <a:gd name="connsiteY8" fmla="*/ 2082741 h 2350276"/>
+              <a:gd name="connsiteX9" fmla="*/ 387804 w 1619078"/>
+              <a:gd name="connsiteY9" fmla="*/ 2044666 h 2350276"/>
+            </a:gdLst>
+            <a:ahLst/>
+            <a:cxnLst>
+              <a:cxn ang="0">
+                <a:pos x="connsiteX0" y="connsiteY0"/>
+              </a:cxn>
+              <a:cxn ang="0">
+                <a:pos x="connsiteX1" y="connsiteY1"/>
+              </a:cxn>
+              <a:cxn ang="0">
+                <a:pos x="connsiteX2" y="connsiteY2"/>
+              </a:cxn>
+              <a:cxn ang="0">
+                <a:pos x="connsiteX3" y="connsiteY3"/>
+              </a:cxn>
+              <a:cxn ang="0">
+                <a:pos x="connsiteX4" y="connsiteY4"/>
+              </a:cxn>
+              <a:cxn ang="0">
+                <a:pos x="connsiteX5" y="connsiteY5"/>
+              </a:cxn>
+              <a:cxn ang="0">
+                <a:pos x="connsiteX6" y="connsiteY6"/>
+              </a:cxn>
+              <a:cxn ang="0">
+                <a:pos x="connsiteX7" y="connsiteY7"/>
+              </a:cxn>
+              <a:cxn ang="0">
+                <a:pos x="connsiteX8" y="connsiteY8"/>
+              </a:cxn>
+              <a:cxn ang="0">
+                <a:pos x="connsiteX9" y="connsiteY9"/>
+              </a:cxn>
+            </a:cxnLst>
+            <a:rect l="l" t="t" r="r" b="b"/>
+            <a:pathLst>
+              <a:path w="1619078" h="2350276">
+                <a:moveTo>
+                  <a:pt x="387804" y="2044666"/>
+                </a:moveTo>
+                <a:cubicBezTo>
+                  <a:pt x="57123" y="1662834"/>
+                  <a:pt x="-75624" y="1117922"/>
+                  <a:pt x="42345" y="626563"/>
+                </a:cubicBezTo>
+                <a:cubicBezTo>
+                  <a:pt x="85307" y="447617"/>
+                  <a:pt x="163086" y="271117"/>
+                  <a:pt x="298986" y="147173"/>
+                </a:cubicBezTo>
+                <a:cubicBezTo>
+                  <a:pt x="434887" y="23228"/>
+                  <a:pt x="636778" y="-38544"/>
+                  <a:pt x="809017" y="25804"/>
+                </a:cubicBezTo>
+                <a:cubicBezTo>
+                  <a:pt x="935792" y="73167"/>
+                  <a:pt x="1033183" y="182952"/>
+                  <a:pt x="1085319" y="307952"/>
+                </a:cubicBezTo>
+                <a:cubicBezTo>
+                  <a:pt x="1137465" y="432953"/>
+                  <a:pt x="1148023" y="572056"/>
+                  <a:pt x="1137626" y="707118"/>
+                </a:cubicBezTo>
+                <a:cubicBezTo>
+                  <a:pt x="1122727" y="900554"/>
+                  <a:pt x="1078003" y="1128625"/>
+                  <a:pt x="1219532" y="1261171"/>
+                </a:cubicBezTo>
+                <a:cubicBezTo>
+                  <a:pt x="1279392" y="1317235"/>
+                  <a:pt x="1361544" y="1342018"/>
+                  <a:pt x="1430077" y="1387057"/>
+                </a:cubicBezTo>
+                <a:cubicBezTo>
+                  <a:pt x="1648507" y="1530572"/>
+                  <a:pt x="1675452" y="1870989"/>
+                  <a:pt x="1522086" y="2082741"/>
+                </a:cubicBezTo>
+                <a:cubicBezTo>
+                  <a:pt x="1221778" y="2497355"/>
+                  <a:pt x="684347" y="2387067"/>
+                  <a:pt x="387804" y="2044666"/>
+                </a:cubicBezTo>
+                <a:close/>
+              </a:path>
+            </a:pathLst>
+          </a:custGeom>
+          <a:solidFill>
+            <a:schemeClr val="accent3">
+              <a:alpha val="30318"/>
+            </a:schemeClr>
+          </a:solidFill>
+          <a:ln w="9478" cap="flat">
+            <a:noFill/>
+            <a:prstDash val="solid"/>
+            <a:miter/>
+          </a:ln>
+        </p:spPr>
+        <p:txBody>
+          <a:bodyPr rtlCol="0" anchor="ctr"/>
+          <a:lstStyle/>
+          <a:p>
+            <a:endParaRPr lang="en-SV" dirty="0">
+              <a:latin typeface="Mulish Light" pitchFamily="2" charset="77"/>
+            </a:endParaRPr>
+          </a:p>
+        </p:txBody>
+      </p:sp>
+      <p:sp>
+        <p:nvSpPr>
+          <p:cNvPr id="8" name="Freeform 7">
+            <a:extLst>
+              <a:ext uri="{FF2B5EF4-FFF2-40B4-BE49-F238E27FC236}">
+                <a16:creationId xmlns:a16="http://schemas.microsoft.com/office/drawing/2014/main" id="{7217DB05-CB4F-2E7C-8405-703FA84D82F7}"/>
+              </a:ext>
+            </a:extLst>
+          </p:cNvPr>
+          <p:cNvSpPr/>
+          <p:nvPr/>
+        </p:nvSpPr>
+        <p:spPr>
+          <a:xfrm rot="9900000">
+            <a:off x="2113336" y="2377440"/>
+            <a:ext cx="6091020" cy="2740379"/>
+          </a:xfrm>
+          <a:custGeom>
+            <a:avLst/>
+            <a:gdLst>
+              <a:gd name="connsiteX0" fmla="*/ 60593 w 2991611"/>
+              <a:gd name="connsiteY0" fmla="*/ 1250095 h 1345940"/>
+              <a:gd name="connsiteX1" fmla="*/ 313608 w 2991611"/>
+              <a:gd name="connsiteY1" fmla="*/ 1257710 h 1345940"/>
+              <a:gd name="connsiteX2" fmla="*/ 545348 w 2991611"/>
+              <a:gd name="connsiteY2" fmla="*/ 1134601 h 1345940"/>
+              <a:gd name="connsiteX3" fmla="*/ 1013374 w 2991611"/>
+              <a:gd name="connsiteY3" fmla="*/ 1053069 h 1345940"/>
+              <a:gd name="connsiteX4" fmla="*/ 1653140 w 2991611"/>
+              <a:gd name="connsiteY4" fmla="*/ 1259493 h 1345940"/>
+              <a:gd name="connsiteX5" fmla="*/ 2905211 w 2991611"/>
+              <a:gd name="connsiteY5" fmla="*/ 1072511 h 1345940"/>
+              <a:gd name="connsiteX6" fmla="*/ 2977811 w 2991611"/>
+              <a:gd name="connsiteY6" fmla="*/ 635782 h 1345940"/>
+              <a:gd name="connsiteX7" fmla="*/ 2690689 w 2991611"/>
+              <a:gd name="connsiteY7" fmla="*/ 222557 h 1345940"/>
+              <a:gd name="connsiteX8" fmla="*/ 1758249 w 2991611"/>
+              <a:gd name="connsiteY8" fmla="*/ 252712 h 1345940"/>
+              <a:gd name="connsiteX9" fmla="*/ 249028 w 2991611"/>
+              <a:gd name="connsiteY9" fmla="*/ 15123 h 1345940"/>
+              <a:gd name="connsiteX10" fmla="*/ 294414 w 2991611"/>
+              <a:gd name="connsiteY10" fmla="*/ 578863 h 1345940"/>
+              <a:gd name="connsiteX11" fmla="*/ 60593 w 2991611"/>
+              <a:gd name="connsiteY11" fmla="*/ 1250095 h 1345940"/>
+            </a:gdLst>
+            <a:ahLst/>
+            <a:cxnLst>
+              <a:cxn ang="0">
+                <a:pos x="connsiteX0" y="connsiteY0"/>
+              </a:cxn>
+              <a:cxn ang="0">
+                <a:pos x="connsiteX1" y="connsiteY1"/>
+              </a:cxn>
+              <a:cxn ang="0">
+                <a:pos x="connsiteX2" y="connsiteY2"/>
+              </a:cxn>
+              <a:cxn ang="0">
+                <a:pos x="connsiteX3" y="connsiteY3"/>
+              </a:cxn>
+              <a:cxn ang="0">
+                <a:pos x="connsiteX4" y="connsiteY4"/>
+              </a:cxn>
+              <a:cxn ang="0">
+                <a:pos x="connsiteX5" y="connsiteY5"/>
+              </a:cxn>
+              <a:cxn ang="0">
+                <a:pos x="connsiteX6" y="connsiteY6"/>
+              </a:cxn>
+              <a:cxn ang="0">
+                <a:pos x="connsiteX7" y="connsiteY7"/>
+              </a:cxn>
+              <a:cxn ang="0">
+                <a:pos x="connsiteX8" y="connsiteY8"/>
+              </a:cxn>
+              <a:cxn ang="0">
+                <a:pos x="connsiteX9" y="connsiteY9"/>
+              </a:cxn>
+              <a:cxn ang="0">
+                <a:pos x="connsiteX10" y="connsiteY10"/>
+              </a:cxn>
+              <a:cxn ang="0">
+                <a:pos x="connsiteX11" y="connsiteY11"/>
+              </a:cxn>
+            </a:cxnLst>
+            <a:rect l="l" t="t" r="r" b="b"/>
+            <a:pathLst>
+              <a:path w="2991611" h="1345940">
+                <a:moveTo>
+                  <a:pt x="60593" y="1250095"/>
+                </a:moveTo>
+                <a:cubicBezTo>
+                  <a:pt x="134207" y="1297428"/>
+                  <a:pt x="231909" y="1289272"/>
+                  <a:pt x="313608" y="1257710"/>
+                </a:cubicBezTo>
+                <a:cubicBezTo>
+                  <a:pt x="395307" y="1226148"/>
+                  <a:pt x="467192" y="1174063"/>
+                  <a:pt x="545348" y="1134601"/>
+                </a:cubicBezTo>
+                <a:cubicBezTo>
+                  <a:pt x="689852" y="1062022"/>
+                  <a:pt x="852701" y="1033647"/>
+                  <a:pt x="1013374" y="1053069"/>
+                </a:cubicBezTo>
+                <a:cubicBezTo>
+                  <a:pt x="1238022" y="1080696"/>
+                  <a:pt x="1438294" y="1196530"/>
+                  <a:pt x="1653140" y="1259493"/>
+                </a:cubicBezTo>
+                <a:cubicBezTo>
+                  <a:pt x="2015033" y="1365559"/>
+                  <a:pt x="2653770" y="1439239"/>
+                  <a:pt x="2905211" y="1072511"/>
+                </a:cubicBezTo>
+                <a:cubicBezTo>
+                  <a:pt x="2991041" y="947335"/>
+                  <a:pt x="3007881" y="784358"/>
+                  <a:pt x="2977811" y="635782"/>
+                </a:cubicBezTo>
+                <a:cubicBezTo>
+                  <a:pt x="2943463" y="466057"/>
+                  <a:pt x="2844537" y="303250"/>
+                  <a:pt x="2690689" y="222557"/>
+                </a:cubicBezTo>
+                <a:cubicBezTo>
+                  <a:pt x="2410501" y="75600"/>
+                  <a:pt x="2074459" y="235437"/>
+                  <a:pt x="1758249" y="252712"/>
+                </a:cubicBezTo>
+                <a:cubicBezTo>
+                  <a:pt x="1245508" y="280724"/>
+                  <a:pt x="754190" y="-76693"/>
+                  <a:pt x="249028" y="15123"/>
+                </a:cubicBezTo>
+                <a:cubicBezTo>
+                  <a:pt x="-73417" y="73730"/>
+                  <a:pt x="247514" y="469324"/>
+                  <a:pt x="294414" y="578863"/>
+                </a:cubicBezTo>
+                <a:cubicBezTo>
+                  <a:pt x="371012" y="757762"/>
+                  <a:pt x="-178178" y="1096552"/>
+                  <a:pt x="60593" y="1250095"/>
+                </a:cubicBezTo>
+                <a:close/>
+              </a:path>
+            </a:pathLst>
+          </a:custGeom>
+          <a:solidFill>
+            <a:schemeClr val="accent2">
+              <a:alpha val="19946"/>
+            </a:schemeClr>
+          </a:solidFill>
+          <a:ln w="9525" cap="flat">
+            <a:noFill/>
+            <a:prstDash val="solid"/>
+            <a:miter/>
+          </a:ln>
+        </p:spPr>
+        <p:txBody>
+          <a:bodyPr rtlCol="0" anchor="ctr"/>
+          <a:lstStyle/>
+          <a:p>
+            <a:endParaRPr lang="en-SV" dirty="0">
+              <a:latin typeface="Mulish Light" pitchFamily="2" charset="77"/>
+            </a:endParaRPr>
+          </a:p>
+        </p:txBody>
+      </p:sp>
+      <p:sp>
+        <p:nvSpPr>
+          <p:cNvPr id="3" name="Freeform 2">
+            <a:extLst>
+              <a:ext uri="{FF2B5EF4-FFF2-40B4-BE49-F238E27FC236}">
+                <a16:creationId xmlns:a16="http://schemas.microsoft.com/office/drawing/2014/main" id="{E86D48A5-709C-1FA6-6909-FAD3257C907D}"/>
+              </a:ext>
+            </a:extLst>
+          </p:cNvPr>
+          <p:cNvSpPr/>
+          <p:nvPr/>
+        </p:nvSpPr>
+        <p:spPr>
+          <a:xfrm>
+            <a:off x="11663136" y="-4645260"/>
+            <a:ext cx="14717317" cy="11457093"/>
+          </a:xfrm>
+          <a:custGeom>
+            <a:avLst/>
+            <a:gdLst>
+              <a:gd name="connsiteX0" fmla="*/ 167389 w 2157700"/>
+              <a:gd name="connsiteY0" fmla="*/ 1517577 h 1679720"/>
+              <a:gd name="connsiteX1" fmla="*/ 125794 w 2157700"/>
+              <a:gd name="connsiteY1" fmla="*/ 1479727 h 1679720"/>
+              <a:gd name="connsiteX2" fmla="*/ 2462 w 2157700"/>
+              <a:gd name="connsiteY2" fmla="*/ 1175967 h 1679720"/>
+              <a:gd name="connsiteX3" fmla="*/ 278644 w 2157700"/>
+              <a:gd name="connsiteY3" fmla="*/ 940018 h 1679720"/>
+              <a:gd name="connsiteX4" fmla="*/ 772693 w 2157700"/>
+              <a:gd name="connsiteY4" fmla="*/ 107988 h 1679720"/>
+              <a:gd name="connsiteX5" fmla="*/ 1229106 w 2157700"/>
+              <a:gd name="connsiteY5" fmla="*/ 148549 h 1679720"/>
+              <a:gd name="connsiteX6" fmla="*/ 1412100 w 2157700"/>
+              <a:gd name="connsiteY6" fmla="*/ 499058 h 1679720"/>
+              <a:gd name="connsiteX7" fmla="*/ 1667418 w 2157700"/>
+              <a:gd name="connsiteY7" fmla="*/ 605601 h 1679720"/>
+              <a:gd name="connsiteX8" fmla="*/ 2116312 w 2157700"/>
+              <a:gd name="connsiteY8" fmla="*/ 768995 h 1679720"/>
+              <a:gd name="connsiteX9" fmla="*/ 1886588 w 2157700"/>
+              <a:gd name="connsiteY9" fmla="*/ 1354825 h 1679720"/>
+              <a:gd name="connsiteX10" fmla="*/ 1537535 w 2157700"/>
+              <a:gd name="connsiteY10" fmla="*/ 1500007 h 1679720"/>
+              <a:gd name="connsiteX11" fmla="*/ 1095356 w 2157700"/>
+              <a:gd name="connsiteY11" fmla="*/ 1622009 h 1679720"/>
+              <a:gd name="connsiteX12" fmla="*/ 556607 w 2157700"/>
+              <a:gd name="connsiteY12" fmla="*/ 1674007 h 1679720"/>
+              <a:gd name="connsiteX13" fmla="*/ 167389 w 2157700"/>
+              <a:gd name="connsiteY13" fmla="*/ 1517577 h 1679720"/>
+            </a:gdLst>
+            <a:ahLst/>
+            <a:cxnLst>
+              <a:cxn ang="0">
+                <a:pos x="connsiteX0" y="connsiteY0"/>
+              </a:cxn>
+              <a:cxn ang="0">
+                <a:pos x="connsiteX1" y="connsiteY1"/>
+              </a:cxn>
+              <a:cxn ang="0">
+                <a:pos x="connsiteX2" y="connsiteY2"/>
+              </a:cxn>
+              <a:cxn ang="0">
+                <a:pos x="connsiteX3" y="connsiteY3"/>
+              </a:cxn>
+              <a:cxn ang="0">
+                <a:pos x="connsiteX4" y="connsiteY4"/>
+              </a:cxn>
+              <a:cxn ang="0">
+                <a:pos x="connsiteX5" y="connsiteY5"/>
+              </a:cxn>
+              <a:cxn ang="0">
+                <a:pos x="connsiteX6" y="connsiteY6"/>
+              </a:cxn>
+              <a:cxn ang="0">
+                <a:pos x="connsiteX7" y="connsiteY7"/>
+              </a:cxn>
+              <a:cxn ang="0">
+                <a:pos x="connsiteX8" y="connsiteY8"/>
+              </a:cxn>
+              <a:cxn ang="0">
+                <a:pos x="connsiteX9" y="connsiteY9"/>
+              </a:cxn>
+              <a:cxn ang="0">
+                <a:pos x="connsiteX10" y="connsiteY10"/>
+              </a:cxn>
+              <a:cxn ang="0">
+                <a:pos x="connsiteX11" y="connsiteY11"/>
+              </a:cxn>
+              <a:cxn ang="0">
+                <a:pos x="connsiteX12" y="connsiteY12"/>
+              </a:cxn>
+              <a:cxn ang="0">
+                <a:pos x="connsiteX13" y="connsiteY13"/>
+              </a:cxn>
+            </a:cxnLst>
+            <a:rect l="l" t="t" r="r" b="b"/>
+            <a:pathLst>
+              <a:path w="2157700" h="1679720">
+                <a:moveTo>
+                  <a:pt x="167389" y="1517577"/>
+                </a:moveTo>
+                <a:cubicBezTo>
+                  <a:pt x="152896" y="1505645"/>
+                  <a:pt x="139032" y="1493029"/>
+                  <a:pt x="125794" y="1479727"/>
+                </a:cubicBezTo>
+                <a:cubicBezTo>
+                  <a:pt x="48304" y="1401717"/>
+                  <a:pt x="-13237" y="1289109"/>
+                  <a:pt x="2462" y="1175967"/>
+                </a:cubicBezTo>
+                <a:cubicBezTo>
+                  <a:pt x="23890" y="1021525"/>
+                  <a:pt x="154436" y="988819"/>
+                  <a:pt x="278644" y="940018"/>
+                </a:cubicBezTo>
+                <a:cubicBezTo>
+                  <a:pt x="637928" y="798857"/>
+                  <a:pt x="552275" y="358283"/>
+                  <a:pt x="772693" y="107988"/>
+                </a:cubicBezTo>
+                <a:cubicBezTo>
+                  <a:pt x="914181" y="-52678"/>
+                  <a:pt x="1120369" y="-29882"/>
+                  <a:pt x="1229106" y="148549"/>
+                </a:cubicBezTo>
+                <a:cubicBezTo>
+                  <a:pt x="1298581" y="262546"/>
+                  <a:pt x="1311802" y="403551"/>
+                  <a:pt x="1412100" y="499058"/>
+                </a:cubicBezTo>
+                <a:cubicBezTo>
+                  <a:pt x="1479909" y="563627"/>
+                  <a:pt x="1574816" y="591264"/>
+                  <a:pt x="1667418" y="605601"/>
+                </a:cubicBezTo>
+                <a:cubicBezTo>
+                  <a:pt x="1809045" y="627523"/>
+                  <a:pt x="2036998" y="623718"/>
+                  <a:pt x="2116312" y="768995"/>
+                </a:cubicBezTo>
+                <a:cubicBezTo>
+                  <a:pt x="2237346" y="990758"/>
+                  <a:pt x="2072345" y="1232557"/>
+                  <a:pt x="1886588" y="1354825"/>
+                </a:cubicBezTo>
+                <a:cubicBezTo>
+                  <a:pt x="1782004" y="1423670"/>
+                  <a:pt x="1655264" y="1460370"/>
+                  <a:pt x="1537535" y="1500007"/>
+                </a:cubicBezTo>
+                <a:cubicBezTo>
+                  <a:pt x="1392688" y="1549371"/>
+                  <a:pt x="1245041" y="1590102"/>
+                  <a:pt x="1095356" y="1622009"/>
+                </a:cubicBezTo>
+                <a:cubicBezTo>
+                  <a:pt x="919022" y="1658909"/>
+                  <a:pt x="737424" y="1693745"/>
+                  <a:pt x="556607" y="1674007"/>
+                </a:cubicBezTo>
+                <a:cubicBezTo>
+                  <a:pt x="419556" y="1659042"/>
+                  <a:pt x="276547" y="1607501"/>
+                  <a:pt x="167389" y="1517577"/>
+                </a:cubicBezTo>
+                <a:close/>
+              </a:path>
+            </a:pathLst>
+          </a:custGeom>
+          <a:solidFill>
+            <a:schemeClr val="accent5">
+              <a:alpha val="19764"/>
+            </a:schemeClr>
+          </a:solidFill>
+          <a:ln w="9525" cap="flat">
+            <a:noFill/>
+            <a:prstDash val="solid"/>
+            <a:miter/>
+          </a:ln>
+        </p:spPr>
+        <p:txBody>
+          <a:bodyPr rtlCol="0" anchor="ctr"/>
+          <a:lstStyle/>
+          <a:p>
+            <a:endParaRPr lang="en-SV" dirty="0">
+              <a:latin typeface="Mulish Light" pitchFamily="2" charset="77"/>
+            </a:endParaRPr>
+          </a:p>
+        </p:txBody>
+      </p:sp>
+      <p:grpSp>
+        <p:nvGrpSpPr>
+          <p:cNvPr id="4" name="Group 3">
+            <a:extLst>
+              <a:ext uri="{FF2B5EF4-FFF2-40B4-BE49-F238E27FC236}">
+                <a16:creationId xmlns:a16="http://schemas.microsoft.com/office/drawing/2014/main" id="{C36E2DC0-C350-C44A-FDA4-5B7139F264C5}"/>
+              </a:ext>
+            </a:extLst>
+          </p:cNvPr>
+          <p:cNvGrpSpPr/>
+          <p:nvPr/>
+        </p:nvGrpSpPr>
+        <p:grpSpPr>
+          <a:xfrm>
+            <a:off x="15505384" y="9357428"/>
+            <a:ext cx="770100" cy="1087657"/>
+            <a:chOff x="28893234" y="10016980"/>
+            <a:chExt cx="770100" cy="1087657"/>
+          </a:xfrm>
+          <a:solidFill>
+            <a:schemeClr val="accent2"/>
+          </a:solidFill>
+        </p:grpSpPr>
+        <p:sp>
+          <p:nvSpPr>
+            <p:cNvPr id="5" name="Freeform 4">
+              <a:extLst>
+                <a:ext uri="{FF2B5EF4-FFF2-40B4-BE49-F238E27FC236}">
+                  <a16:creationId xmlns:a16="http://schemas.microsoft.com/office/drawing/2014/main" id="{015F42E8-47AA-EDC5-B4BD-1B0E9F50C55C}"/>
+                </a:ext>
+              </a:extLst>
+            </p:cNvPr>
+            <p:cNvSpPr/>
+            <p:nvPr/>
+          </p:nvSpPr>
+          <p:spPr>
+            <a:xfrm>
+              <a:off x="28893234" y="10016980"/>
+              <a:ext cx="521225" cy="664035"/>
+            </a:xfrm>
+            <a:custGeom>
+              <a:avLst/>
+              <a:gdLst>
+                <a:gd name="connsiteX0" fmla="*/ 10727 w 521225"/>
+                <a:gd name="connsiteY0" fmla="*/ 358120 h 664035"/>
+                <a:gd name="connsiteX1" fmla="*/ 131127 w 521225"/>
+                <a:gd name="connsiteY1" fmla="*/ 301922 h 664035"/>
+                <a:gd name="connsiteX2" fmla="*/ 210459 w 521225"/>
+                <a:gd name="connsiteY2" fmla="*/ 284066 h 664035"/>
+                <a:gd name="connsiteX3" fmla="*/ 267595 w 521225"/>
+                <a:gd name="connsiteY3" fmla="*/ 0 h 664035"/>
+                <a:gd name="connsiteX4" fmla="*/ 291510 w 521225"/>
+                <a:gd name="connsiteY4" fmla="*/ 13276 h 664035"/>
+                <a:gd name="connsiteX5" fmla="*/ 297678 w 521225"/>
+                <a:gd name="connsiteY5" fmla="*/ 31451 h 664035"/>
+                <a:gd name="connsiteX6" fmla="*/ 320565 w 521225"/>
+                <a:gd name="connsiteY6" fmla="*/ 283827 h 664035"/>
+                <a:gd name="connsiteX7" fmla="*/ 484654 w 521225"/>
+                <a:gd name="connsiteY7" fmla="*/ 298889 h 664035"/>
+                <a:gd name="connsiteX8" fmla="*/ 503917 w 521225"/>
+                <a:gd name="connsiteY8" fmla="*/ 354829 h 664035"/>
+                <a:gd name="connsiteX9" fmla="*/ 309863 w 521225"/>
+                <a:gd name="connsiteY9" fmla="*/ 394993 h 664035"/>
+                <a:gd name="connsiteX10" fmla="*/ 233044 w 521225"/>
+                <a:gd name="connsiteY10" fmla="*/ 649736 h 664035"/>
+                <a:gd name="connsiteX11" fmla="*/ 211279 w 521225"/>
+                <a:gd name="connsiteY11" fmla="*/ 564125 h 664035"/>
+                <a:gd name="connsiteX12" fmla="*/ 199277 w 521225"/>
+                <a:gd name="connsiteY12" fmla="*/ 419377 h 664035"/>
+                <a:gd name="connsiteX13" fmla="*/ 10727 w 521225"/>
+                <a:gd name="connsiteY13" fmla="*/ 358120 h 664035"/>
+              </a:gdLst>
+              <a:ahLst/>
+              <a:cxnLst>
+                <a:cxn ang="0">
+                  <a:pos x="connsiteX0" y="connsiteY0"/>
+                </a:cxn>
+                <a:cxn ang="0">
+                  <a:pos x="connsiteX1" y="connsiteY1"/>
+                </a:cxn>
+                <a:cxn ang="0">
+                  <a:pos x="connsiteX2" y="connsiteY2"/>
+                </a:cxn>
+                <a:cxn ang="0">
+                  <a:pos x="connsiteX3" y="connsiteY3"/>
+                </a:cxn>
+                <a:cxn ang="0">
+                  <a:pos x="connsiteX4" y="connsiteY4"/>
+                </a:cxn>
+                <a:cxn ang="0">
+                  <a:pos x="connsiteX5" y="connsiteY5"/>
+                </a:cxn>
+                <a:cxn ang="0">
+                  <a:pos x="connsiteX6" y="connsiteY6"/>
+                </a:cxn>
+                <a:cxn ang="0">
+                  <a:pos x="connsiteX7" y="connsiteY7"/>
+                </a:cxn>
+                <a:cxn ang="0">
+                  <a:pos x="connsiteX8" y="connsiteY8"/>
+                </a:cxn>
+                <a:cxn ang="0">
+                  <a:pos x="connsiteX9" y="connsiteY9"/>
+                </a:cxn>
+                <a:cxn ang="0">
+                  <a:pos x="connsiteX10" y="connsiteY10"/>
+                </a:cxn>
+                <a:cxn ang="0">
+                  <a:pos x="connsiteX11" y="connsiteY11"/>
+                </a:cxn>
+                <a:cxn ang="0">
+                  <a:pos x="connsiteX12" y="connsiteY12"/>
+                </a:cxn>
+                <a:cxn ang="0">
+                  <a:pos x="connsiteX13" y="connsiteY13"/>
+                </a:cxn>
+              </a:cxnLst>
+              <a:rect l="l" t="t" r="r" b="b"/>
+              <a:pathLst>
+                <a:path w="521225" h="664035">
+                  <a:moveTo>
+                    <a:pt x="10727" y="358120"/>
+                  </a:moveTo>
+                  <a:cubicBezTo>
+                    <a:pt x="-3451" y="353019"/>
+                    <a:pt x="-29255" y="301279"/>
+                    <a:pt x="131127" y="301922"/>
+                  </a:cubicBezTo>
+                  <a:cubicBezTo>
+                    <a:pt x="169672" y="302077"/>
+                    <a:pt x="203674" y="317884"/>
+                    <a:pt x="210459" y="284066"/>
+                  </a:cubicBezTo>
+                  <a:cubicBezTo>
+                    <a:pt x="218786" y="242557"/>
+                    <a:pt x="212361" y="0"/>
+                    <a:pt x="267595" y="0"/>
+                  </a:cubicBezTo>
+                  <a:cubicBezTo>
+                    <a:pt x="277284" y="88"/>
+                    <a:pt x="286275" y="5080"/>
+                    <a:pt x="291510" y="13276"/>
+                  </a:cubicBezTo>
+                  <a:cubicBezTo>
+                    <a:pt x="294602" y="18927"/>
+                    <a:pt x="296689" y="25078"/>
+                    <a:pt x="297678" y="31451"/>
+                  </a:cubicBezTo>
+                  <a:cubicBezTo>
+                    <a:pt x="309941" y="89413"/>
+                    <a:pt x="297082" y="271531"/>
+                    <a:pt x="320565" y="283827"/>
+                  </a:cubicBezTo>
+                  <a:cubicBezTo>
+                    <a:pt x="343490" y="295830"/>
+                    <a:pt x="461862" y="293328"/>
+                    <a:pt x="484654" y="298889"/>
+                  </a:cubicBezTo>
+                  <a:cubicBezTo>
+                    <a:pt x="521016" y="307758"/>
+                    <a:pt x="535346" y="336598"/>
+                    <a:pt x="503917" y="354829"/>
+                  </a:cubicBezTo>
+                  <a:cubicBezTo>
+                    <a:pt x="471232" y="373790"/>
+                    <a:pt x="319197" y="357912"/>
+                    <a:pt x="309863" y="394993"/>
+                  </a:cubicBezTo>
+                  <a:cubicBezTo>
+                    <a:pt x="300132" y="433650"/>
+                    <a:pt x="287034" y="732074"/>
+                    <a:pt x="233044" y="649736"/>
+                  </a:cubicBezTo>
+                  <a:cubicBezTo>
+                    <a:pt x="216847" y="625035"/>
+                    <a:pt x="216555" y="592639"/>
+                    <a:pt x="211279" y="564125"/>
+                  </a:cubicBezTo>
+                  <a:cubicBezTo>
+                    <a:pt x="204576" y="527895"/>
+                    <a:pt x="206543" y="455485"/>
+                    <a:pt x="199277" y="419377"/>
+                  </a:cubicBezTo>
+                  <a:cubicBezTo>
+                    <a:pt x="187153" y="359132"/>
+                    <a:pt x="97261" y="389254"/>
+                    <a:pt x="10727" y="358120"/>
+                  </a:cubicBezTo>
+                  <a:close/>
+                </a:path>
+              </a:pathLst>
+            </a:custGeom>
+            <a:grpFill/>
+            <a:ln w="9409" cap="flat">
+              <a:noFill/>
+              <a:prstDash val="solid"/>
+              <a:miter/>
+            </a:ln>
+          </p:spPr>
+          <p:txBody>
+            <a:bodyPr rtlCol="0" anchor="ctr"/>
+            <a:lstStyle/>
+            <a:p>
+              <a:endParaRPr lang="en-SV" dirty="0">
+                <a:latin typeface="Mulish Light" pitchFamily="2" charset="77"/>
+              </a:endParaRPr>
+            </a:p>
+          </p:txBody>
+        </p:sp>
+        <p:sp>
+          <p:nvSpPr>
+            <p:cNvPr id="6" name="Freeform 5">
+              <a:extLst>
+                <a:ext uri="{FF2B5EF4-FFF2-40B4-BE49-F238E27FC236}">
+                  <a16:creationId xmlns:a16="http://schemas.microsoft.com/office/drawing/2014/main" id="{100A72E4-E2AC-F0DE-ACA5-5C0C8498D71F}"/>
+                </a:ext>
+              </a:extLst>
+            </p:cNvPr>
+            <p:cNvSpPr/>
+            <p:nvPr/>
+          </p:nvSpPr>
+          <p:spPr>
+            <a:xfrm>
+              <a:off x="29187305" y="10545734"/>
+              <a:ext cx="476029" cy="558903"/>
+            </a:xfrm>
+            <a:custGeom>
+              <a:avLst/>
+              <a:gdLst>
+                <a:gd name="connsiteX0" fmla="*/ 474815 w 476029"/>
+                <a:gd name="connsiteY0" fmla="*/ 261415 h 558903"/>
+                <a:gd name="connsiteX1" fmla="*/ 467438 w 476029"/>
+                <a:gd name="connsiteY1" fmla="*/ 254466 h 558903"/>
+                <a:gd name="connsiteX2" fmla="*/ 310365 w 476029"/>
+                <a:gd name="connsiteY2" fmla="*/ 246871 h 558903"/>
+                <a:gd name="connsiteX3" fmla="*/ 268621 w 476029"/>
+                <a:gd name="connsiteY3" fmla="*/ 210777 h 558903"/>
+                <a:gd name="connsiteX4" fmla="*/ 246573 w 476029"/>
+                <a:gd name="connsiteY4" fmla="*/ 32852 h 558903"/>
+                <a:gd name="connsiteX5" fmla="*/ 245467 w 476029"/>
+                <a:gd name="connsiteY5" fmla="*/ 11559 h 558903"/>
+                <a:gd name="connsiteX6" fmla="*/ 230553 w 476029"/>
+                <a:gd name="connsiteY6" fmla="*/ 120 h 558903"/>
+                <a:gd name="connsiteX7" fmla="*/ 219983 w 476029"/>
+                <a:gd name="connsiteY7" fmla="*/ 8439 h 558903"/>
+                <a:gd name="connsiteX8" fmla="*/ 210190 w 476029"/>
+                <a:gd name="connsiteY8" fmla="*/ 99601 h 558903"/>
+                <a:gd name="connsiteX9" fmla="*/ 190682 w 476029"/>
+                <a:gd name="connsiteY9" fmla="*/ 231134 h 558903"/>
+                <a:gd name="connsiteX10" fmla="*/ 141165 w 476029"/>
+                <a:gd name="connsiteY10" fmla="*/ 256921 h 558903"/>
+                <a:gd name="connsiteX11" fmla="*/ 22204 w 476029"/>
+                <a:gd name="connsiteY11" fmla="*/ 285672 h 558903"/>
+                <a:gd name="connsiteX12" fmla="*/ 11222 w 476029"/>
+                <a:gd name="connsiteY12" fmla="*/ 288475 h 558903"/>
+                <a:gd name="connsiteX13" fmla="*/ 512 w 476029"/>
+                <a:gd name="connsiteY13" fmla="*/ 307051 h 558903"/>
+                <a:gd name="connsiteX14" fmla="*/ 11829 w 476029"/>
+                <a:gd name="connsiteY14" fmla="*/ 317967 h 558903"/>
+                <a:gd name="connsiteX15" fmla="*/ 70806 w 476029"/>
+                <a:gd name="connsiteY15" fmla="*/ 321305 h 558903"/>
+                <a:gd name="connsiteX16" fmla="*/ 167099 w 476029"/>
+                <a:gd name="connsiteY16" fmla="*/ 319227 h 558903"/>
+                <a:gd name="connsiteX17" fmla="*/ 184885 w 476029"/>
+                <a:gd name="connsiteY17" fmla="*/ 322501 h 558903"/>
+                <a:gd name="connsiteX18" fmla="*/ 194489 w 476029"/>
+                <a:gd name="connsiteY18" fmla="*/ 337317 h 558903"/>
+                <a:gd name="connsiteX19" fmla="*/ 239063 w 476029"/>
+                <a:gd name="connsiteY19" fmla="*/ 548981 h 558903"/>
+                <a:gd name="connsiteX20" fmla="*/ 257933 w 476029"/>
+                <a:gd name="connsiteY20" fmla="*/ 558051 h 558903"/>
+                <a:gd name="connsiteX21" fmla="*/ 267362 w 476029"/>
+                <a:gd name="connsiteY21" fmla="*/ 547604 h 558903"/>
+                <a:gd name="connsiteX22" fmla="*/ 283937 w 476029"/>
+                <a:gd name="connsiteY22" fmla="*/ 329680 h 558903"/>
+                <a:gd name="connsiteX23" fmla="*/ 349597 w 476029"/>
+                <a:gd name="connsiteY23" fmla="*/ 305749 h 558903"/>
+                <a:gd name="connsiteX24" fmla="*/ 474815 w 476029"/>
+                <a:gd name="connsiteY24" fmla="*/ 261415 h 558903"/>
+              </a:gdLst>
+              <a:ahLst/>
+              <a:cxnLst>
+                <a:cxn ang="0">
+                  <a:pos x="connsiteX0" y="connsiteY0"/>
+                </a:cxn>
+                <a:cxn ang="0">
+                  <a:pos x="connsiteX1" y="connsiteY1"/>
+                </a:cxn>
+                <a:cxn ang="0">
+                  <a:pos x="connsiteX2" y="connsiteY2"/>
+                </a:cxn>
+                <a:cxn ang="0">
+                  <a:pos x="connsiteX3" y="connsiteY3"/>
+                </a:cxn>
+                <a:cxn ang="0">
+                  <a:pos x="connsiteX4" y="connsiteY4"/>
+                </a:cxn>
+                <a:cxn ang="0">
+                  <a:pos x="connsiteX5" y="connsiteY5"/>
+                </a:cxn>
+                <a:cxn ang="0">
+                  <a:pos x="connsiteX6" y="connsiteY6"/>
+                </a:cxn>
+                <a:cxn ang="0">
+                  <a:pos x="connsiteX7" y="connsiteY7"/>
+                </a:cxn>
+                <a:cxn ang="0">
+                  <a:pos x="connsiteX8" y="connsiteY8"/>
+                </a:cxn>
+                <a:cxn ang="0">
+                  <a:pos x="connsiteX9" y="connsiteY9"/>
+                </a:cxn>
+                <a:cxn ang="0">
+                  <a:pos x="connsiteX10" y="connsiteY10"/>
+                </a:cxn>
+                <a:cxn ang="0">
+                  <a:pos x="connsiteX11" y="connsiteY11"/>
+                </a:cxn>
+                <a:cxn ang="0">
+                  <a:pos x="connsiteX12" y="connsiteY12"/>
+                </a:cxn>
+                <a:cxn ang="0">
+                  <a:pos x="connsiteX13" y="connsiteY13"/>
+                </a:cxn>
+                <a:cxn ang="0">
+                  <a:pos x="connsiteX14" y="connsiteY14"/>
+                </a:cxn>
+                <a:cxn ang="0">
+                  <a:pos x="connsiteX15" y="connsiteY15"/>
+                </a:cxn>
+                <a:cxn ang="0">
+                  <a:pos x="connsiteX16" y="connsiteY16"/>
+                </a:cxn>
+                <a:cxn ang="0">
+                  <a:pos x="connsiteX17" y="connsiteY17"/>
+                </a:cxn>
+                <a:cxn ang="0">
+                  <a:pos x="connsiteX18" y="connsiteY18"/>
+                </a:cxn>
+                <a:cxn ang="0">
+                  <a:pos x="connsiteX19" y="connsiteY19"/>
+                </a:cxn>
+                <a:cxn ang="0">
+                  <a:pos x="connsiteX20" y="connsiteY20"/>
+                </a:cxn>
+                <a:cxn ang="0">
+                  <a:pos x="connsiteX21" y="connsiteY21"/>
+                </a:cxn>
+                <a:cxn ang="0">
+                  <a:pos x="connsiteX22" y="connsiteY22"/>
+                </a:cxn>
+                <a:cxn ang="0">
+                  <a:pos x="connsiteX23" y="connsiteY23"/>
+                </a:cxn>
+                <a:cxn ang="0">
+                  <a:pos x="connsiteX24" y="connsiteY24"/>
+                </a:cxn>
+              </a:cxnLst>
+              <a:rect l="l" t="t" r="r" b="b"/>
+              <a:pathLst>
+                <a:path w="476029" h="558903">
+                  <a:moveTo>
+                    <a:pt x="474815" y="261415"/>
+                  </a:moveTo>
+                  <a:cubicBezTo>
+                    <a:pt x="473599" y="258048"/>
+                    <a:pt x="470858" y="255466"/>
+                    <a:pt x="467438" y="254466"/>
+                  </a:cubicBezTo>
+                  <a:cubicBezTo>
+                    <a:pt x="424425" y="241497"/>
+                    <a:pt x="363188" y="250370"/>
+                    <a:pt x="310365" y="246871"/>
+                  </a:cubicBezTo>
+                  <a:cubicBezTo>
+                    <a:pt x="290052" y="245418"/>
+                    <a:pt x="273089" y="230750"/>
+                    <a:pt x="268621" y="210777"/>
+                  </a:cubicBezTo>
+                  <a:cubicBezTo>
+                    <a:pt x="261961" y="181704"/>
+                    <a:pt x="254786" y="129118"/>
+                    <a:pt x="246573" y="32852"/>
+                  </a:cubicBezTo>
+                  <a:cubicBezTo>
+                    <a:pt x="245978" y="25865"/>
+                    <a:pt x="246252" y="18610"/>
+                    <a:pt x="245467" y="11559"/>
+                  </a:cubicBezTo>
+                  <a:cubicBezTo>
+                    <a:pt x="244490" y="4260"/>
+                    <a:pt x="237814" y="-861"/>
+                    <a:pt x="230553" y="120"/>
+                  </a:cubicBezTo>
+                  <a:cubicBezTo>
+                    <a:pt x="225791" y="764"/>
+                    <a:pt x="221748" y="3946"/>
+                    <a:pt x="219983" y="8439"/>
+                  </a:cubicBezTo>
+                  <a:cubicBezTo>
+                    <a:pt x="215836" y="19068"/>
+                    <a:pt x="212388" y="88393"/>
+                    <a:pt x="210190" y="99601"/>
+                  </a:cubicBezTo>
+                  <a:cubicBezTo>
+                    <a:pt x="202682" y="137890"/>
+                    <a:pt x="202794" y="208895"/>
+                    <a:pt x="190682" y="231134"/>
+                  </a:cubicBezTo>
+                  <a:cubicBezTo>
+                    <a:pt x="177560" y="255230"/>
+                    <a:pt x="165294" y="251094"/>
+                    <a:pt x="141165" y="256921"/>
+                  </a:cubicBezTo>
+                  <a:cubicBezTo>
+                    <a:pt x="101510" y="266500"/>
+                    <a:pt x="61856" y="276083"/>
+                    <a:pt x="22204" y="285672"/>
+                  </a:cubicBezTo>
+                  <a:cubicBezTo>
+                    <a:pt x="18565" y="286551"/>
+                    <a:pt x="14878" y="287456"/>
+                    <a:pt x="11222" y="288475"/>
+                  </a:cubicBezTo>
+                  <a:cubicBezTo>
+                    <a:pt x="3162" y="290630"/>
+                    <a:pt x="-1633" y="298948"/>
+                    <a:pt x="512" y="307051"/>
+                  </a:cubicBezTo>
+                  <a:cubicBezTo>
+                    <a:pt x="1962" y="312528"/>
+                    <a:pt x="6326" y="316737"/>
+                    <a:pt x="11829" y="317967"/>
+                  </a:cubicBezTo>
+                  <a:cubicBezTo>
+                    <a:pt x="31303" y="321281"/>
+                    <a:pt x="51084" y="322401"/>
+                    <a:pt x="70806" y="321305"/>
+                  </a:cubicBezTo>
+                  <a:lnTo>
+                    <a:pt x="167099" y="319227"/>
+                  </a:lnTo>
+                  <a:cubicBezTo>
+                    <a:pt x="173221" y="318483"/>
+                    <a:pt x="179423" y="319625"/>
+                    <a:pt x="184885" y="322501"/>
+                  </a:cubicBezTo>
+                  <a:cubicBezTo>
+                    <a:pt x="189528" y="326328"/>
+                    <a:pt x="192882" y="331502"/>
+                    <a:pt x="194489" y="337317"/>
+                  </a:cubicBezTo>
+                  <a:cubicBezTo>
+                    <a:pt x="219515" y="403600"/>
+                    <a:pt x="216243" y="481892"/>
+                    <a:pt x="239063" y="548981"/>
+                  </a:cubicBezTo>
+                  <a:cubicBezTo>
+                    <a:pt x="241784" y="556722"/>
+                    <a:pt x="250233" y="560787"/>
+                    <a:pt x="257933" y="558051"/>
+                  </a:cubicBezTo>
+                  <a:cubicBezTo>
+                    <a:pt x="262624" y="556380"/>
+                    <a:pt x="266167" y="552457"/>
+                    <a:pt x="267362" y="547604"/>
+                  </a:cubicBezTo>
+                  <a:cubicBezTo>
+                    <a:pt x="279327" y="500649"/>
+                    <a:pt x="279056" y="341135"/>
+                    <a:pt x="283937" y="329680"/>
+                  </a:cubicBezTo>
+                  <a:cubicBezTo>
+                    <a:pt x="292968" y="308489"/>
+                    <a:pt x="327602" y="312274"/>
+                    <a:pt x="349597" y="305749"/>
+                  </a:cubicBezTo>
+                  <a:cubicBezTo>
+                    <a:pt x="388305" y="294266"/>
+                    <a:pt x="488139" y="300190"/>
+                    <a:pt x="474815" y="261415"/>
+                  </a:cubicBezTo>
+                  <a:close/>
+                </a:path>
+              </a:pathLst>
+            </a:custGeom>
+            <a:grpFill/>
+            <a:ln w="9409" cap="flat">
+              <a:noFill/>
+              <a:prstDash val="solid"/>
+              <a:miter/>
+            </a:ln>
+          </p:spPr>
+          <p:txBody>
+            <a:bodyPr rtlCol="0" anchor="ctr"/>
+            <a:lstStyle/>
+            <a:p>
+              <a:endParaRPr lang="en-SV" dirty="0">
+                <a:latin typeface="Mulish Light" pitchFamily="2" charset="77"/>
+              </a:endParaRPr>
+            </a:p>
+          </p:txBody>
+        </p:sp>
+      </p:grpSp>
+      <p:sp>
+        <p:nvSpPr>
+          <p:cNvPr id="7" name="Freeform 6">
+            <a:extLst>
+              <a:ext uri="{FF2B5EF4-FFF2-40B4-BE49-F238E27FC236}">
+                <a16:creationId xmlns:a16="http://schemas.microsoft.com/office/drawing/2014/main" id="{E175B758-B548-EDA3-08DB-EC81E83A6982}"/>
+              </a:ext>
+            </a:extLst>
+          </p:cNvPr>
+          <p:cNvSpPr/>
+          <p:nvPr/>
+        </p:nvSpPr>
+        <p:spPr>
+          <a:xfrm rot="10800000">
+            <a:off x="21738626" y="2081188"/>
+            <a:ext cx="9283654" cy="13464656"/>
+          </a:xfrm>
+          <a:custGeom>
+            <a:avLst/>
+            <a:gdLst>
+              <a:gd name="connsiteX0" fmla="*/ 401778 w 1636054"/>
+              <a:gd name="connsiteY0" fmla="*/ 121093 h 2372870"/>
+              <a:gd name="connsiteX1" fmla="*/ 153620 w 1636054"/>
+              <a:gd name="connsiteY1" fmla="*/ 414847 h 2372870"/>
+              <a:gd name="connsiteX2" fmla="*/ 40671 w 1636054"/>
+              <a:gd name="connsiteY2" fmla="*/ 784768 h 2372870"/>
+              <a:gd name="connsiteX3" fmla="*/ 49565 w 1636054"/>
+              <a:gd name="connsiteY3" fmla="*/ 1173609 h 2372870"/>
+              <a:gd name="connsiteX4" fmla="*/ 143239 w 1636054"/>
+              <a:gd name="connsiteY4" fmla="*/ 1552975 h 2372870"/>
+              <a:gd name="connsiteX5" fmla="*/ 308814 w 1636054"/>
+              <a:gd name="connsiteY5" fmla="*/ 1904987 h 2372870"/>
+              <a:gd name="connsiteX6" fmla="*/ 571293 w 1636054"/>
+              <a:gd name="connsiteY6" fmla="*/ 2186826 h 2372870"/>
+              <a:gd name="connsiteX7" fmla="*/ 923219 w 1636054"/>
+              <a:gd name="connsiteY7" fmla="*/ 2331271 h 2372870"/>
+              <a:gd name="connsiteX8" fmla="*/ 1291614 w 1636054"/>
+              <a:gd name="connsiteY8" fmla="*/ 2257009 h 2372870"/>
+              <a:gd name="connsiteX9" fmla="*/ 1546078 w 1636054"/>
+              <a:gd name="connsiteY9" fmla="*/ 1979078 h 2372870"/>
+              <a:gd name="connsiteX10" fmla="*/ 1578861 w 1636054"/>
+              <a:gd name="connsiteY10" fmla="*/ 1889076 h 2372870"/>
+              <a:gd name="connsiteX11" fmla="*/ 1597323 w 1636054"/>
+              <a:gd name="connsiteY11" fmla="*/ 1795012 h 2372870"/>
+              <a:gd name="connsiteX12" fmla="*/ 1586453 w 1636054"/>
+              <a:gd name="connsiteY12" fmla="*/ 1606278 h 2372870"/>
+              <a:gd name="connsiteX13" fmla="*/ 1547329 w 1636054"/>
+              <a:gd name="connsiteY13" fmla="*/ 1521750 h 2372870"/>
+              <a:gd name="connsiteX14" fmla="*/ 1483943 w 1636054"/>
+              <a:gd name="connsiteY14" fmla="*/ 1453200 h 2372870"/>
+              <a:gd name="connsiteX15" fmla="*/ 1320189 w 1636054"/>
+              <a:gd name="connsiteY15" fmla="*/ 1348681 h 2372870"/>
+              <a:gd name="connsiteX16" fmla="*/ 1277644 w 1636054"/>
+              <a:gd name="connsiteY16" fmla="*/ 1322077 h 2372870"/>
+              <a:gd name="connsiteX17" fmla="*/ 1236738 w 1636054"/>
+              <a:gd name="connsiteY17" fmla="*/ 1292683 h 2372870"/>
+              <a:gd name="connsiteX18" fmla="*/ 1162083 w 1636054"/>
+              <a:gd name="connsiteY18" fmla="*/ 1225138 h 2372870"/>
+              <a:gd name="connsiteX19" fmla="*/ 1045432 w 1636054"/>
+              <a:gd name="connsiteY19" fmla="*/ 1061699 h 2372870"/>
+              <a:gd name="connsiteX20" fmla="*/ 982416 w 1636054"/>
+              <a:gd name="connsiteY20" fmla="*/ 871004 h 2372870"/>
+              <a:gd name="connsiteX21" fmla="*/ 976284 w 1636054"/>
+              <a:gd name="connsiteY21" fmla="*/ 820977 h 2372870"/>
+              <a:gd name="connsiteX22" fmla="*/ 974322 w 1636054"/>
+              <a:gd name="connsiteY22" fmla="*/ 795844 h 2372870"/>
+              <a:gd name="connsiteX23" fmla="*/ 974019 w 1636054"/>
+              <a:gd name="connsiteY23" fmla="*/ 770570 h 2372870"/>
+              <a:gd name="connsiteX24" fmla="*/ 973905 w 1636054"/>
+              <a:gd name="connsiteY24" fmla="*/ 757935 h 2372870"/>
+              <a:gd name="connsiteX25" fmla="*/ 974493 w 1636054"/>
+              <a:gd name="connsiteY25" fmla="*/ 745389 h 2372870"/>
+              <a:gd name="connsiteX26" fmla="*/ 975687 w 1636054"/>
+              <a:gd name="connsiteY26" fmla="*/ 720299 h 2372870"/>
+              <a:gd name="connsiteX27" fmla="*/ 980558 w 1636054"/>
+              <a:gd name="connsiteY27" fmla="*/ 670621 h 2372870"/>
+              <a:gd name="connsiteX28" fmla="*/ 1008176 w 1636054"/>
+              <a:gd name="connsiteY28" fmla="*/ 475279 h 2372870"/>
+              <a:gd name="connsiteX29" fmla="*/ 1013218 w 1636054"/>
+              <a:gd name="connsiteY29" fmla="*/ 426767 h 2372870"/>
+              <a:gd name="connsiteX30" fmla="*/ 1015095 w 1636054"/>
+              <a:gd name="connsiteY30" fmla="*/ 402522 h 2372870"/>
+              <a:gd name="connsiteX31" fmla="*/ 1015995 w 1636054"/>
+              <a:gd name="connsiteY31" fmla="*/ 378311 h 2372870"/>
+              <a:gd name="connsiteX32" fmla="*/ 1016422 w 1636054"/>
+              <a:gd name="connsiteY32" fmla="*/ 366207 h 2372870"/>
+              <a:gd name="connsiteX33" fmla="*/ 1016175 w 1636054"/>
+              <a:gd name="connsiteY33" fmla="*/ 354152 h 2372870"/>
+              <a:gd name="connsiteX34" fmla="*/ 1015701 w 1636054"/>
+              <a:gd name="connsiteY34" fmla="*/ 330039 h 2372870"/>
+              <a:gd name="connsiteX35" fmla="*/ 1013578 w 1636054"/>
+              <a:gd name="connsiteY35" fmla="*/ 306135 h 2372870"/>
+              <a:gd name="connsiteX36" fmla="*/ 1010555 w 1636054"/>
+              <a:gd name="connsiteY36" fmla="*/ 282403 h 2372870"/>
+              <a:gd name="connsiteX37" fmla="*/ 1006385 w 1636054"/>
+              <a:gd name="connsiteY37" fmla="*/ 258893 h 2372870"/>
+              <a:gd name="connsiteX38" fmla="*/ 1000148 w 1636054"/>
+              <a:gd name="connsiteY38" fmla="*/ 235966 h 2372870"/>
+              <a:gd name="connsiteX39" fmla="*/ 983819 w 1636054"/>
+              <a:gd name="connsiteY39" fmla="*/ 191521 h 2372870"/>
+              <a:gd name="connsiteX40" fmla="*/ 855539 w 1636054"/>
+              <a:gd name="connsiteY40" fmla="*/ 58035 h 2372870"/>
+              <a:gd name="connsiteX41" fmla="*/ 765255 w 1636054"/>
+              <a:gd name="connsiteY41" fmla="*/ 29636 h 2372870"/>
+              <a:gd name="connsiteX42" fmla="*/ 575104 w 1636054"/>
+              <a:gd name="connsiteY42" fmla="*/ 40497 h 2372870"/>
+              <a:gd name="connsiteX43" fmla="*/ 401778 w 1636054"/>
+              <a:gd name="connsiteY43" fmla="*/ 121093 h 2372870"/>
+              <a:gd name="connsiteX44" fmla="*/ 386449 w 1636054"/>
+              <a:gd name="connsiteY44" fmla="*/ 99836 h 2372870"/>
+              <a:gd name="connsiteX45" fmla="*/ 568927 w 1636054"/>
+              <a:gd name="connsiteY45" fmla="*/ 16380 h 2372870"/>
+              <a:gd name="connsiteX46" fmla="*/ 769283 w 1636054"/>
+              <a:gd name="connsiteY46" fmla="*/ 5720 h 2372870"/>
+              <a:gd name="connsiteX47" fmla="*/ 866173 w 1636054"/>
+              <a:gd name="connsiteY47" fmla="*/ 36475 h 2372870"/>
+              <a:gd name="connsiteX48" fmla="*/ 1006508 w 1636054"/>
+              <a:gd name="connsiteY48" fmla="*/ 180869 h 2372870"/>
+              <a:gd name="connsiteX49" fmla="*/ 1024411 w 1636054"/>
+              <a:gd name="connsiteY49" fmla="*/ 228741 h 2372870"/>
+              <a:gd name="connsiteX50" fmla="*/ 1031207 w 1636054"/>
+              <a:gd name="connsiteY50" fmla="*/ 253330 h 2372870"/>
+              <a:gd name="connsiteX51" fmla="*/ 1035803 w 1636054"/>
+              <a:gd name="connsiteY51" fmla="*/ 278334 h 2372870"/>
+              <a:gd name="connsiteX52" fmla="*/ 1039139 w 1636054"/>
+              <a:gd name="connsiteY52" fmla="*/ 303444 h 2372870"/>
+              <a:gd name="connsiteX53" fmla="*/ 1041490 w 1636054"/>
+              <a:gd name="connsiteY53" fmla="*/ 328632 h 2372870"/>
+              <a:gd name="connsiteX54" fmla="*/ 1042134 w 1636054"/>
+              <a:gd name="connsiteY54" fmla="*/ 353805 h 2372870"/>
+              <a:gd name="connsiteX55" fmla="*/ 1042447 w 1636054"/>
+              <a:gd name="connsiteY55" fmla="*/ 366394 h 2372870"/>
+              <a:gd name="connsiteX56" fmla="*/ 1042077 w 1636054"/>
+              <a:gd name="connsiteY56" fmla="*/ 378923 h 2372870"/>
+              <a:gd name="connsiteX57" fmla="*/ 1041272 w 1636054"/>
+              <a:gd name="connsiteY57" fmla="*/ 403982 h 2372870"/>
+              <a:gd name="connsiteX58" fmla="*/ 1039481 w 1636054"/>
+              <a:gd name="connsiteY58" fmla="*/ 428894 h 2372870"/>
+              <a:gd name="connsiteX59" fmla="*/ 1034590 w 1636054"/>
+              <a:gd name="connsiteY59" fmla="*/ 478466 h 2372870"/>
+              <a:gd name="connsiteX60" fmla="*/ 1008024 w 1636054"/>
+              <a:gd name="connsiteY60" fmla="*/ 673748 h 2372870"/>
+              <a:gd name="connsiteX61" fmla="*/ 1003523 w 1636054"/>
+              <a:gd name="connsiteY61" fmla="*/ 722213 h 2372870"/>
+              <a:gd name="connsiteX62" fmla="*/ 1002508 w 1636054"/>
+              <a:gd name="connsiteY62" fmla="*/ 746374 h 2372870"/>
+              <a:gd name="connsiteX63" fmla="*/ 1001997 w 1636054"/>
+              <a:gd name="connsiteY63" fmla="*/ 758453 h 2372870"/>
+              <a:gd name="connsiteX64" fmla="*/ 1002186 w 1636054"/>
+              <a:gd name="connsiteY64" fmla="*/ 770465 h 2372870"/>
+              <a:gd name="connsiteX65" fmla="*/ 1002575 w 1636054"/>
+              <a:gd name="connsiteY65" fmla="*/ 794484 h 2372870"/>
+              <a:gd name="connsiteX66" fmla="*/ 1004594 w 1636054"/>
+              <a:gd name="connsiteY66" fmla="*/ 818490 h 2372870"/>
+              <a:gd name="connsiteX67" fmla="*/ 1010697 w 1636054"/>
+              <a:gd name="connsiteY67" fmla="*/ 866248 h 2372870"/>
+              <a:gd name="connsiteX68" fmla="*/ 1071866 w 1636054"/>
+              <a:gd name="connsiteY68" fmla="*/ 1048103 h 2372870"/>
+              <a:gd name="connsiteX69" fmla="*/ 1184185 w 1636054"/>
+              <a:gd name="connsiteY69" fmla="*/ 1203734 h 2372870"/>
+              <a:gd name="connsiteX70" fmla="*/ 1255864 w 1636054"/>
+              <a:gd name="connsiteY70" fmla="*/ 1267910 h 2372870"/>
+              <a:gd name="connsiteX71" fmla="*/ 1295092 w 1636054"/>
+              <a:gd name="connsiteY71" fmla="*/ 1295785 h 2372870"/>
+              <a:gd name="connsiteX72" fmla="*/ 1336206 w 1636054"/>
+              <a:gd name="connsiteY72" fmla="*/ 1321194 h 2372870"/>
+              <a:gd name="connsiteX73" fmla="*/ 1504604 w 1636054"/>
+              <a:gd name="connsiteY73" fmla="*/ 1427886 h 2372870"/>
+              <a:gd name="connsiteX74" fmla="*/ 1574719 w 1636054"/>
+              <a:gd name="connsiteY74" fmla="*/ 1503306 h 2372870"/>
+              <a:gd name="connsiteX75" fmla="*/ 1618439 w 1636054"/>
+              <a:gd name="connsiteY75" fmla="*/ 1596809 h 2372870"/>
+              <a:gd name="connsiteX76" fmla="*/ 1631149 w 1636054"/>
+              <a:gd name="connsiteY76" fmla="*/ 1799007 h 2372870"/>
+              <a:gd name="connsiteX77" fmla="*/ 1612023 w 1636054"/>
+              <a:gd name="connsiteY77" fmla="*/ 1898289 h 2372870"/>
+              <a:gd name="connsiteX78" fmla="*/ 1577724 w 1636054"/>
+              <a:gd name="connsiteY78" fmla="*/ 1993481 h 2372870"/>
+              <a:gd name="connsiteX79" fmla="*/ 1309507 w 1636054"/>
+              <a:gd name="connsiteY79" fmla="*/ 2288461 h 2372870"/>
+              <a:gd name="connsiteX80" fmla="*/ 918821 w 1636054"/>
+              <a:gd name="connsiteY80" fmla="*/ 2368615 h 2372870"/>
+              <a:gd name="connsiteX81" fmla="*/ 549563 w 1636054"/>
+              <a:gd name="connsiteY81" fmla="*/ 2216846 h 2372870"/>
+              <a:gd name="connsiteX82" fmla="*/ 278661 w 1636054"/>
+              <a:gd name="connsiteY82" fmla="*/ 1924418 h 2372870"/>
+              <a:gd name="connsiteX83" fmla="*/ 110386 w 1636054"/>
+              <a:gd name="connsiteY83" fmla="*/ 1564133 h 2372870"/>
+              <a:gd name="connsiteX84" fmla="*/ 16820 w 1636054"/>
+              <a:gd name="connsiteY84" fmla="*/ 1178401 h 2372870"/>
+              <a:gd name="connsiteX85" fmla="*/ 10110 w 1636054"/>
+              <a:gd name="connsiteY85" fmla="*/ 780994 h 2372870"/>
+              <a:gd name="connsiteX86" fmla="*/ 128438 w 1636054"/>
+              <a:gd name="connsiteY86" fmla="*/ 401508 h 2372870"/>
+              <a:gd name="connsiteX87" fmla="*/ 386449 w 1636054"/>
+              <a:gd name="connsiteY87" fmla="*/ 99837 h 2372870"/>
+            </a:gdLst>
+            <a:ahLst/>
+            <a:cxnLst>
+              <a:cxn ang="0">
+                <a:pos x="connsiteX0" y="connsiteY0"/>
+              </a:cxn>
+              <a:cxn ang="0">
+                <a:pos x="connsiteX1" y="connsiteY1"/>
+              </a:cxn>
+              <a:cxn ang="0">
+                <a:pos x="connsiteX2" y="connsiteY2"/>
+              </a:cxn>
+              <a:cxn ang="0">
+                <a:pos x="connsiteX3" y="connsiteY3"/>
+              </a:cxn>
+              <a:cxn ang="0">
+                <a:pos x="connsiteX4" y="connsiteY4"/>
+              </a:cxn>
+              <a:cxn ang="0">
+                <a:pos x="connsiteX5" y="connsiteY5"/>
+              </a:cxn>
+              <a:cxn ang="0">
+                <a:pos x="connsiteX6" y="connsiteY6"/>
+              </a:cxn>
+              <a:cxn ang="0">
+                <a:pos x="connsiteX7" y="connsiteY7"/>
+              </a:cxn>
+              <a:cxn ang="0">
+                <a:pos x="connsiteX8" y="connsiteY8"/>
+              </a:cxn>
+              <a:cxn ang="0">
+                <a:pos x="connsiteX9" y="connsiteY9"/>
+              </a:cxn>
+              <a:cxn ang="0">
+                <a:pos x="connsiteX10" y="connsiteY10"/>
+              </a:cxn>
+              <a:cxn ang="0">
+                <a:pos x="connsiteX11" y="connsiteY11"/>
+              </a:cxn>
+              <a:cxn ang="0">
+                <a:pos x="connsiteX12" y="connsiteY12"/>
+              </a:cxn>
+              <a:cxn ang="0">
+                <a:pos x="connsiteX13" y="connsiteY13"/>
+              </a:cxn>
+              <a:cxn ang="0">
+                <a:pos x="connsiteX14" y="connsiteY14"/>
+              </a:cxn>
+              <a:cxn ang="0">
+                <a:pos x="connsiteX15" y="connsiteY15"/>
+              </a:cxn>
+              <a:cxn ang="0">
+                <a:pos x="connsiteX16" y="connsiteY16"/>
+              </a:cxn>
+              <a:cxn ang="0">
+                <a:pos x="connsiteX17" y="connsiteY17"/>
+              </a:cxn>
+              <a:cxn ang="0">
+                <a:pos x="connsiteX18" y="connsiteY18"/>
+              </a:cxn>
+              <a:cxn ang="0">
+                <a:pos x="connsiteX19" y="connsiteY19"/>
+              </a:cxn>
+              <a:cxn ang="0">
+                <a:pos x="connsiteX20" y="connsiteY20"/>
+              </a:cxn>
+              <a:cxn ang="0">
+                <a:pos x="connsiteX21" y="connsiteY21"/>
+              </a:cxn>
+              <a:cxn ang="0">
+                <a:pos x="connsiteX22" y="connsiteY22"/>
+              </a:cxn>
+              <a:cxn ang="0">
+                <a:pos x="connsiteX23" y="connsiteY23"/>
+              </a:cxn>
+              <a:cxn ang="0">
+                <a:pos x="connsiteX24" y="connsiteY24"/>
+              </a:cxn>
+              <a:cxn ang="0">
+                <a:pos x="connsiteX25" y="connsiteY25"/>
+              </a:cxn>
+              <a:cxn ang="0">
+                <a:pos x="connsiteX26" y="connsiteY26"/>
+              </a:cxn>
+              <a:cxn ang="0">
+                <a:pos x="connsiteX27" y="connsiteY27"/>
+              </a:cxn>
+              <a:cxn ang="0">
+                <a:pos x="connsiteX28" y="connsiteY28"/>
+              </a:cxn>
+              <a:cxn ang="0">
+                <a:pos x="connsiteX29" y="connsiteY29"/>
+              </a:cxn>
+              <a:cxn ang="0">
+                <a:pos x="connsiteX30" y="connsiteY30"/>
+              </a:cxn>
+              <a:cxn ang="0">
+                <a:pos x="connsiteX31" y="connsiteY31"/>
+              </a:cxn>
+              <a:cxn ang="0">
+                <a:pos x="connsiteX32" y="connsiteY32"/>
+              </a:cxn>
+              <a:cxn ang="0">
+                <a:pos x="connsiteX33" y="connsiteY33"/>
+              </a:cxn>
+              <a:cxn ang="0">
+                <a:pos x="connsiteX34" y="connsiteY34"/>
+              </a:cxn>
+              <a:cxn ang="0">
+                <a:pos x="connsiteX35" y="connsiteY35"/>
+              </a:cxn>
+              <a:cxn ang="0">
+                <a:pos x="connsiteX36" y="connsiteY36"/>
+              </a:cxn>
+              <a:cxn ang="0">
+                <a:pos x="connsiteX37" y="connsiteY37"/>
+              </a:cxn>
+              <a:cxn ang="0">
+                <a:pos x="connsiteX38" y="connsiteY38"/>
+              </a:cxn>
+              <a:cxn ang="0">
+                <a:pos x="connsiteX39" y="connsiteY39"/>
+              </a:cxn>
+              <a:cxn ang="0">
+                <a:pos x="connsiteX40" y="connsiteY40"/>
+              </a:cxn>
+              <a:cxn ang="0">
+                <a:pos x="connsiteX41" y="connsiteY41"/>
+              </a:cxn>
+              <a:cxn ang="0">
+                <a:pos x="connsiteX42" y="connsiteY42"/>
+              </a:cxn>
+              <a:cxn ang="0">
+                <a:pos x="connsiteX43" y="connsiteY43"/>
+              </a:cxn>
+              <a:cxn ang="0">
+                <a:pos x="connsiteX44" y="connsiteY44"/>
+              </a:cxn>
+              <a:cxn ang="0">
+                <a:pos x="connsiteX45" y="connsiteY45"/>
+              </a:cxn>
+              <a:cxn ang="0">
+                <a:pos x="connsiteX46" y="connsiteY46"/>
+              </a:cxn>
+              <a:cxn ang="0">
+                <a:pos x="connsiteX47" y="connsiteY47"/>
+              </a:cxn>
+              <a:cxn ang="0">
+                <a:pos x="connsiteX48" y="connsiteY48"/>
+              </a:cxn>
+              <a:cxn ang="0">
+                <a:pos x="connsiteX49" y="connsiteY49"/>
+              </a:cxn>
+              <a:cxn ang="0">
+                <a:pos x="connsiteX50" y="connsiteY50"/>
+              </a:cxn>
+              <a:cxn ang="0">
+                <a:pos x="connsiteX51" y="connsiteY51"/>
+              </a:cxn>
+              <a:cxn ang="0">
+                <a:pos x="connsiteX52" y="connsiteY52"/>
+              </a:cxn>
+              <a:cxn ang="0">
+                <a:pos x="connsiteX53" y="connsiteY53"/>
+              </a:cxn>
+              <a:cxn ang="0">
+                <a:pos x="connsiteX54" y="connsiteY54"/>
+              </a:cxn>
+              <a:cxn ang="0">
+                <a:pos x="connsiteX55" y="connsiteY55"/>
+              </a:cxn>
+              <a:cxn ang="0">
+                <a:pos x="connsiteX56" y="connsiteY56"/>
+              </a:cxn>
+              <a:cxn ang="0">
+                <a:pos x="connsiteX57" y="connsiteY57"/>
+              </a:cxn>
+              <a:cxn ang="0">
+                <a:pos x="connsiteX58" y="connsiteY58"/>
+              </a:cxn>
+              <a:cxn ang="0">
+                <a:pos x="connsiteX59" y="connsiteY59"/>
+              </a:cxn>
+              <a:cxn ang="0">
+                <a:pos x="connsiteX60" y="connsiteY60"/>
+              </a:cxn>
+              <a:cxn ang="0">
+                <a:pos x="connsiteX61" y="connsiteY61"/>
+              </a:cxn>
+              <a:cxn ang="0">
+                <a:pos x="connsiteX62" y="connsiteY62"/>
+              </a:cxn>
+              <a:cxn ang="0">
+                <a:pos x="connsiteX63" y="connsiteY63"/>
+              </a:cxn>
+              <a:cxn ang="0">
+                <a:pos x="connsiteX64" y="connsiteY64"/>
+              </a:cxn>
+              <a:cxn ang="0">
+                <a:pos x="connsiteX65" y="connsiteY65"/>
+              </a:cxn>
+              <a:cxn ang="0">
+                <a:pos x="connsiteX66" y="connsiteY66"/>
+              </a:cxn>
+              <a:cxn ang="0">
+                <a:pos x="connsiteX67" y="connsiteY67"/>
+              </a:cxn>
+              <a:cxn ang="0">
+                <a:pos x="connsiteX68" y="connsiteY68"/>
+              </a:cxn>
+              <a:cxn ang="0">
+                <a:pos x="connsiteX69" y="connsiteY69"/>
+              </a:cxn>
+              <a:cxn ang="0">
+                <a:pos x="connsiteX70" y="connsiteY70"/>
+              </a:cxn>
+              <a:cxn ang="0">
+                <a:pos x="connsiteX71" y="connsiteY71"/>
+              </a:cxn>
+              <a:cxn ang="0">
+                <a:pos x="connsiteX72" y="connsiteY72"/>
+              </a:cxn>
+              <a:cxn ang="0">
+                <a:pos x="connsiteX73" y="connsiteY73"/>
+              </a:cxn>
+              <a:cxn ang="0">
+                <a:pos x="connsiteX74" y="connsiteY74"/>
+              </a:cxn>
+              <a:cxn ang="0">
+                <a:pos x="connsiteX75" y="connsiteY75"/>
+              </a:cxn>
+              <a:cxn ang="0">
+                <a:pos x="connsiteX76" y="connsiteY76"/>
+              </a:cxn>
+              <a:cxn ang="0">
+                <a:pos x="connsiteX77" y="connsiteY77"/>
+              </a:cxn>
+              <a:cxn ang="0">
+                <a:pos x="connsiteX78" y="connsiteY78"/>
+              </a:cxn>
+              <a:cxn ang="0">
+                <a:pos x="connsiteX79" y="connsiteY79"/>
+              </a:cxn>
+              <a:cxn ang="0">
+                <a:pos x="connsiteX80" y="connsiteY80"/>
+              </a:cxn>
+              <a:cxn ang="0">
+                <a:pos x="connsiteX81" y="connsiteY81"/>
+              </a:cxn>
+              <a:cxn ang="0">
+                <a:pos x="connsiteX82" y="connsiteY82"/>
+              </a:cxn>
+              <a:cxn ang="0">
+                <a:pos x="connsiteX83" y="connsiteY83"/>
+              </a:cxn>
+              <a:cxn ang="0">
+                <a:pos x="connsiteX84" y="connsiteY84"/>
+              </a:cxn>
+              <a:cxn ang="0">
+                <a:pos x="connsiteX85" y="connsiteY85"/>
+              </a:cxn>
+              <a:cxn ang="0">
+                <a:pos x="connsiteX86" y="connsiteY86"/>
+              </a:cxn>
+              <a:cxn ang="0">
+                <a:pos x="connsiteX87" y="connsiteY87"/>
+              </a:cxn>
+            </a:cxnLst>
+            <a:rect l="l" t="t" r="r" b="b"/>
+            <a:pathLst>
+              <a:path w="1636054" h="2372870">
+                <a:moveTo>
+                  <a:pt x="401778" y="121093"/>
+                </a:moveTo>
+                <a:cubicBezTo>
+                  <a:pt x="297730" y="198749"/>
+                  <a:pt x="212839" y="299238"/>
+                  <a:pt x="153620" y="414847"/>
+                </a:cubicBezTo>
+                <a:cubicBezTo>
+                  <a:pt x="93699" y="530206"/>
+                  <a:pt x="55416" y="655586"/>
+                  <a:pt x="40671" y="784768"/>
+                </a:cubicBezTo>
+                <a:cubicBezTo>
+                  <a:pt x="26337" y="914201"/>
+                  <a:pt x="29328" y="1044972"/>
+                  <a:pt x="49565" y="1173609"/>
+                </a:cubicBezTo>
+                <a:cubicBezTo>
+                  <a:pt x="69545" y="1302588"/>
+                  <a:pt x="100892" y="1429537"/>
+                  <a:pt x="143239" y="1552975"/>
+                </a:cubicBezTo>
+                <a:cubicBezTo>
+                  <a:pt x="183894" y="1676631"/>
+                  <a:pt x="239498" y="1794842"/>
+                  <a:pt x="308814" y="1904987"/>
+                </a:cubicBezTo>
+                <a:cubicBezTo>
+                  <a:pt x="377951" y="2014525"/>
+                  <a:pt x="466981" y="2110116"/>
+                  <a:pt x="571293" y="2186826"/>
+                </a:cubicBezTo>
+                <a:cubicBezTo>
+                  <a:pt x="674690" y="2263679"/>
+                  <a:pt x="795688" y="2313338"/>
+                  <a:pt x="923219" y="2331271"/>
+                </a:cubicBezTo>
+                <a:cubicBezTo>
+                  <a:pt x="1050787" y="2346527"/>
+                  <a:pt x="1179882" y="2320502"/>
+                  <a:pt x="1291614" y="2257009"/>
+                </a:cubicBezTo>
+                <a:cubicBezTo>
+                  <a:pt x="1403459" y="2193382"/>
+                  <a:pt x="1492482" y="2096150"/>
+                  <a:pt x="1546078" y="1979078"/>
+                </a:cubicBezTo>
+                <a:cubicBezTo>
+                  <a:pt x="1559176" y="1949912"/>
+                  <a:pt x="1570132" y="1919836"/>
+                  <a:pt x="1578861" y="1889076"/>
+                </a:cubicBezTo>
+                <a:cubicBezTo>
+                  <a:pt x="1587419" y="1858240"/>
+                  <a:pt x="1593599" y="1826797"/>
+                  <a:pt x="1597323" y="1795012"/>
+                </a:cubicBezTo>
+                <a:cubicBezTo>
+                  <a:pt x="1606498" y="1732012"/>
+                  <a:pt x="1602801" y="1667808"/>
+                  <a:pt x="1586453" y="1606278"/>
+                </a:cubicBezTo>
+                <a:cubicBezTo>
+                  <a:pt x="1577762" y="1576277"/>
+                  <a:pt x="1564569" y="1547776"/>
+                  <a:pt x="1547329" y="1521750"/>
+                </a:cubicBezTo>
+                <a:cubicBezTo>
+                  <a:pt x="1529701" y="1495896"/>
+                  <a:pt x="1508338" y="1472792"/>
+                  <a:pt x="1483943" y="1453200"/>
+                </a:cubicBezTo>
+                <a:cubicBezTo>
+                  <a:pt x="1434744" y="1412810"/>
+                  <a:pt x="1377121" y="1382126"/>
+                  <a:pt x="1320189" y="1348681"/>
+                </a:cubicBezTo>
+                <a:cubicBezTo>
+                  <a:pt x="1305906" y="1340521"/>
+                  <a:pt x="1291813" y="1331005"/>
+                  <a:pt x="1277644" y="1322077"/>
+                </a:cubicBezTo>
+                <a:cubicBezTo>
+                  <a:pt x="1263655" y="1312807"/>
+                  <a:pt x="1250263" y="1302607"/>
+                  <a:pt x="1236738" y="1292683"/>
+                </a:cubicBezTo>
+                <a:cubicBezTo>
+                  <a:pt x="1210305" y="1271942"/>
+                  <a:pt x="1185360" y="1249370"/>
+                  <a:pt x="1162083" y="1225138"/>
+                </a:cubicBezTo>
+                <a:cubicBezTo>
+                  <a:pt x="1115235" y="1176816"/>
+                  <a:pt x="1075913" y="1121720"/>
+                  <a:pt x="1045432" y="1061699"/>
+                </a:cubicBezTo>
+                <a:cubicBezTo>
+                  <a:pt x="1014640" y="1001802"/>
+                  <a:pt x="993382" y="937464"/>
+                  <a:pt x="982416" y="871004"/>
+                </a:cubicBezTo>
+                <a:cubicBezTo>
+                  <a:pt x="980113" y="854354"/>
+                  <a:pt x="977118" y="837788"/>
+                  <a:pt x="976284" y="820977"/>
+                </a:cubicBezTo>
+                <a:lnTo>
+                  <a:pt x="974322" y="795844"/>
+                </a:lnTo>
+                <a:lnTo>
+                  <a:pt x="974019" y="770570"/>
+                </a:lnTo>
+                <a:lnTo>
+                  <a:pt x="973905" y="757935"/>
+                </a:lnTo>
+                <a:lnTo>
+                  <a:pt x="974493" y="745389"/>
+                </a:lnTo>
+                <a:lnTo>
+                  <a:pt x="975687" y="720299"/>
+                </a:lnTo>
+                <a:cubicBezTo>
+                  <a:pt x="977326" y="703743"/>
+                  <a:pt x="978388" y="687040"/>
+                  <a:pt x="980558" y="670621"/>
+                </a:cubicBezTo>
+                <a:cubicBezTo>
+                  <a:pt x="988273" y="604714"/>
+                  <a:pt x="1000300" y="539988"/>
+                  <a:pt x="1008176" y="475279"/>
+                </a:cubicBezTo>
+                <a:cubicBezTo>
+                  <a:pt x="1010024" y="459106"/>
+                  <a:pt x="1012119" y="442927"/>
+                  <a:pt x="1013218" y="426767"/>
+                </a:cubicBezTo>
+                <a:cubicBezTo>
+                  <a:pt x="1013825" y="418686"/>
+                  <a:pt x="1014668" y="410597"/>
+                  <a:pt x="1015095" y="402522"/>
+                </a:cubicBezTo>
+                <a:lnTo>
+                  <a:pt x="1015995" y="378311"/>
+                </a:lnTo>
+                <a:lnTo>
+                  <a:pt x="1016422" y="366207"/>
+                </a:lnTo>
+                <a:lnTo>
+                  <a:pt x="1016175" y="354152"/>
+                </a:lnTo>
+                <a:lnTo>
+                  <a:pt x="1015701" y="330039"/>
+                </a:lnTo>
+                <a:lnTo>
+                  <a:pt x="1013578" y="306135"/>
+                </a:lnTo>
+                <a:cubicBezTo>
+                  <a:pt x="1013085" y="298167"/>
+                  <a:pt x="1012081" y="290239"/>
+                  <a:pt x="1010555" y="282403"/>
+                </a:cubicBezTo>
+                <a:lnTo>
+                  <a:pt x="1006385" y="258893"/>
+                </a:lnTo>
+                <a:cubicBezTo>
+                  <a:pt x="1004679" y="251146"/>
+                  <a:pt x="1002186" y="243620"/>
+                  <a:pt x="1000148" y="235966"/>
+                </a:cubicBezTo>
+                <a:cubicBezTo>
+                  <a:pt x="995760" y="220783"/>
+                  <a:pt x="990311" y="205931"/>
+                  <a:pt x="983819" y="191521"/>
+                </a:cubicBezTo>
+                <a:cubicBezTo>
+                  <a:pt x="957746" y="133530"/>
+                  <a:pt x="912414" y="86364"/>
+                  <a:pt x="855539" y="58035"/>
+                </a:cubicBezTo>
+                <a:cubicBezTo>
+                  <a:pt x="826955" y="44298"/>
+                  <a:pt x="796550" y="34735"/>
+                  <a:pt x="765255" y="29636"/>
+                </a:cubicBezTo>
+                <a:cubicBezTo>
+                  <a:pt x="701812" y="19952"/>
+                  <a:pt x="637041" y="23652"/>
+                  <a:pt x="575104" y="40497"/>
+                </a:cubicBezTo>
+                <a:cubicBezTo>
+                  <a:pt x="512883" y="56500"/>
+                  <a:pt x="454130" y="83820"/>
+                  <a:pt x="401778" y="121093"/>
+                </a:cubicBezTo>
+                <a:close/>
+                <a:moveTo>
+                  <a:pt x="386449" y="99836"/>
+                </a:moveTo>
+                <a:cubicBezTo>
+                  <a:pt x="441643" y="61041"/>
+                  <a:pt x="503500" y="32751"/>
+                  <a:pt x="568927" y="16380"/>
+                </a:cubicBezTo>
+                <a:cubicBezTo>
+                  <a:pt x="634268" y="-945"/>
+                  <a:pt x="702476" y="-4575"/>
+                  <a:pt x="769283" y="5720"/>
+                </a:cubicBezTo>
+                <a:cubicBezTo>
+                  <a:pt x="802881" y="11278"/>
+                  <a:pt x="835513" y="21635"/>
+                  <a:pt x="866173" y="36475"/>
+                </a:cubicBezTo>
+                <a:cubicBezTo>
+                  <a:pt x="928185" y="66967"/>
+                  <a:pt x="977762" y="117978"/>
+                  <a:pt x="1006508" y="180869"/>
+                </a:cubicBezTo>
+                <a:cubicBezTo>
+                  <a:pt x="1013597" y="196381"/>
+                  <a:pt x="1019578" y="212378"/>
+                  <a:pt x="1024411" y="228741"/>
+                </a:cubicBezTo>
+                <a:cubicBezTo>
+                  <a:pt x="1026657" y="236938"/>
+                  <a:pt x="1029340" y="245060"/>
+                  <a:pt x="1031207" y="253330"/>
+                </a:cubicBezTo>
+                <a:lnTo>
+                  <a:pt x="1035803" y="278334"/>
+                </a:lnTo>
+                <a:cubicBezTo>
+                  <a:pt x="1037443" y="286625"/>
+                  <a:pt x="1038561" y="295012"/>
+                  <a:pt x="1039139" y="303444"/>
+                </a:cubicBezTo>
+                <a:lnTo>
+                  <a:pt x="1041490" y="328632"/>
+                </a:lnTo>
+                <a:lnTo>
+                  <a:pt x="1042134" y="353805"/>
+                </a:lnTo>
+                <a:lnTo>
+                  <a:pt x="1042447" y="366394"/>
+                </a:lnTo>
+                <a:lnTo>
+                  <a:pt x="1042077" y="378923"/>
+                </a:lnTo>
+                <a:lnTo>
+                  <a:pt x="1041272" y="403982"/>
+                </a:lnTo>
+                <a:cubicBezTo>
+                  <a:pt x="1040874" y="412316"/>
+                  <a:pt x="1040068" y="420588"/>
+                  <a:pt x="1039481" y="428894"/>
+                </a:cubicBezTo>
+                <a:cubicBezTo>
+                  <a:pt x="1038429" y="445541"/>
+                  <a:pt x="1036391" y="461977"/>
+                  <a:pt x="1034590" y="478466"/>
+                </a:cubicBezTo>
+                <a:cubicBezTo>
+                  <a:pt x="1026904" y="544309"/>
+                  <a:pt x="1015237" y="609021"/>
+                  <a:pt x="1008024" y="673748"/>
+                </a:cubicBezTo>
+                <a:cubicBezTo>
+                  <a:pt x="1005968" y="689928"/>
+                  <a:pt x="1005048" y="706060"/>
+                  <a:pt x="1003523" y="722213"/>
+                </a:cubicBezTo>
+                <a:lnTo>
+                  <a:pt x="1002508" y="746374"/>
+                </a:lnTo>
+                <a:lnTo>
+                  <a:pt x="1001997" y="758453"/>
+                </a:lnTo>
+                <a:lnTo>
+                  <a:pt x="1002186" y="770465"/>
+                </a:lnTo>
+                <a:lnTo>
+                  <a:pt x="1002575" y="794484"/>
+                </a:lnTo>
+                <a:lnTo>
+                  <a:pt x="1004594" y="818490"/>
+                </a:lnTo>
+                <a:cubicBezTo>
+                  <a:pt x="1005446" y="834547"/>
+                  <a:pt x="1008432" y="850359"/>
+                  <a:pt x="1010697" y="866248"/>
+                </a:cubicBezTo>
+                <a:cubicBezTo>
+                  <a:pt x="1021511" y="929685"/>
+                  <a:pt x="1042144" y="991042"/>
+                  <a:pt x="1071866" y="1048103"/>
+                </a:cubicBezTo>
+                <a:cubicBezTo>
+                  <a:pt x="1101294" y="1105325"/>
+                  <a:pt x="1139157" y="1157783"/>
+                  <a:pt x="1184185" y="1203734"/>
+                </a:cubicBezTo>
+                <a:cubicBezTo>
+                  <a:pt x="1206552" y="1226770"/>
+                  <a:pt x="1230502" y="1248222"/>
+                  <a:pt x="1255864" y="1267910"/>
+                </a:cubicBezTo>
+                <a:cubicBezTo>
+                  <a:pt x="1268848" y="1277313"/>
+                  <a:pt x="1281672" y="1287000"/>
+                  <a:pt x="1295092" y="1295785"/>
+                </a:cubicBezTo>
+                <a:cubicBezTo>
+                  <a:pt x="1308758" y="1304277"/>
+                  <a:pt x="1321923" y="1313129"/>
+                  <a:pt x="1336206" y="1321194"/>
+                </a:cubicBezTo>
+                <a:cubicBezTo>
+                  <a:pt x="1392522" y="1353918"/>
+                  <a:pt x="1451814" y="1384906"/>
+                  <a:pt x="1504604" y="1427886"/>
+                </a:cubicBezTo>
+                <a:cubicBezTo>
+                  <a:pt x="1531558" y="1449424"/>
+                  <a:pt x="1555186" y="1474842"/>
+                  <a:pt x="1574719" y="1503306"/>
+                </a:cubicBezTo>
+                <a:cubicBezTo>
+                  <a:pt x="1593940" y="1532073"/>
+                  <a:pt x="1608687" y="1563602"/>
+                  <a:pt x="1618439" y="1596809"/>
+                </a:cubicBezTo>
+                <a:cubicBezTo>
+                  <a:pt x="1636324" y="1662646"/>
+                  <a:pt x="1640646" y="1731443"/>
+                  <a:pt x="1631149" y="1799007"/>
+                </a:cubicBezTo>
+                <a:cubicBezTo>
+                  <a:pt x="1627329" y="1832537"/>
+                  <a:pt x="1620932" y="1865736"/>
+                  <a:pt x="1612023" y="1898289"/>
+                </a:cubicBezTo>
+                <a:cubicBezTo>
+                  <a:pt x="1602915" y="1930813"/>
+                  <a:pt x="1591457" y="1962626"/>
+                  <a:pt x="1577724" y="1993481"/>
+                </a:cubicBezTo>
+                <a:cubicBezTo>
+                  <a:pt x="1521446" y="2117545"/>
+                  <a:pt x="1427617" y="2220736"/>
+                  <a:pt x="1309507" y="2288461"/>
+                </a:cubicBezTo>
+                <a:cubicBezTo>
+                  <a:pt x="1191170" y="2356243"/>
+                  <a:pt x="1054256" y="2384337"/>
+                  <a:pt x="918821" y="2368615"/>
+                </a:cubicBezTo>
+                <a:cubicBezTo>
+                  <a:pt x="784182" y="2352248"/>
+                  <a:pt x="657562" y="2295691"/>
+                  <a:pt x="549563" y="2216846"/>
+                </a:cubicBezTo>
+                <a:cubicBezTo>
+                  <a:pt x="441809" y="2137166"/>
+                  <a:pt x="349924" y="2037979"/>
+                  <a:pt x="278661" y="1924418"/>
+                </a:cubicBezTo>
+                <a:cubicBezTo>
+                  <a:pt x="208108" y="1811635"/>
+                  <a:pt x="151597" y="1690645"/>
+                  <a:pt x="110386" y="1564133"/>
+                </a:cubicBezTo>
+                <a:cubicBezTo>
+                  <a:pt x="67624" y="1438645"/>
+                  <a:pt x="36308" y="1309543"/>
+                  <a:pt x="16820" y="1178401"/>
+                </a:cubicBezTo>
+                <a:cubicBezTo>
+                  <a:pt x="-3076" y="1046822"/>
+                  <a:pt x="-5332" y="913171"/>
+                  <a:pt x="10110" y="780994"/>
+                </a:cubicBezTo>
+                <a:cubicBezTo>
+                  <a:pt x="26054" y="648322"/>
+                  <a:pt x="66159" y="519700"/>
+                  <a:pt x="128438" y="401508"/>
+                </a:cubicBezTo>
+                <a:cubicBezTo>
+                  <a:pt x="190290" y="282537"/>
+                  <a:pt x="278552" y="179340"/>
+                  <a:pt x="386449" y="99837"/>
+                </a:cubicBezTo>
+                <a:close/>
+              </a:path>
+            </a:pathLst>
+          </a:custGeom>
+          <a:solidFill>
+            <a:schemeClr val="accent4"/>
+          </a:solidFill>
+          <a:ln w="9478" cap="flat">
+            <a:noFill/>
+            <a:prstDash val="solid"/>
+            <a:miter/>
+          </a:ln>
+        </p:spPr>
+        <p:txBody>
+          <a:bodyPr rtlCol="0" anchor="ctr"/>
+          <a:lstStyle/>
+          <a:p>
+            <a:endParaRPr lang="en-SV" dirty="0">
+              <a:latin typeface="Mulish Light" pitchFamily="2" charset="77"/>
+            </a:endParaRPr>
+          </a:p>
+        </p:txBody>
+      </p:sp>
+      <p:sp>
+        <p:nvSpPr>
+          <p:cNvPr id="10" name="Freeform 9">
+            <a:extLst>
+              <a:ext uri="{FF2B5EF4-FFF2-40B4-BE49-F238E27FC236}">
+                <a16:creationId xmlns:a16="http://schemas.microsoft.com/office/drawing/2014/main" id="{A727B642-78BD-2C5D-90C3-3D2179C915A8}"/>
+              </a:ext>
+            </a:extLst>
+          </p:cNvPr>
+          <p:cNvSpPr/>
+          <p:nvPr/>
+        </p:nvSpPr>
+        <p:spPr>
+          <a:xfrm rot="9000000">
+            <a:off x="15655607" y="10110927"/>
+            <a:ext cx="8823639" cy="7981947"/>
+          </a:xfrm>
+          <a:custGeom>
+            <a:avLst/>
+            <a:gdLst>
+              <a:gd name="connsiteX0" fmla="*/ 16459 w 3170326"/>
+              <a:gd name="connsiteY0" fmla="*/ 771778 h 2867907"/>
+              <a:gd name="connsiteX1" fmla="*/ 124132 w 3170326"/>
+              <a:gd name="connsiteY1" fmla="*/ 593312 h 2867907"/>
+              <a:gd name="connsiteX2" fmla="*/ 516841 w 3170326"/>
+              <a:gd name="connsiteY2" fmla="*/ 938266 h 2867907"/>
+              <a:gd name="connsiteX3" fmla="*/ 604105 w 3170326"/>
+              <a:gd name="connsiteY3" fmla="*/ 977788 h 2867907"/>
+              <a:gd name="connsiteX4" fmla="*/ 715486 w 3170326"/>
+              <a:gd name="connsiteY4" fmla="*/ 928792 h 2867907"/>
+              <a:gd name="connsiteX5" fmla="*/ 970409 w 3170326"/>
+              <a:gd name="connsiteY5" fmla="*/ 558304 h 2867907"/>
+              <a:gd name="connsiteX6" fmla="*/ 1337160 w 3170326"/>
+              <a:gd name="connsiteY6" fmla="*/ 213100 h 2867907"/>
+              <a:gd name="connsiteX7" fmla="*/ 2221996 w 3170326"/>
+              <a:gd name="connsiteY7" fmla="*/ 40915 h 2867907"/>
+              <a:gd name="connsiteX8" fmla="*/ 2083637 w 3170326"/>
+              <a:gd name="connsiteY8" fmla="*/ 465569 h 2867907"/>
+              <a:gd name="connsiteX9" fmla="*/ 1653500 w 3170326"/>
+              <a:gd name="connsiteY9" fmla="*/ 913139 h 2867907"/>
+              <a:gd name="connsiteX10" fmla="*/ 1625410 w 3170326"/>
+              <a:gd name="connsiteY10" fmla="*/ 994582 h 2867907"/>
+              <a:gd name="connsiteX11" fmla="*/ 1707732 w 3170326"/>
+              <a:gd name="connsiteY11" fmla="*/ 1062689 h 2867907"/>
+              <a:gd name="connsiteX12" fmla="*/ 1819418 w 3170326"/>
+              <a:gd name="connsiteY12" fmla="*/ 1038871 h 2867907"/>
+              <a:gd name="connsiteX13" fmla="*/ 2406203 w 3170326"/>
+              <a:gd name="connsiteY13" fmla="*/ 805733 h 2867907"/>
+              <a:gd name="connsiteX14" fmla="*/ 3154895 w 3170326"/>
+              <a:gd name="connsiteY14" fmla="*/ 1098720 h 2867907"/>
+              <a:gd name="connsiteX15" fmla="*/ 2818202 w 3170326"/>
+              <a:gd name="connsiteY15" fmla="*/ 1401924 h 2867907"/>
+              <a:gd name="connsiteX16" fmla="*/ 2455178 w 3170326"/>
+              <a:gd name="connsiteY16" fmla="*/ 1483680 h 2867907"/>
+              <a:gd name="connsiteX17" fmla="*/ 1806119 w 3170326"/>
+              <a:gd name="connsiteY17" fmla="*/ 1531885 h 2867907"/>
+              <a:gd name="connsiteX18" fmla="*/ 1616978 w 3170326"/>
+              <a:gd name="connsiteY18" fmla="*/ 1808240 h 2867907"/>
+              <a:gd name="connsiteX19" fmla="*/ 1252138 w 3170326"/>
+              <a:gd name="connsiteY19" fmla="*/ 2799106 h 2867907"/>
+              <a:gd name="connsiteX20" fmla="*/ 961265 w 3170326"/>
+              <a:gd name="connsiteY20" fmla="*/ 2752649 h 2867907"/>
+              <a:gd name="connsiteX21" fmla="*/ 787331 w 3170326"/>
+              <a:gd name="connsiteY21" fmla="*/ 1769796 h 2867907"/>
+              <a:gd name="connsiteX22" fmla="*/ 128824 w 3170326"/>
+              <a:gd name="connsiteY22" fmla="*/ 1595060 h 2867907"/>
+              <a:gd name="connsiteX23" fmla="*/ 16459 w 3170326"/>
+              <a:gd name="connsiteY23" fmla="*/ 771778 h 2867907"/>
+            </a:gdLst>
+            <a:ahLst/>
+            <a:cxnLst>
+              <a:cxn ang="0">
+                <a:pos x="connsiteX0" y="connsiteY0"/>
+              </a:cxn>
+              <a:cxn ang="0">
+                <a:pos x="connsiteX1" y="connsiteY1"/>
+              </a:cxn>
+              <a:cxn ang="0">
+                <a:pos x="connsiteX2" y="connsiteY2"/>
+              </a:cxn>
+              <a:cxn ang="0">
+                <a:pos x="connsiteX3" y="connsiteY3"/>
+              </a:cxn>
+              <a:cxn ang="0">
+                <a:pos x="connsiteX4" y="connsiteY4"/>
+              </a:cxn>
+              <a:cxn ang="0">
+                <a:pos x="connsiteX5" y="connsiteY5"/>
+              </a:cxn>
+              <a:cxn ang="0">
+                <a:pos x="connsiteX6" y="connsiteY6"/>
+              </a:cxn>
+              <a:cxn ang="0">
+                <a:pos x="connsiteX7" y="connsiteY7"/>
+              </a:cxn>
+              <a:cxn ang="0">
+                <a:pos x="connsiteX8" y="connsiteY8"/>
+              </a:cxn>
+              <a:cxn ang="0">
+                <a:pos x="connsiteX9" y="connsiteY9"/>
+              </a:cxn>
+              <a:cxn ang="0">
+                <a:pos x="connsiteX10" y="connsiteY10"/>
+              </a:cxn>
+              <a:cxn ang="0">
+                <a:pos x="connsiteX11" y="connsiteY11"/>
+              </a:cxn>
+              <a:cxn ang="0">
+                <a:pos x="connsiteX12" y="connsiteY12"/>
+              </a:cxn>
+              <a:cxn ang="0">
+                <a:pos x="connsiteX13" y="connsiteY13"/>
+              </a:cxn>
+              <a:cxn ang="0">
+                <a:pos x="connsiteX14" y="connsiteY14"/>
+              </a:cxn>
+              <a:cxn ang="0">
+                <a:pos x="connsiteX15" y="connsiteY15"/>
+              </a:cxn>
+              <a:cxn ang="0">
+                <a:pos x="connsiteX16" y="connsiteY16"/>
+              </a:cxn>
+              <a:cxn ang="0">
+                <a:pos x="connsiteX17" y="connsiteY17"/>
+              </a:cxn>
+              <a:cxn ang="0">
+                <a:pos x="connsiteX18" y="connsiteY18"/>
+              </a:cxn>
+              <a:cxn ang="0">
+                <a:pos x="connsiteX19" y="connsiteY19"/>
+              </a:cxn>
+              <a:cxn ang="0">
+                <a:pos x="connsiteX20" y="connsiteY20"/>
+              </a:cxn>
+              <a:cxn ang="0">
+                <a:pos x="connsiteX21" y="connsiteY21"/>
+              </a:cxn>
+              <a:cxn ang="0">
+                <a:pos x="connsiteX22" y="connsiteY22"/>
+              </a:cxn>
+              <a:cxn ang="0">
+                <a:pos x="connsiteX23" y="connsiteY23"/>
+              </a:cxn>
+            </a:cxnLst>
+            <a:rect l="l" t="t" r="r" b="b"/>
+            <a:pathLst>
+              <a:path w="3170326" h="2867907">
+                <a:moveTo>
+                  <a:pt x="16459" y="771778"/>
+                </a:moveTo>
+                <a:cubicBezTo>
+                  <a:pt x="25269" y="706112"/>
+                  <a:pt x="51676" y="613783"/>
+                  <a:pt x="124132" y="593312"/>
+                </a:cubicBezTo>
+                <a:cubicBezTo>
+                  <a:pt x="278553" y="549685"/>
+                  <a:pt x="415930" y="862060"/>
+                  <a:pt x="516841" y="938266"/>
+                </a:cubicBezTo>
+                <a:cubicBezTo>
+                  <a:pt x="542671" y="957772"/>
+                  <a:pt x="571848" y="975079"/>
+                  <a:pt x="604105" y="977788"/>
+                </a:cubicBezTo>
+                <a:cubicBezTo>
+                  <a:pt x="645918" y="981295"/>
+                  <a:pt x="686612" y="959235"/>
+                  <a:pt x="715486" y="928792"/>
+                </a:cubicBezTo>
+                <a:cubicBezTo>
+                  <a:pt x="814984" y="823900"/>
+                  <a:pt x="878242" y="672492"/>
+                  <a:pt x="970409" y="558304"/>
+                </a:cubicBezTo>
+                <a:cubicBezTo>
+                  <a:pt x="1076182" y="427269"/>
+                  <a:pt x="1197450" y="307800"/>
+                  <a:pt x="1337160" y="213100"/>
+                </a:cubicBezTo>
+                <a:cubicBezTo>
+                  <a:pt x="1574601" y="52156"/>
+                  <a:pt x="1939535" y="-65864"/>
+                  <a:pt x="2221996" y="40915"/>
+                </a:cubicBezTo>
+                <a:cubicBezTo>
+                  <a:pt x="2441566" y="123917"/>
+                  <a:pt x="2166795" y="382795"/>
+                  <a:pt x="2083637" y="465569"/>
+                </a:cubicBezTo>
+                <a:cubicBezTo>
+                  <a:pt x="1937083" y="611441"/>
+                  <a:pt x="1769407" y="739392"/>
+                  <a:pt x="1653500" y="913139"/>
+                </a:cubicBezTo>
+                <a:cubicBezTo>
+                  <a:pt x="1637188" y="937586"/>
+                  <a:pt x="1621417" y="965470"/>
+                  <a:pt x="1625410" y="994582"/>
+                </a:cubicBezTo>
+                <a:cubicBezTo>
+                  <a:pt x="1630619" y="1032656"/>
+                  <a:pt x="1669470" y="1058963"/>
+                  <a:pt x="1707732" y="1062689"/>
+                </a:cubicBezTo>
+                <a:cubicBezTo>
+                  <a:pt x="1745984" y="1066415"/>
+                  <a:pt x="1783609" y="1052843"/>
+                  <a:pt x="1819418" y="1038871"/>
+                </a:cubicBezTo>
+                <a:cubicBezTo>
+                  <a:pt x="2015574" y="962315"/>
+                  <a:pt x="2204695" y="866824"/>
+                  <a:pt x="2406203" y="805733"/>
+                </a:cubicBezTo>
+                <a:cubicBezTo>
+                  <a:pt x="2636961" y="735779"/>
+                  <a:pt x="3277437" y="657610"/>
+                  <a:pt x="3154895" y="1098720"/>
+                </a:cubicBezTo>
+                <a:cubicBezTo>
+                  <a:pt x="3111567" y="1254694"/>
+                  <a:pt x="2960849" y="1348187"/>
+                  <a:pt x="2818202" y="1401924"/>
+                </a:cubicBezTo>
+                <a:cubicBezTo>
+                  <a:pt x="2701564" y="1445843"/>
+                  <a:pt x="2579383" y="1473358"/>
+                  <a:pt x="2455178" y="1483680"/>
+                </a:cubicBezTo>
+                <a:cubicBezTo>
+                  <a:pt x="2238252" y="1501671"/>
+                  <a:pt x="2014072" y="1467561"/>
+                  <a:pt x="1806119" y="1531885"/>
+                </a:cubicBezTo>
+                <a:cubicBezTo>
+                  <a:pt x="1660972" y="1576793"/>
+                  <a:pt x="1604459" y="1659841"/>
+                  <a:pt x="1616978" y="1808240"/>
+                </a:cubicBezTo>
+                <a:cubicBezTo>
+                  <a:pt x="1646437" y="2157474"/>
+                  <a:pt x="1480216" y="2540923"/>
+                  <a:pt x="1252138" y="2799106"/>
+                </a:cubicBezTo>
+                <a:cubicBezTo>
+                  <a:pt x="1157335" y="2906428"/>
+                  <a:pt x="1016646" y="2886127"/>
+                  <a:pt x="961265" y="2752649"/>
+                </a:cubicBezTo>
+                <a:cubicBezTo>
+                  <a:pt x="852565" y="2490683"/>
+                  <a:pt x="1048758" y="1943296"/>
+                  <a:pt x="787331" y="1769796"/>
+                </a:cubicBezTo>
+                <a:cubicBezTo>
+                  <a:pt x="573497" y="1627888"/>
+                  <a:pt x="281469" y="1879275"/>
+                  <a:pt x="128824" y="1595060"/>
+                </a:cubicBezTo>
+                <a:cubicBezTo>
+                  <a:pt x="-2053" y="1351381"/>
+                  <a:pt x="-19758" y="1041751"/>
+                  <a:pt x="16459" y="771778"/>
+                </a:cubicBezTo>
+                <a:close/>
+              </a:path>
+            </a:pathLst>
+          </a:custGeom>
+          <a:solidFill>
+            <a:schemeClr val="accent6">
+              <a:alpha val="40000"/>
+            </a:schemeClr>
+          </a:solidFill>
+          <a:ln w="9496" cap="flat">
+            <a:noFill/>
+            <a:prstDash val="solid"/>
+            <a:miter/>
+          </a:ln>
+        </p:spPr>
+        <p:txBody>
+          <a:bodyPr rtlCol="0" anchor="ctr"/>
+          <a:lstStyle/>
+          <a:p>
+            <a:endParaRPr lang="en-SV" dirty="0">
+              <a:latin typeface="Mulish Light" pitchFamily="2" charset="77"/>
+            </a:endParaRPr>
+          </a:p>
+        </p:txBody>
+      </p:sp>
+      <p:sp>
+        <p:nvSpPr>
+          <p:cNvPr id="11" name="TextBox 10">
+            <a:extLst>
+              <a:ext uri="{FF2B5EF4-FFF2-40B4-BE49-F238E27FC236}">
+                <a16:creationId xmlns:a16="http://schemas.microsoft.com/office/drawing/2014/main" id="{DEBE3658-201B-712E-867E-2EB391195D5B}"/>
+              </a:ext>
+            </a:extLst>
+          </p:cNvPr>
+          <p:cNvSpPr txBox="1"/>
+          <p:nvPr/>
+        </p:nvSpPr>
+        <p:spPr>
+          <a:xfrm>
+            <a:off x="1544886" y="6811833"/>
+            <a:ext cx="12098924" cy="2308324"/>
+          </a:xfrm>
+          <a:prstGeom prst="rect">
+            <a:avLst/>
+          </a:prstGeom>
+          <a:noFill/>
+        </p:spPr>
+        <p:txBody>
+          <a:bodyPr wrap="square" rtlCol="0" anchor="t">
+            <a:spAutoFit/>
+          </a:bodyPr>
+          <a:lstStyle>
+            <a:defPPr>
+              <a:defRPr lang="en-US"/>
+            </a:defPPr>
+            <a:lvl1pPr algn="r">
+              <a:defRPr sz="7200">
+                <a:solidFill>
+                  <a:schemeClr val="tx2"/>
+                </a:solidFill>
+                <a:latin typeface="Heebo Medium" pitchFamily="2" charset="-79"/>
+                <a:ea typeface="Arimo" panose="020B0604020202020204" pitchFamily="34" charset="0"/>
+                <a:cs typeface="Arimo" panose="020B0604020202020204" pitchFamily="34" charset="0"/>
+              </a:defRPr>
+            </a:lvl1pPr>
+          </a:lstStyle>
+          <a:p>
+            <a:pPr algn="l"/>
+            <a:r>
+              <a:rPr lang="en-US" sz="14400" b="1" u="none" strike="noStrike" dirty="0">
+                <a:effectLst/>
+                <a:latin typeface="Mulish" pitchFamily="2" charset="0"/>
+              </a:rPr>
+              <a:t>Thank you!</a:t>
+            </a:r>
+            <a:endParaRPr lang="en-US" sz="14400" b="1" dirty="0">
+              <a:latin typeface="Mulish" pitchFamily="2" charset="0"/>
+              <a:cs typeface="Space Grotesk" pitchFamily="2" charset="77"/>
+            </a:endParaRPr>
+          </a:p>
+        </p:txBody>
+      </p:sp>
+    </p:spTree>
+    <p:extLst>
+      <p:ext uri="{BB962C8B-B14F-4D97-AF65-F5344CB8AC3E}">
+        <p14:creationId xmlns:p14="http://schemas.microsoft.com/office/powerpoint/2010/main" val="165845194"/>
+      </p:ext>
+    </p:extLst>
+  </p:cSld>
+  <p:clrMapOvr>
+    <a:masterClrMapping/>
+  </p:clrMapOvr>
+</p:sld>
+</file>
+
 <file path=ppt/slides/slide2.xml><?xml version="1.0" encoding="utf-8"?>
 <p:sld xmlns:a="http://schemas.openxmlformats.org/drawingml/2006/main" xmlns:r="http://schemas.openxmlformats.org/officeDocument/2006/relationships" xmlns:p="http://schemas.openxmlformats.org/presentationml/2006/main">
   <p:cSld>
@@ -24421,7 +26696,7 @@
         </p:nvSpPr>
         <p:spPr>
           <a:xfrm>
-            <a:off x="5624552" y="1215434"/>
+            <a:off x="5301823" y="950162"/>
             <a:ext cx="14555236" cy="1231106"/>
           </a:xfrm>
           <a:prstGeom prst="rect">
@@ -25382,6 +27657,1559 @@
 <file path=ppt/slides/slide8.xml><?xml version="1.0" encoding="utf-8"?>
 <p:sld xmlns:a="http://schemas.openxmlformats.org/drawingml/2006/main" xmlns:r="http://schemas.openxmlformats.org/officeDocument/2006/relationships" xmlns:p="http://schemas.openxmlformats.org/presentationml/2006/main">
   <p:cSld>
+    <p:spTree>
+      <p:nvGrpSpPr>
+        <p:cNvPr id="1" name=""/>
+        <p:cNvGrpSpPr/>
+        <p:nvPr/>
+      </p:nvGrpSpPr>
+      <p:grpSpPr>
+        <a:xfrm>
+          <a:off x="0" y="0"/>
+          <a:ext cx="0" cy="0"/>
+          <a:chOff x="0" y="0"/>
+          <a:chExt cx="0" cy="0"/>
+        </a:xfrm>
+      </p:grpSpPr>
+      <p:sp>
+        <p:nvSpPr>
+          <p:cNvPr id="5" name="Freeform 4">
+            <a:extLst>
+              <a:ext uri="{FF2B5EF4-FFF2-40B4-BE49-F238E27FC236}">
+                <a16:creationId xmlns:a16="http://schemas.microsoft.com/office/drawing/2014/main" id="{069F4494-CE0E-4944-6485-112DF80491CD}"/>
+              </a:ext>
+            </a:extLst>
+          </p:cNvPr>
+          <p:cNvSpPr/>
+          <p:nvPr/>
+        </p:nvSpPr>
+        <p:spPr>
+          <a:xfrm flipH="1">
+            <a:off x="12646025" y="-6857184"/>
+            <a:ext cx="16001692" cy="14475283"/>
+          </a:xfrm>
+          <a:custGeom>
+            <a:avLst/>
+            <a:gdLst>
+              <a:gd name="connsiteX0" fmla="*/ 16459 w 3170326"/>
+              <a:gd name="connsiteY0" fmla="*/ 771778 h 2867907"/>
+              <a:gd name="connsiteX1" fmla="*/ 124132 w 3170326"/>
+              <a:gd name="connsiteY1" fmla="*/ 593312 h 2867907"/>
+              <a:gd name="connsiteX2" fmla="*/ 516841 w 3170326"/>
+              <a:gd name="connsiteY2" fmla="*/ 938266 h 2867907"/>
+              <a:gd name="connsiteX3" fmla="*/ 604105 w 3170326"/>
+              <a:gd name="connsiteY3" fmla="*/ 977788 h 2867907"/>
+              <a:gd name="connsiteX4" fmla="*/ 715486 w 3170326"/>
+              <a:gd name="connsiteY4" fmla="*/ 928792 h 2867907"/>
+              <a:gd name="connsiteX5" fmla="*/ 970409 w 3170326"/>
+              <a:gd name="connsiteY5" fmla="*/ 558304 h 2867907"/>
+              <a:gd name="connsiteX6" fmla="*/ 1337160 w 3170326"/>
+              <a:gd name="connsiteY6" fmla="*/ 213100 h 2867907"/>
+              <a:gd name="connsiteX7" fmla="*/ 2221996 w 3170326"/>
+              <a:gd name="connsiteY7" fmla="*/ 40915 h 2867907"/>
+              <a:gd name="connsiteX8" fmla="*/ 2083637 w 3170326"/>
+              <a:gd name="connsiteY8" fmla="*/ 465569 h 2867907"/>
+              <a:gd name="connsiteX9" fmla="*/ 1653500 w 3170326"/>
+              <a:gd name="connsiteY9" fmla="*/ 913139 h 2867907"/>
+              <a:gd name="connsiteX10" fmla="*/ 1625410 w 3170326"/>
+              <a:gd name="connsiteY10" fmla="*/ 994582 h 2867907"/>
+              <a:gd name="connsiteX11" fmla="*/ 1707732 w 3170326"/>
+              <a:gd name="connsiteY11" fmla="*/ 1062689 h 2867907"/>
+              <a:gd name="connsiteX12" fmla="*/ 1819418 w 3170326"/>
+              <a:gd name="connsiteY12" fmla="*/ 1038871 h 2867907"/>
+              <a:gd name="connsiteX13" fmla="*/ 2406203 w 3170326"/>
+              <a:gd name="connsiteY13" fmla="*/ 805733 h 2867907"/>
+              <a:gd name="connsiteX14" fmla="*/ 3154895 w 3170326"/>
+              <a:gd name="connsiteY14" fmla="*/ 1098720 h 2867907"/>
+              <a:gd name="connsiteX15" fmla="*/ 2818202 w 3170326"/>
+              <a:gd name="connsiteY15" fmla="*/ 1401924 h 2867907"/>
+              <a:gd name="connsiteX16" fmla="*/ 2455178 w 3170326"/>
+              <a:gd name="connsiteY16" fmla="*/ 1483680 h 2867907"/>
+              <a:gd name="connsiteX17" fmla="*/ 1806119 w 3170326"/>
+              <a:gd name="connsiteY17" fmla="*/ 1531885 h 2867907"/>
+              <a:gd name="connsiteX18" fmla="*/ 1616978 w 3170326"/>
+              <a:gd name="connsiteY18" fmla="*/ 1808240 h 2867907"/>
+              <a:gd name="connsiteX19" fmla="*/ 1252138 w 3170326"/>
+              <a:gd name="connsiteY19" fmla="*/ 2799106 h 2867907"/>
+              <a:gd name="connsiteX20" fmla="*/ 961265 w 3170326"/>
+              <a:gd name="connsiteY20" fmla="*/ 2752649 h 2867907"/>
+              <a:gd name="connsiteX21" fmla="*/ 787331 w 3170326"/>
+              <a:gd name="connsiteY21" fmla="*/ 1769796 h 2867907"/>
+              <a:gd name="connsiteX22" fmla="*/ 128824 w 3170326"/>
+              <a:gd name="connsiteY22" fmla="*/ 1595060 h 2867907"/>
+              <a:gd name="connsiteX23" fmla="*/ 16459 w 3170326"/>
+              <a:gd name="connsiteY23" fmla="*/ 771778 h 2867907"/>
+            </a:gdLst>
+            <a:ahLst/>
+            <a:cxnLst>
+              <a:cxn ang="0">
+                <a:pos x="connsiteX0" y="connsiteY0"/>
+              </a:cxn>
+              <a:cxn ang="0">
+                <a:pos x="connsiteX1" y="connsiteY1"/>
+              </a:cxn>
+              <a:cxn ang="0">
+                <a:pos x="connsiteX2" y="connsiteY2"/>
+              </a:cxn>
+              <a:cxn ang="0">
+                <a:pos x="connsiteX3" y="connsiteY3"/>
+              </a:cxn>
+              <a:cxn ang="0">
+                <a:pos x="connsiteX4" y="connsiteY4"/>
+              </a:cxn>
+              <a:cxn ang="0">
+                <a:pos x="connsiteX5" y="connsiteY5"/>
+              </a:cxn>
+              <a:cxn ang="0">
+                <a:pos x="connsiteX6" y="connsiteY6"/>
+              </a:cxn>
+              <a:cxn ang="0">
+                <a:pos x="connsiteX7" y="connsiteY7"/>
+              </a:cxn>
+              <a:cxn ang="0">
+                <a:pos x="connsiteX8" y="connsiteY8"/>
+              </a:cxn>
+              <a:cxn ang="0">
+                <a:pos x="connsiteX9" y="connsiteY9"/>
+              </a:cxn>
+              <a:cxn ang="0">
+                <a:pos x="connsiteX10" y="connsiteY10"/>
+              </a:cxn>
+              <a:cxn ang="0">
+                <a:pos x="connsiteX11" y="connsiteY11"/>
+              </a:cxn>
+              <a:cxn ang="0">
+                <a:pos x="connsiteX12" y="connsiteY12"/>
+              </a:cxn>
+              <a:cxn ang="0">
+                <a:pos x="connsiteX13" y="connsiteY13"/>
+              </a:cxn>
+              <a:cxn ang="0">
+                <a:pos x="connsiteX14" y="connsiteY14"/>
+              </a:cxn>
+              <a:cxn ang="0">
+                <a:pos x="connsiteX15" y="connsiteY15"/>
+              </a:cxn>
+              <a:cxn ang="0">
+                <a:pos x="connsiteX16" y="connsiteY16"/>
+              </a:cxn>
+              <a:cxn ang="0">
+                <a:pos x="connsiteX17" y="connsiteY17"/>
+              </a:cxn>
+              <a:cxn ang="0">
+                <a:pos x="connsiteX18" y="connsiteY18"/>
+              </a:cxn>
+              <a:cxn ang="0">
+                <a:pos x="connsiteX19" y="connsiteY19"/>
+              </a:cxn>
+              <a:cxn ang="0">
+                <a:pos x="connsiteX20" y="connsiteY20"/>
+              </a:cxn>
+              <a:cxn ang="0">
+                <a:pos x="connsiteX21" y="connsiteY21"/>
+              </a:cxn>
+              <a:cxn ang="0">
+                <a:pos x="connsiteX22" y="connsiteY22"/>
+              </a:cxn>
+              <a:cxn ang="0">
+                <a:pos x="connsiteX23" y="connsiteY23"/>
+              </a:cxn>
+            </a:cxnLst>
+            <a:rect l="l" t="t" r="r" b="b"/>
+            <a:pathLst>
+              <a:path w="3170326" h="2867907">
+                <a:moveTo>
+                  <a:pt x="16459" y="771778"/>
+                </a:moveTo>
+                <a:cubicBezTo>
+                  <a:pt x="25269" y="706112"/>
+                  <a:pt x="51676" y="613783"/>
+                  <a:pt x="124132" y="593312"/>
+                </a:cubicBezTo>
+                <a:cubicBezTo>
+                  <a:pt x="278553" y="549685"/>
+                  <a:pt x="415930" y="862060"/>
+                  <a:pt x="516841" y="938266"/>
+                </a:cubicBezTo>
+                <a:cubicBezTo>
+                  <a:pt x="542671" y="957772"/>
+                  <a:pt x="571848" y="975079"/>
+                  <a:pt x="604105" y="977788"/>
+                </a:cubicBezTo>
+                <a:cubicBezTo>
+                  <a:pt x="645918" y="981295"/>
+                  <a:pt x="686612" y="959235"/>
+                  <a:pt x="715486" y="928792"/>
+                </a:cubicBezTo>
+                <a:cubicBezTo>
+                  <a:pt x="814984" y="823900"/>
+                  <a:pt x="878242" y="672492"/>
+                  <a:pt x="970409" y="558304"/>
+                </a:cubicBezTo>
+                <a:cubicBezTo>
+                  <a:pt x="1076182" y="427269"/>
+                  <a:pt x="1197450" y="307800"/>
+                  <a:pt x="1337160" y="213100"/>
+                </a:cubicBezTo>
+                <a:cubicBezTo>
+                  <a:pt x="1574601" y="52156"/>
+                  <a:pt x="1939535" y="-65864"/>
+                  <a:pt x="2221996" y="40915"/>
+                </a:cubicBezTo>
+                <a:cubicBezTo>
+                  <a:pt x="2441566" y="123917"/>
+                  <a:pt x="2166795" y="382795"/>
+                  <a:pt x="2083637" y="465569"/>
+                </a:cubicBezTo>
+                <a:cubicBezTo>
+                  <a:pt x="1937083" y="611441"/>
+                  <a:pt x="1769407" y="739392"/>
+                  <a:pt x="1653500" y="913139"/>
+                </a:cubicBezTo>
+                <a:cubicBezTo>
+                  <a:pt x="1637188" y="937586"/>
+                  <a:pt x="1621417" y="965470"/>
+                  <a:pt x="1625410" y="994582"/>
+                </a:cubicBezTo>
+                <a:cubicBezTo>
+                  <a:pt x="1630619" y="1032656"/>
+                  <a:pt x="1669470" y="1058963"/>
+                  <a:pt x="1707732" y="1062689"/>
+                </a:cubicBezTo>
+                <a:cubicBezTo>
+                  <a:pt x="1745984" y="1066415"/>
+                  <a:pt x="1783609" y="1052843"/>
+                  <a:pt x="1819418" y="1038871"/>
+                </a:cubicBezTo>
+                <a:cubicBezTo>
+                  <a:pt x="2015574" y="962315"/>
+                  <a:pt x="2204695" y="866824"/>
+                  <a:pt x="2406203" y="805733"/>
+                </a:cubicBezTo>
+                <a:cubicBezTo>
+                  <a:pt x="2636961" y="735779"/>
+                  <a:pt x="3277437" y="657610"/>
+                  <a:pt x="3154895" y="1098720"/>
+                </a:cubicBezTo>
+                <a:cubicBezTo>
+                  <a:pt x="3111567" y="1254694"/>
+                  <a:pt x="2960849" y="1348187"/>
+                  <a:pt x="2818202" y="1401924"/>
+                </a:cubicBezTo>
+                <a:cubicBezTo>
+                  <a:pt x="2701564" y="1445843"/>
+                  <a:pt x="2579383" y="1473358"/>
+                  <a:pt x="2455178" y="1483680"/>
+                </a:cubicBezTo>
+                <a:cubicBezTo>
+                  <a:pt x="2238252" y="1501671"/>
+                  <a:pt x="2014072" y="1467561"/>
+                  <a:pt x="1806119" y="1531885"/>
+                </a:cubicBezTo>
+                <a:cubicBezTo>
+                  <a:pt x="1660972" y="1576793"/>
+                  <a:pt x="1604459" y="1659841"/>
+                  <a:pt x="1616978" y="1808240"/>
+                </a:cubicBezTo>
+                <a:cubicBezTo>
+                  <a:pt x="1646437" y="2157474"/>
+                  <a:pt x="1480216" y="2540923"/>
+                  <a:pt x="1252138" y="2799106"/>
+                </a:cubicBezTo>
+                <a:cubicBezTo>
+                  <a:pt x="1157335" y="2906428"/>
+                  <a:pt x="1016646" y="2886127"/>
+                  <a:pt x="961265" y="2752649"/>
+                </a:cubicBezTo>
+                <a:cubicBezTo>
+                  <a:pt x="852565" y="2490683"/>
+                  <a:pt x="1048758" y="1943296"/>
+                  <a:pt x="787331" y="1769796"/>
+                </a:cubicBezTo>
+                <a:cubicBezTo>
+                  <a:pt x="573497" y="1627888"/>
+                  <a:pt x="281469" y="1879275"/>
+                  <a:pt x="128824" y="1595060"/>
+                </a:cubicBezTo>
+                <a:cubicBezTo>
+                  <a:pt x="-2053" y="1351381"/>
+                  <a:pt x="-19758" y="1041751"/>
+                  <a:pt x="16459" y="771778"/>
+                </a:cubicBezTo>
+                <a:close/>
+              </a:path>
+            </a:pathLst>
+          </a:custGeom>
+          <a:solidFill>
+            <a:schemeClr val="accent2">
+              <a:lumMod val="40000"/>
+              <a:lumOff val="60000"/>
+            </a:schemeClr>
+          </a:solidFill>
+          <a:ln w="9496" cap="flat">
+            <a:noFill/>
+            <a:prstDash val="solid"/>
+            <a:miter/>
+          </a:ln>
+        </p:spPr>
+        <p:txBody>
+          <a:bodyPr rtlCol="0" anchor="ctr"/>
+          <a:lstStyle/>
+          <a:p>
+            <a:endParaRPr lang="en-SV" dirty="0">
+              <a:latin typeface="Mulish Light" pitchFamily="2" charset="77"/>
+            </a:endParaRPr>
+          </a:p>
+        </p:txBody>
+      </p:sp>
+      <p:cxnSp>
+        <p:nvCxnSpPr>
+          <p:cNvPr id="19" name="STRAIGHT LINE 01">
+            <a:extLst>
+              <a:ext uri="{FF2B5EF4-FFF2-40B4-BE49-F238E27FC236}">
+                <a16:creationId xmlns:a16="http://schemas.microsoft.com/office/drawing/2014/main" id="{7232CDBB-FDC3-6A4F-8F65-9EDB3337C318}"/>
+              </a:ext>
+            </a:extLst>
+          </p:cNvPr>
+          <p:cNvCxnSpPr>
+            <a:cxnSpLocks/>
+          </p:cNvCxnSpPr>
+          <p:nvPr/>
+        </p:nvCxnSpPr>
+        <p:spPr>
+          <a:xfrm>
+            <a:off x="1752514" y="3123466"/>
+            <a:ext cx="2808175" cy="0"/>
+          </a:xfrm>
+          <a:prstGeom prst="line">
+            <a:avLst/>
+          </a:prstGeom>
+          <a:ln w="63500" cap="rnd">
+            <a:solidFill>
+              <a:schemeClr val="accent2"/>
+            </a:solidFill>
+            <a:round/>
+          </a:ln>
+        </p:spPr>
+        <p:style>
+          <a:lnRef idx="1">
+            <a:schemeClr val="accent1"/>
+          </a:lnRef>
+          <a:fillRef idx="0">
+            <a:schemeClr val="accent1"/>
+          </a:fillRef>
+          <a:effectRef idx="0">
+            <a:schemeClr val="accent1"/>
+          </a:effectRef>
+          <a:fontRef idx="minor">
+            <a:schemeClr val="tx1"/>
+          </a:fontRef>
+        </p:style>
+      </p:cxnSp>
+      <p:sp>
+        <p:nvSpPr>
+          <p:cNvPr id="6" name="Freeform 5">
+            <a:extLst>
+              <a:ext uri="{FF2B5EF4-FFF2-40B4-BE49-F238E27FC236}">
+                <a16:creationId xmlns:a16="http://schemas.microsoft.com/office/drawing/2014/main" id="{43F14888-0507-F1D7-C832-150F47EDF10E}"/>
+              </a:ext>
+            </a:extLst>
+          </p:cNvPr>
+          <p:cNvSpPr/>
+          <p:nvPr/>
+        </p:nvSpPr>
+        <p:spPr>
+          <a:xfrm>
+            <a:off x="19186747" y="9845477"/>
+            <a:ext cx="5190903" cy="7535187"/>
+          </a:xfrm>
+          <a:custGeom>
+            <a:avLst/>
+            <a:gdLst>
+              <a:gd name="connsiteX0" fmla="*/ 387804 w 1619078"/>
+              <a:gd name="connsiteY0" fmla="*/ 2044666 h 2350276"/>
+              <a:gd name="connsiteX1" fmla="*/ 42345 w 1619078"/>
+              <a:gd name="connsiteY1" fmla="*/ 626563 h 2350276"/>
+              <a:gd name="connsiteX2" fmla="*/ 298986 w 1619078"/>
+              <a:gd name="connsiteY2" fmla="*/ 147173 h 2350276"/>
+              <a:gd name="connsiteX3" fmla="*/ 809017 w 1619078"/>
+              <a:gd name="connsiteY3" fmla="*/ 25804 h 2350276"/>
+              <a:gd name="connsiteX4" fmla="*/ 1085319 w 1619078"/>
+              <a:gd name="connsiteY4" fmla="*/ 307952 h 2350276"/>
+              <a:gd name="connsiteX5" fmla="*/ 1137626 w 1619078"/>
+              <a:gd name="connsiteY5" fmla="*/ 707118 h 2350276"/>
+              <a:gd name="connsiteX6" fmla="*/ 1219532 w 1619078"/>
+              <a:gd name="connsiteY6" fmla="*/ 1261171 h 2350276"/>
+              <a:gd name="connsiteX7" fmla="*/ 1430077 w 1619078"/>
+              <a:gd name="connsiteY7" fmla="*/ 1387057 h 2350276"/>
+              <a:gd name="connsiteX8" fmla="*/ 1522086 w 1619078"/>
+              <a:gd name="connsiteY8" fmla="*/ 2082741 h 2350276"/>
+              <a:gd name="connsiteX9" fmla="*/ 387804 w 1619078"/>
+              <a:gd name="connsiteY9" fmla="*/ 2044666 h 2350276"/>
+            </a:gdLst>
+            <a:ahLst/>
+            <a:cxnLst>
+              <a:cxn ang="0">
+                <a:pos x="connsiteX0" y="connsiteY0"/>
+              </a:cxn>
+              <a:cxn ang="0">
+                <a:pos x="connsiteX1" y="connsiteY1"/>
+              </a:cxn>
+              <a:cxn ang="0">
+                <a:pos x="connsiteX2" y="connsiteY2"/>
+              </a:cxn>
+              <a:cxn ang="0">
+                <a:pos x="connsiteX3" y="connsiteY3"/>
+              </a:cxn>
+              <a:cxn ang="0">
+                <a:pos x="connsiteX4" y="connsiteY4"/>
+              </a:cxn>
+              <a:cxn ang="0">
+                <a:pos x="connsiteX5" y="connsiteY5"/>
+              </a:cxn>
+              <a:cxn ang="0">
+                <a:pos x="connsiteX6" y="connsiteY6"/>
+              </a:cxn>
+              <a:cxn ang="0">
+                <a:pos x="connsiteX7" y="connsiteY7"/>
+              </a:cxn>
+              <a:cxn ang="0">
+                <a:pos x="connsiteX8" y="connsiteY8"/>
+              </a:cxn>
+              <a:cxn ang="0">
+                <a:pos x="connsiteX9" y="connsiteY9"/>
+              </a:cxn>
+            </a:cxnLst>
+            <a:rect l="l" t="t" r="r" b="b"/>
+            <a:pathLst>
+              <a:path w="1619078" h="2350276">
+                <a:moveTo>
+                  <a:pt x="387804" y="2044666"/>
+                </a:moveTo>
+                <a:cubicBezTo>
+                  <a:pt x="57123" y="1662834"/>
+                  <a:pt x="-75624" y="1117922"/>
+                  <a:pt x="42345" y="626563"/>
+                </a:cubicBezTo>
+                <a:cubicBezTo>
+                  <a:pt x="85307" y="447617"/>
+                  <a:pt x="163086" y="271117"/>
+                  <a:pt x="298986" y="147173"/>
+                </a:cubicBezTo>
+                <a:cubicBezTo>
+                  <a:pt x="434887" y="23228"/>
+                  <a:pt x="636778" y="-38544"/>
+                  <a:pt x="809017" y="25804"/>
+                </a:cubicBezTo>
+                <a:cubicBezTo>
+                  <a:pt x="935792" y="73167"/>
+                  <a:pt x="1033183" y="182952"/>
+                  <a:pt x="1085319" y="307952"/>
+                </a:cubicBezTo>
+                <a:cubicBezTo>
+                  <a:pt x="1137465" y="432953"/>
+                  <a:pt x="1148023" y="572056"/>
+                  <a:pt x="1137626" y="707118"/>
+                </a:cubicBezTo>
+                <a:cubicBezTo>
+                  <a:pt x="1122727" y="900554"/>
+                  <a:pt x="1078003" y="1128625"/>
+                  <a:pt x="1219532" y="1261171"/>
+                </a:cubicBezTo>
+                <a:cubicBezTo>
+                  <a:pt x="1279392" y="1317235"/>
+                  <a:pt x="1361544" y="1342018"/>
+                  <a:pt x="1430077" y="1387057"/>
+                </a:cubicBezTo>
+                <a:cubicBezTo>
+                  <a:pt x="1648507" y="1530572"/>
+                  <a:pt x="1675452" y="1870989"/>
+                  <a:pt x="1522086" y="2082741"/>
+                </a:cubicBezTo>
+                <a:cubicBezTo>
+                  <a:pt x="1221778" y="2497355"/>
+                  <a:pt x="684347" y="2387067"/>
+                  <a:pt x="387804" y="2044666"/>
+                </a:cubicBezTo>
+                <a:close/>
+              </a:path>
+            </a:pathLst>
+          </a:custGeom>
+          <a:solidFill>
+            <a:schemeClr val="accent5">
+              <a:alpha val="30318"/>
+            </a:schemeClr>
+          </a:solidFill>
+          <a:ln w="9478" cap="flat">
+            <a:noFill/>
+            <a:prstDash val="solid"/>
+            <a:miter/>
+          </a:ln>
+        </p:spPr>
+        <p:txBody>
+          <a:bodyPr rtlCol="0" anchor="ctr"/>
+          <a:lstStyle/>
+          <a:p>
+            <a:endParaRPr lang="en-SV" dirty="0">
+              <a:latin typeface="Mulish Light" pitchFamily="2" charset="77"/>
+            </a:endParaRPr>
+          </a:p>
+        </p:txBody>
+      </p:sp>
+      <p:sp>
+        <p:nvSpPr>
+          <p:cNvPr id="11" name="Freeform 10">
+            <a:extLst>
+              <a:ext uri="{FF2B5EF4-FFF2-40B4-BE49-F238E27FC236}">
+                <a16:creationId xmlns:a16="http://schemas.microsoft.com/office/drawing/2014/main" id="{F0C07F57-A2B8-5560-9223-0CFE9DD13135}"/>
+              </a:ext>
+            </a:extLst>
+          </p:cNvPr>
+          <p:cNvSpPr/>
+          <p:nvPr/>
+        </p:nvSpPr>
+        <p:spPr>
+          <a:xfrm>
+            <a:off x="17927011" y="11623084"/>
+            <a:ext cx="4170477" cy="6048700"/>
+          </a:xfrm>
+          <a:custGeom>
+            <a:avLst/>
+            <a:gdLst>
+              <a:gd name="connsiteX0" fmla="*/ 401778 w 1636054"/>
+              <a:gd name="connsiteY0" fmla="*/ 121093 h 2372870"/>
+              <a:gd name="connsiteX1" fmla="*/ 153620 w 1636054"/>
+              <a:gd name="connsiteY1" fmla="*/ 414847 h 2372870"/>
+              <a:gd name="connsiteX2" fmla="*/ 40671 w 1636054"/>
+              <a:gd name="connsiteY2" fmla="*/ 784768 h 2372870"/>
+              <a:gd name="connsiteX3" fmla="*/ 49565 w 1636054"/>
+              <a:gd name="connsiteY3" fmla="*/ 1173609 h 2372870"/>
+              <a:gd name="connsiteX4" fmla="*/ 143239 w 1636054"/>
+              <a:gd name="connsiteY4" fmla="*/ 1552975 h 2372870"/>
+              <a:gd name="connsiteX5" fmla="*/ 308814 w 1636054"/>
+              <a:gd name="connsiteY5" fmla="*/ 1904987 h 2372870"/>
+              <a:gd name="connsiteX6" fmla="*/ 571293 w 1636054"/>
+              <a:gd name="connsiteY6" fmla="*/ 2186826 h 2372870"/>
+              <a:gd name="connsiteX7" fmla="*/ 923219 w 1636054"/>
+              <a:gd name="connsiteY7" fmla="*/ 2331271 h 2372870"/>
+              <a:gd name="connsiteX8" fmla="*/ 1291614 w 1636054"/>
+              <a:gd name="connsiteY8" fmla="*/ 2257009 h 2372870"/>
+              <a:gd name="connsiteX9" fmla="*/ 1546078 w 1636054"/>
+              <a:gd name="connsiteY9" fmla="*/ 1979078 h 2372870"/>
+              <a:gd name="connsiteX10" fmla="*/ 1578861 w 1636054"/>
+              <a:gd name="connsiteY10" fmla="*/ 1889076 h 2372870"/>
+              <a:gd name="connsiteX11" fmla="*/ 1597323 w 1636054"/>
+              <a:gd name="connsiteY11" fmla="*/ 1795012 h 2372870"/>
+              <a:gd name="connsiteX12" fmla="*/ 1586453 w 1636054"/>
+              <a:gd name="connsiteY12" fmla="*/ 1606278 h 2372870"/>
+              <a:gd name="connsiteX13" fmla="*/ 1547329 w 1636054"/>
+              <a:gd name="connsiteY13" fmla="*/ 1521750 h 2372870"/>
+              <a:gd name="connsiteX14" fmla="*/ 1483943 w 1636054"/>
+              <a:gd name="connsiteY14" fmla="*/ 1453200 h 2372870"/>
+              <a:gd name="connsiteX15" fmla="*/ 1320189 w 1636054"/>
+              <a:gd name="connsiteY15" fmla="*/ 1348681 h 2372870"/>
+              <a:gd name="connsiteX16" fmla="*/ 1277644 w 1636054"/>
+              <a:gd name="connsiteY16" fmla="*/ 1322077 h 2372870"/>
+              <a:gd name="connsiteX17" fmla="*/ 1236738 w 1636054"/>
+              <a:gd name="connsiteY17" fmla="*/ 1292683 h 2372870"/>
+              <a:gd name="connsiteX18" fmla="*/ 1162083 w 1636054"/>
+              <a:gd name="connsiteY18" fmla="*/ 1225138 h 2372870"/>
+              <a:gd name="connsiteX19" fmla="*/ 1045432 w 1636054"/>
+              <a:gd name="connsiteY19" fmla="*/ 1061699 h 2372870"/>
+              <a:gd name="connsiteX20" fmla="*/ 982416 w 1636054"/>
+              <a:gd name="connsiteY20" fmla="*/ 871004 h 2372870"/>
+              <a:gd name="connsiteX21" fmla="*/ 976284 w 1636054"/>
+              <a:gd name="connsiteY21" fmla="*/ 820977 h 2372870"/>
+              <a:gd name="connsiteX22" fmla="*/ 974322 w 1636054"/>
+              <a:gd name="connsiteY22" fmla="*/ 795844 h 2372870"/>
+              <a:gd name="connsiteX23" fmla="*/ 974019 w 1636054"/>
+              <a:gd name="connsiteY23" fmla="*/ 770570 h 2372870"/>
+              <a:gd name="connsiteX24" fmla="*/ 973905 w 1636054"/>
+              <a:gd name="connsiteY24" fmla="*/ 757935 h 2372870"/>
+              <a:gd name="connsiteX25" fmla="*/ 974493 w 1636054"/>
+              <a:gd name="connsiteY25" fmla="*/ 745389 h 2372870"/>
+              <a:gd name="connsiteX26" fmla="*/ 975687 w 1636054"/>
+              <a:gd name="connsiteY26" fmla="*/ 720299 h 2372870"/>
+              <a:gd name="connsiteX27" fmla="*/ 980558 w 1636054"/>
+              <a:gd name="connsiteY27" fmla="*/ 670621 h 2372870"/>
+              <a:gd name="connsiteX28" fmla="*/ 1008176 w 1636054"/>
+              <a:gd name="connsiteY28" fmla="*/ 475279 h 2372870"/>
+              <a:gd name="connsiteX29" fmla="*/ 1013218 w 1636054"/>
+              <a:gd name="connsiteY29" fmla="*/ 426767 h 2372870"/>
+              <a:gd name="connsiteX30" fmla="*/ 1015095 w 1636054"/>
+              <a:gd name="connsiteY30" fmla="*/ 402522 h 2372870"/>
+              <a:gd name="connsiteX31" fmla="*/ 1015995 w 1636054"/>
+              <a:gd name="connsiteY31" fmla="*/ 378311 h 2372870"/>
+              <a:gd name="connsiteX32" fmla="*/ 1016422 w 1636054"/>
+              <a:gd name="connsiteY32" fmla="*/ 366207 h 2372870"/>
+              <a:gd name="connsiteX33" fmla="*/ 1016175 w 1636054"/>
+              <a:gd name="connsiteY33" fmla="*/ 354152 h 2372870"/>
+              <a:gd name="connsiteX34" fmla="*/ 1015701 w 1636054"/>
+              <a:gd name="connsiteY34" fmla="*/ 330039 h 2372870"/>
+              <a:gd name="connsiteX35" fmla="*/ 1013578 w 1636054"/>
+              <a:gd name="connsiteY35" fmla="*/ 306135 h 2372870"/>
+              <a:gd name="connsiteX36" fmla="*/ 1010555 w 1636054"/>
+              <a:gd name="connsiteY36" fmla="*/ 282403 h 2372870"/>
+              <a:gd name="connsiteX37" fmla="*/ 1006385 w 1636054"/>
+              <a:gd name="connsiteY37" fmla="*/ 258893 h 2372870"/>
+              <a:gd name="connsiteX38" fmla="*/ 1000148 w 1636054"/>
+              <a:gd name="connsiteY38" fmla="*/ 235966 h 2372870"/>
+              <a:gd name="connsiteX39" fmla="*/ 983819 w 1636054"/>
+              <a:gd name="connsiteY39" fmla="*/ 191521 h 2372870"/>
+              <a:gd name="connsiteX40" fmla="*/ 855539 w 1636054"/>
+              <a:gd name="connsiteY40" fmla="*/ 58035 h 2372870"/>
+              <a:gd name="connsiteX41" fmla="*/ 765255 w 1636054"/>
+              <a:gd name="connsiteY41" fmla="*/ 29636 h 2372870"/>
+              <a:gd name="connsiteX42" fmla="*/ 575104 w 1636054"/>
+              <a:gd name="connsiteY42" fmla="*/ 40497 h 2372870"/>
+              <a:gd name="connsiteX43" fmla="*/ 401778 w 1636054"/>
+              <a:gd name="connsiteY43" fmla="*/ 121093 h 2372870"/>
+              <a:gd name="connsiteX44" fmla="*/ 386449 w 1636054"/>
+              <a:gd name="connsiteY44" fmla="*/ 99836 h 2372870"/>
+              <a:gd name="connsiteX45" fmla="*/ 568927 w 1636054"/>
+              <a:gd name="connsiteY45" fmla="*/ 16380 h 2372870"/>
+              <a:gd name="connsiteX46" fmla="*/ 769283 w 1636054"/>
+              <a:gd name="connsiteY46" fmla="*/ 5720 h 2372870"/>
+              <a:gd name="connsiteX47" fmla="*/ 866173 w 1636054"/>
+              <a:gd name="connsiteY47" fmla="*/ 36475 h 2372870"/>
+              <a:gd name="connsiteX48" fmla="*/ 1006508 w 1636054"/>
+              <a:gd name="connsiteY48" fmla="*/ 180869 h 2372870"/>
+              <a:gd name="connsiteX49" fmla="*/ 1024411 w 1636054"/>
+              <a:gd name="connsiteY49" fmla="*/ 228741 h 2372870"/>
+              <a:gd name="connsiteX50" fmla="*/ 1031207 w 1636054"/>
+              <a:gd name="connsiteY50" fmla="*/ 253330 h 2372870"/>
+              <a:gd name="connsiteX51" fmla="*/ 1035803 w 1636054"/>
+              <a:gd name="connsiteY51" fmla="*/ 278334 h 2372870"/>
+              <a:gd name="connsiteX52" fmla="*/ 1039139 w 1636054"/>
+              <a:gd name="connsiteY52" fmla="*/ 303444 h 2372870"/>
+              <a:gd name="connsiteX53" fmla="*/ 1041490 w 1636054"/>
+              <a:gd name="connsiteY53" fmla="*/ 328632 h 2372870"/>
+              <a:gd name="connsiteX54" fmla="*/ 1042134 w 1636054"/>
+              <a:gd name="connsiteY54" fmla="*/ 353805 h 2372870"/>
+              <a:gd name="connsiteX55" fmla="*/ 1042447 w 1636054"/>
+              <a:gd name="connsiteY55" fmla="*/ 366394 h 2372870"/>
+              <a:gd name="connsiteX56" fmla="*/ 1042077 w 1636054"/>
+              <a:gd name="connsiteY56" fmla="*/ 378923 h 2372870"/>
+              <a:gd name="connsiteX57" fmla="*/ 1041272 w 1636054"/>
+              <a:gd name="connsiteY57" fmla="*/ 403982 h 2372870"/>
+              <a:gd name="connsiteX58" fmla="*/ 1039481 w 1636054"/>
+              <a:gd name="connsiteY58" fmla="*/ 428894 h 2372870"/>
+              <a:gd name="connsiteX59" fmla="*/ 1034590 w 1636054"/>
+              <a:gd name="connsiteY59" fmla="*/ 478466 h 2372870"/>
+              <a:gd name="connsiteX60" fmla="*/ 1008024 w 1636054"/>
+              <a:gd name="connsiteY60" fmla="*/ 673748 h 2372870"/>
+              <a:gd name="connsiteX61" fmla="*/ 1003523 w 1636054"/>
+              <a:gd name="connsiteY61" fmla="*/ 722213 h 2372870"/>
+              <a:gd name="connsiteX62" fmla="*/ 1002508 w 1636054"/>
+              <a:gd name="connsiteY62" fmla="*/ 746374 h 2372870"/>
+              <a:gd name="connsiteX63" fmla="*/ 1001997 w 1636054"/>
+              <a:gd name="connsiteY63" fmla="*/ 758453 h 2372870"/>
+              <a:gd name="connsiteX64" fmla="*/ 1002186 w 1636054"/>
+              <a:gd name="connsiteY64" fmla="*/ 770465 h 2372870"/>
+              <a:gd name="connsiteX65" fmla="*/ 1002575 w 1636054"/>
+              <a:gd name="connsiteY65" fmla="*/ 794484 h 2372870"/>
+              <a:gd name="connsiteX66" fmla="*/ 1004594 w 1636054"/>
+              <a:gd name="connsiteY66" fmla="*/ 818490 h 2372870"/>
+              <a:gd name="connsiteX67" fmla="*/ 1010697 w 1636054"/>
+              <a:gd name="connsiteY67" fmla="*/ 866248 h 2372870"/>
+              <a:gd name="connsiteX68" fmla="*/ 1071866 w 1636054"/>
+              <a:gd name="connsiteY68" fmla="*/ 1048103 h 2372870"/>
+              <a:gd name="connsiteX69" fmla="*/ 1184185 w 1636054"/>
+              <a:gd name="connsiteY69" fmla="*/ 1203734 h 2372870"/>
+              <a:gd name="connsiteX70" fmla="*/ 1255864 w 1636054"/>
+              <a:gd name="connsiteY70" fmla="*/ 1267910 h 2372870"/>
+              <a:gd name="connsiteX71" fmla="*/ 1295092 w 1636054"/>
+              <a:gd name="connsiteY71" fmla="*/ 1295785 h 2372870"/>
+              <a:gd name="connsiteX72" fmla="*/ 1336206 w 1636054"/>
+              <a:gd name="connsiteY72" fmla="*/ 1321194 h 2372870"/>
+              <a:gd name="connsiteX73" fmla="*/ 1504604 w 1636054"/>
+              <a:gd name="connsiteY73" fmla="*/ 1427886 h 2372870"/>
+              <a:gd name="connsiteX74" fmla="*/ 1574719 w 1636054"/>
+              <a:gd name="connsiteY74" fmla="*/ 1503306 h 2372870"/>
+              <a:gd name="connsiteX75" fmla="*/ 1618439 w 1636054"/>
+              <a:gd name="connsiteY75" fmla="*/ 1596809 h 2372870"/>
+              <a:gd name="connsiteX76" fmla="*/ 1631149 w 1636054"/>
+              <a:gd name="connsiteY76" fmla="*/ 1799007 h 2372870"/>
+              <a:gd name="connsiteX77" fmla="*/ 1612023 w 1636054"/>
+              <a:gd name="connsiteY77" fmla="*/ 1898289 h 2372870"/>
+              <a:gd name="connsiteX78" fmla="*/ 1577724 w 1636054"/>
+              <a:gd name="connsiteY78" fmla="*/ 1993481 h 2372870"/>
+              <a:gd name="connsiteX79" fmla="*/ 1309507 w 1636054"/>
+              <a:gd name="connsiteY79" fmla="*/ 2288461 h 2372870"/>
+              <a:gd name="connsiteX80" fmla="*/ 918821 w 1636054"/>
+              <a:gd name="connsiteY80" fmla="*/ 2368615 h 2372870"/>
+              <a:gd name="connsiteX81" fmla="*/ 549563 w 1636054"/>
+              <a:gd name="connsiteY81" fmla="*/ 2216846 h 2372870"/>
+              <a:gd name="connsiteX82" fmla="*/ 278661 w 1636054"/>
+              <a:gd name="connsiteY82" fmla="*/ 1924418 h 2372870"/>
+              <a:gd name="connsiteX83" fmla="*/ 110386 w 1636054"/>
+              <a:gd name="connsiteY83" fmla="*/ 1564133 h 2372870"/>
+              <a:gd name="connsiteX84" fmla="*/ 16820 w 1636054"/>
+              <a:gd name="connsiteY84" fmla="*/ 1178401 h 2372870"/>
+              <a:gd name="connsiteX85" fmla="*/ 10110 w 1636054"/>
+              <a:gd name="connsiteY85" fmla="*/ 780994 h 2372870"/>
+              <a:gd name="connsiteX86" fmla="*/ 128438 w 1636054"/>
+              <a:gd name="connsiteY86" fmla="*/ 401508 h 2372870"/>
+              <a:gd name="connsiteX87" fmla="*/ 386449 w 1636054"/>
+              <a:gd name="connsiteY87" fmla="*/ 99837 h 2372870"/>
+            </a:gdLst>
+            <a:ahLst/>
+            <a:cxnLst>
+              <a:cxn ang="0">
+                <a:pos x="connsiteX0" y="connsiteY0"/>
+              </a:cxn>
+              <a:cxn ang="0">
+                <a:pos x="connsiteX1" y="connsiteY1"/>
+              </a:cxn>
+              <a:cxn ang="0">
+                <a:pos x="connsiteX2" y="connsiteY2"/>
+              </a:cxn>
+              <a:cxn ang="0">
+                <a:pos x="connsiteX3" y="connsiteY3"/>
+              </a:cxn>
+              <a:cxn ang="0">
+                <a:pos x="connsiteX4" y="connsiteY4"/>
+              </a:cxn>
+              <a:cxn ang="0">
+                <a:pos x="connsiteX5" y="connsiteY5"/>
+              </a:cxn>
+              <a:cxn ang="0">
+                <a:pos x="connsiteX6" y="connsiteY6"/>
+              </a:cxn>
+              <a:cxn ang="0">
+                <a:pos x="connsiteX7" y="connsiteY7"/>
+              </a:cxn>
+              <a:cxn ang="0">
+                <a:pos x="connsiteX8" y="connsiteY8"/>
+              </a:cxn>
+              <a:cxn ang="0">
+                <a:pos x="connsiteX9" y="connsiteY9"/>
+              </a:cxn>
+              <a:cxn ang="0">
+                <a:pos x="connsiteX10" y="connsiteY10"/>
+              </a:cxn>
+              <a:cxn ang="0">
+                <a:pos x="connsiteX11" y="connsiteY11"/>
+              </a:cxn>
+              <a:cxn ang="0">
+                <a:pos x="connsiteX12" y="connsiteY12"/>
+              </a:cxn>
+              <a:cxn ang="0">
+                <a:pos x="connsiteX13" y="connsiteY13"/>
+              </a:cxn>
+              <a:cxn ang="0">
+                <a:pos x="connsiteX14" y="connsiteY14"/>
+              </a:cxn>
+              <a:cxn ang="0">
+                <a:pos x="connsiteX15" y="connsiteY15"/>
+              </a:cxn>
+              <a:cxn ang="0">
+                <a:pos x="connsiteX16" y="connsiteY16"/>
+              </a:cxn>
+              <a:cxn ang="0">
+                <a:pos x="connsiteX17" y="connsiteY17"/>
+              </a:cxn>
+              <a:cxn ang="0">
+                <a:pos x="connsiteX18" y="connsiteY18"/>
+              </a:cxn>
+              <a:cxn ang="0">
+                <a:pos x="connsiteX19" y="connsiteY19"/>
+              </a:cxn>
+              <a:cxn ang="0">
+                <a:pos x="connsiteX20" y="connsiteY20"/>
+              </a:cxn>
+              <a:cxn ang="0">
+                <a:pos x="connsiteX21" y="connsiteY21"/>
+              </a:cxn>
+              <a:cxn ang="0">
+                <a:pos x="connsiteX22" y="connsiteY22"/>
+              </a:cxn>
+              <a:cxn ang="0">
+                <a:pos x="connsiteX23" y="connsiteY23"/>
+              </a:cxn>
+              <a:cxn ang="0">
+                <a:pos x="connsiteX24" y="connsiteY24"/>
+              </a:cxn>
+              <a:cxn ang="0">
+                <a:pos x="connsiteX25" y="connsiteY25"/>
+              </a:cxn>
+              <a:cxn ang="0">
+                <a:pos x="connsiteX26" y="connsiteY26"/>
+              </a:cxn>
+              <a:cxn ang="0">
+                <a:pos x="connsiteX27" y="connsiteY27"/>
+              </a:cxn>
+              <a:cxn ang="0">
+                <a:pos x="connsiteX28" y="connsiteY28"/>
+              </a:cxn>
+              <a:cxn ang="0">
+                <a:pos x="connsiteX29" y="connsiteY29"/>
+              </a:cxn>
+              <a:cxn ang="0">
+                <a:pos x="connsiteX30" y="connsiteY30"/>
+              </a:cxn>
+              <a:cxn ang="0">
+                <a:pos x="connsiteX31" y="connsiteY31"/>
+              </a:cxn>
+              <a:cxn ang="0">
+                <a:pos x="connsiteX32" y="connsiteY32"/>
+              </a:cxn>
+              <a:cxn ang="0">
+                <a:pos x="connsiteX33" y="connsiteY33"/>
+              </a:cxn>
+              <a:cxn ang="0">
+                <a:pos x="connsiteX34" y="connsiteY34"/>
+              </a:cxn>
+              <a:cxn ang="0">
+                <a:pos x="connsiteX35" y="connsiteY35"/>
+              </a:cxn>
+              <a:cxn ang="0">
+                <a:pos x="connsiteX36" y="connsiteY36"/>
+              </a:cxn>
+              <a:cxn ang="0">
+                <a:pos x="connsiteX37" y="connsiteY37"/>
+              </a:cxn>
+              <a:cxn ang="0">
+                <a:pos x="connsiteX38" y="connsiteY38"/>
+              </a:cxn>
+              <a:cxn ang="0">
+                <a:pos x="connsiteX39" y="connsiteY39"/>
+              </a:cxn>
+              <a:cxn ang="0">
+                <a:pos x="connsiteX40" y="connsiteY40"/>
+              </a:cxn>
+              <a:cxn ang="0">
+                <a:pos x="connsiteX41" y="connsiteY41"/>
+              </a:cxn>
+              <a:cxn ang="0">
+                <a:pos x="connsiteX42" y="connsiteY42"/>
+              </a:cxn>
+              <a:cxn ang="0">
+                <a:pos x="connsiteX43" y="connsiteY43"/>
+              </a:cxn>
+              <a:cxn ang="0">
+                <a:pos x="connsiteX44" y="connsiteY44"/>
+              </a:cxn>
+              <a:cxn ang="0">
+                <a:pos x="connsiteX45" y="connsiteY45"/>
+              </a:cxn>
+              <a:cxn ang="0">
+                <a:pos x="connsiteX46" y="connsiteY46"/>
+              </a:cxn>
+              <a:cxn ang="0">
+                <a:pos x="connsiteX47" y="connsiteY47"/>
+              </a:cxn>
+              <a:cxn ang="0">
+                <a:pos x="connsiteX48" y="connsiteY48"/>
+              </a:cxn>
+              <a:cxn ang="0">
+                <a:pos x="connsiteX49" y="connsiteY49"/>
+              </a:cxn>
+              <a:cxn ang="0">
+                <a:pos x="connsiteX50" y="connsiteY50"/>
+              </a:cxn>
+              <a:cxn ang="0">
+                <a:pos x="connsiteX51" y="connsiteY51"/>
+              </a:cxn>
+              <a:cxn ang="0">
+                <a:pos x="connsiteX52" y="connsiteY52"/>
+              </a:cxn>
+              <a:cxn ang="0">
+                <a:pos x="connsiteX53" y="connsiteY53"/>
+              </a:cxn>
+              <a:cxn ang="0">
+                <a:pos x="connsiteX54" y="connsiteY54"/>
+              </a:cxn>
+              <a:cxn ang="0">
+                <a:pos x="connsiteX55" y="connsiteY55"/>
+              </a:cxn>
+              <a:cxn ang="0">
+                <a:pos x="connsiteX56" y="connsiteY56"/>
+              </a:cxn>
+              <a:cxn ang="0">
+                <a:pos x="connsiteX57" y="connsiteY57"/>
+              </a:cxn>
+              <a:cxn ang="0">
+                <a:pos x="connsiteX58" y="connsiteY58"/>
+              </a:cxn>
+              <a:cxn ang="0">
+                <a:pos x="connsiteX59" y="connsiteY59"/>
+              </a:cxn>
+              <a:cxn ang="0">
+                <a:pos x="connsiteX60" y="connsiteY60"/>
+              </a:cxn>
+              <a:cxn ang="0">
+                <a:pos x="connsiteX61" y="connsiteY61"/>
+              </a:cxn>
+              <a:cxn ang="0">
+                <a:pos x="connsiteX62" y="connsiteY62"/>
+              </a:cxn>
+              <a:cxn ang="0">
+                <a:pos x="connsiteX63" y="connsiteY63"/>
+              </a:cxn>
+              <a:cxn ang="0">
+                <a:pos x="connsiteX64" y="connsiteY64"/>
+              </a:cxn>
+              <a:cxn ang="0">
+                <a:pos x="connsiteX65" y="connsiteY65"/>
+              </a:cxn>
+              <a:cxn ang="0">
+                <a:pos x="connsiteX66" y="connsiteY66"/>
+              </a:cxn>
+              <a:cxn ang="0">
+                <a:pos x="connsiteX67" y="connsiteY67"/>
+              </a:cxn>
+              <a:cxn ang="0">
+                <a:pos x="connsiteX68" y="connsiteY68"/>
+              </a:cxn>
+              <a:cxn ang="0">
+                <a:pos x="connsiteX69" y="connsiteY69"/>
+              </a:cxn>
+              <a:cxn ang="0">
+                <a:pos x="connsiteX70" y="connsiteY70"/>
+              </a:cxn>
+              <a:cxn ang="0">
+                <a:pos x="connsiteX71" y="connsiteY71"/>
+              </a:cxn>
+              <a:cxn ang="0">
+                <a:pos x="connsiteX72" y="connsiteY72"/>
+              </a:cxn>
+              <a:cxn ang="0">
+                <a:pos x="connsiteX73" y="connsiteY73"/>
+              </a:cxn>
+              <a:cxn ang="0">
+                <a:pos x="connsiteX74" y="connsiteY74"/>
+              </a:cxn>
+              <a:cxn ang="0">
+                <a:pos x="connsiteX75" y="connsiteY75"/>
+              </a:cxn>
+              <a:cxn ang="0">
+                <a:pos x="connsiteX76" y="connsiteY76"/>
+              </a:cxn>
+              <a:cxn ang="0">
+                <a:pos x="connsiteX77" y="connsiteY77"/>
+              </a:cxn>
+              <a:cxn ang="0">
+                <a:pos x="connsiteX78" y="connsiteY78"/>
+              </a:cxn>
+              <a:cxn ang="0">
+                <a:pos x="connsiteX79" y="connsiteY79"/>
+              </a:cxn>
+              <a:cxn ang="0">
+                <a:pos x="connsiteX80" y="connsiteY80"/>
+              </a:cxn>
+              <a:cxn ang="0">
+                <a:pos x="connsiteX81" y="connsiteY81"/>
+              </a:cxn>
+              <a:cxn ang="0">
+                <a:pos x="connsiteX82" y="connsiteY82"/>
+              </a:cxn>
+              <a:cxn ang="0">
+                <a:pos x="connsiteX83" y="connsiteY83"/>
+              </a:cxn>
+              <a:cxn ang="0">
+                <a:pos x="connsiteX84" y="connsiteY84"/>
+              </a:cxn>
+              <a:cxn ang="0">
+                <a:pos x="connsiteX85" y="connsiteY85"/>
+              </a:cxn>
+              <a:cxn ang="0">
+                <a:pos x="connsiteX86" y="connsiteY86"/>
+              </a:cxn>
+              <a:cxn ang="0">
+                <a:pos x="connsiteX87" y="connsiteY87"/>
+              </a:cxn>
+            </a:cxnLst>
+            <a:rect l="l" t="t" r="r" b="b"/>
+            <a:pathLst>
+              <a:path w="1636054" h="2372870">
+                <a:moveTo>
+                  <a:pt x="401778" y="121093"/>
+                </a:moveTo>
+                <a:cubicBezTo>
+                  <a:pt x="297730" y="198749"/>
+                  <a:pt x="212839" y="299238"/>
+                  <a:pt x="153620" y="414847"/>
+                </a:cubicBezTo>
+                <a:cubicBezTo>
+                  <a:pt x="93699" y="530206"/>
+                  <a:pt x="55416" y="655586"/>
+                  <a:pt x="40671" y="784768"/>
+                </a:cubicBezTo>
+                <a:cubicBezTo>
+                  <a:pt x="26337" y="914201"/>
+                  <a:pt x="29328" y="1044972"/>
+                  <a:pt x="49565" y="1173609"/>
+                </a:cubicBezTo>
+                <a:cubicBezTo>
+                  <a:pt x="69545" y="1302588"/>
+                  <a:pt x="100892" y="1429537"/>
+                  <a:pt x="143239" y="1552975"/>
+                </a:cubicBezTo>
+                <a:cubicBezTo>
+                  <a:pt x="183894" y="1676631"/>
+                  <a:pt x="239498" y="1794842"/>
+                  <a:pt x="308814" y="1904987"/>
+                </a:cubicBezTo>
+                <a:cubicBezTo>
+                  <a:pt x="377951" y="2014525"/>
+                  <a:pt x="466981" y="2110116"/>
+                  <a:pt x="571293" y="2186826"/>
+                </a:cubicBezTo>
+                <a:cubicBezTo>
+                  <a:pt x="674690" y="2263679"/>
+                  <a:pt x="795688" y="2313338"/>
+                  <a:pt x="923219" y="2331271"/>
+                </a:cubicBezTo>
+                <a:cubicBezTo>
+                  <a:pt x="1050787" y="2346527"/>
+                  <a:pt x="1179882" y="2320502"/>
+                  <a:pt x="1291614" y="2257009"/>
+                </a:cubicBezTo>
+                <a:cubicBezTo>
+                  <a:pt x="1403459" y="2193382"/>
+                  <a:pt x="1492482" y="2096150"/>
+                  <a:pt x="1546078" y="1979078"/>
+                </a:cubicBezTo>
+                <a:cubicBezTo>
+                  <a:pt x="1559176" y="1949912"/>
+                  <a:pt x="1570132" y="1919836"/>
+                  <a:pt x="1578861" y="1889076"/>
+                </a:cubicBezTo>
+                <a:cubicBezTo>
+                  <a:pt x="1587419" y="1858240"/>
+                  <a:pt x="1593599" y="1826797"/>
+                  <a:pt x="1597323" y="1795012"/>
+                </a:cubicBezTo>
+                <a:cubicBezTo>
+                  <a:pt x="1606498" y="1732012"/>
+                  <a:pt x="1602801" y="1667808"/>
+                  <a:pt x="1586453" y="1606278"/>
+                </a:cubicBezTo>
+                <a:cubicBezTo>
+                  <a:pt x="1577762" y="1576277"/>
+                  <a:pt x="1564569" y="1547776"/>
+                  <a:pt x="1547329" y="1521750"/>
+                </a:cubicBezTo>
+                <a:cubicBezTo>
+                  <a:pt x="1529701" y="1495896"/>
+                  <a:pt x="1508338" y="1472792"/>
+                  <a:pt x="1483943" y="1453200"/>
+                </a:cubicBezTo>
+                <a:cubicBezTo>
+                  <a:pt x="1434744" y="1412810"/>
+                  <a:pt x="1377121" y="1382126"/>
+                  <a:pt x="1320189" y="1348681"/>
+                </a:cubicBezTo>
+                <a:cubicBezTo>
+                  <a:pt x="1305906" y="1340521"/>
+                  <a:pt x="1291813" y="1331005"/>
+                  <a:pt x="1277644" y="1322077"/>
+                </a:cubicBezTo>
+                <a:cubicBezTo>
+                  <a:pt x="1263655" y="1312807"/>
+                  <a:pt x="1250263" y="1302607"/>
+                  <a:pt x="1236738" y="1292683"/>
+                </a:cubicBezTo>
+                <a:cubicBezTo>
+                  <a:pt x="1210305" y="1271942"/>
+                  <a:pt x="1185360" y="1249370"/>
+                  <a:pt x="1162083" y="1225138"/>
+                </a:cubicBezTo>
+                <a:cubicBezTo>
+                  <a:pt x="1115235" y="1176816"/>
+                  <a:pt x="1075913" y="1121720"/>
+                  <a:pt x="1045432" y="1061699"/>
+                </a:cubicBezTo>
+                <a:cubicBezTo>
+                  <a:pt x="1014640" y="1001802"/>
+                  <a:pt x="993382" y="937464"/>
+                  <a:pt x="982416" y="871004"/>
+                </a:cubicBezTo>
+                <a:cubicBezTo>
+                  <a:pt x="980113" y="854354"/>
+                  <a:pt x="977118" y="837788"/>
+                  <a:pt x="976284" y="820977"/>
+                </a:cubicBezTo>
+                <a:lnTo>
+                  <a:pt x="974322" y="795844"/>
+                </a:lnTo>
+                <a:lnTo>
+                  <a:pt x="974019" y="770570"/>
+                </a:lnTo>
+                <a:lnTo>
+                  <a:pt x="973905" y="757935"/>
+                </a:lnTo>
+                <a:lnTo>
+                  <a:pt x="974493" y="745389"/>
+                </a:lnTo>
+                <a:lnTo>
+                  <a:pt x="975687" y="720299"/>
+                </a:lnTo>
+                <a:cubicBezTo>
+                  <a:pt x="977326" y="703743"/>
+                  <a:pt x="978388" y="687040"/>
+                  <a:pt x="980558" y="670621"/>
+                </a:cubicBezTo>
+                <a:cubicBezTo>
+                  <a:pt x="988273" y="604714"/>
+                  <a:pt x="1000300" y="539988"/>
+                  <a:pt x="1008176" y="475279"/>
+                </a:cubicBezTo>
+                <a:cubicBezTo>
+                  <a:pt x="1010024" y="459106"/>
+                  <a:pt x="1012119" y="442927"/>
+                  <a:pt x="1013218" y="426767"/>
+                </a:cubicBezTo>
+                <a:cubicBezTo>
+                  <a:pt x="1013825" y="418686"/>
+                  <a:pt x="1014668" y="410597"/>
+                  <a:pt x="1015095" y="402522"/>
+                </a:cubicBezTo>
+                <a:lnTo>
+                  <a:pt x="1015995" y="378311"/>
+                </a:lnTo>
+                <a:lnTo>
+                  <a:pt x="1016422" y="366207"/>
+                </a:lnTo>
+                <a:lnTo>
+                  <a:pt x="1016175" y="354152"/>
+                </a:lnTo>
+                <a:lnTo>
+                  <a:pt x="1015701" y="330039"/>
+                </a:lnTo>
+                <a:lnTo>
+                  <a:pt x="1013578" y="306135"/>
+                </a:lnTo>
+                <a:cubicBezTo>
+                  <a:pt x="1013085" y="298167"/>
+                  <a:pt x="1012081" y="290239"/>
+                  <a:pt x="1010555" y="282403"/>
+                </a:cubicBezTo>
+                <a:lnTo>
+                  <a:pt x="1006385" y="258893"/>
+                </a:lnTo>
+                <a:cubicBezTo>
+                  <a:pt x="1004679" y="251146"/>
+                  <a:pt x="1002186" y="243620"/>
+                  <a:pt x="1000148" y="235966"/>
+                </a:cubicBezTo>
+                <a:cubicBezTo>
+                  <a:pt x="995760" y="220783"/>
+                  <a:pt x="990311" y="205931"/>
+                  <a:pt x="983819" y="191521"/>
+                </a:cubicBezTo>
+                <a:cubicBezTo>
+                  <a:pt x="957746" y="133530"/>
+                  <a:pt x="912414" y="86364"/>
+                  <a:pt x="855539" y="58035"/>
+                </a:cubicBezTo>
+                <a:cubicBezTo>
+                  <a:pt x="826955" y="44298"/>
+                  <a:pt x="796550" y="34735"/>
+                  <a:pt x="765255" y="29636"/>
+                </a:cubicBezTo>
+                <a:cubicBezTo>
+                  <a:pt x="701812" y="19952"/>
+                  <a:pt x="637041" y="23652"/>
+                  <a:pt x="575104" y="40497"/>
+                </a:cubicBezTo>
+                <a:cubicBezTo>
+                  <a:pt x="512883" y="56500"/>
+                  <a:pt x="454130" y="83820"/>
+                  <a:pt x="401778" y="121093"/>
+                </a:cubicBezTo>
+                <a:close/>
+                <a:moveTo>
+                  <a:pt x="386449" y="99836"/>
+                </a:moveTo>
+                <a:cubicBezTo>
+                  <a:pt x="441643" y="61041"/>
+                  <a:pt x="503500" y="32751"/>
+                  <a:pt x="568927" y="16380"/>
+                </a:cubicBezTo>
+                <a:cubicBezTo>
+                  <a:pt x="634268" y="-945"/>
+                  <a:pt x="702476" y="-4575"/>
+                  <a:pt x="769283" y="5720"/>
+                </a:cubicBezTo>
+                <a:cubicBezTo>
+                  <a:pt x="802881" y="11278"/>
+                  <a:pt x="835513" y="21635"/>
+                  <a:pt x="866173" y="36475"/>
+                </a:cubicBezTo>
+                <a:cubicBezTo>
+                  <a:pt x="928185" y="66967"/>
+                  <a:pt x="977762" y="117978"/>
+                  <a:pt x="1006508" y="180869"/>
+                </a:cubicBezTo>
+                <a:cubicBezTo>
+                  <a:pt x="1013597" y="196381"/>
+                  <a:pt x="1019578" y="212378"/>
+                  <a:pt x="1024411" y="228741"/>
+                </a:cubicBezTo>
+                <a:cubicBezTo>
+                  <a:pt x="1026657" y="236938"/>
+                  <a:pt x="1029340" y="245060"/>
+                  <a:pt x="1031207" y="253330"/>
+                </a:cubicBezTo>
+                <a:lnTo>
+                  <a:pt x="1035803" y="278334"/>
+                </a:lnTo>
+                <a:cubicBezTo>
+                  <a:pt x="1037443" y="286625"/>
+                  <a:pt x="1038561" y="295012"/>
+                  <a:pt x="1039139" y="303444"/>
+                </a:cubicBezTo>
+                <a:lnTo>
+                  <a:pt x="1041490" y="328632"/>
+                </a:lnTo>
+                <a:lnTo>
+                  <a:pt x="1042134" y="353805"/>
+                </a:lnTo>
+                <a:lnTo>
+                  <a:pt x="1042447" y="366394"/>
+                </a:lnTo>
+                <a:lnTo>
+                  <a:pt x="1042077" y="378923"/>
+                </a:lnTo>
+                <a:lnTo>
+                  <a:pt x="1041272" y="403982"/>
+                </a:lnTo>
+                <a:cubicBezTo>
+                  <a:pt x="1040874" y="412316"/>
+                  <a:pt x="1040068" y="420588"/>
+                  <a:pt x="1039481" y="428894"/>
+                </a:cubicBezTo>
+                <a:cubicBezTo>
+                  <a:pt x="1038429" y="445541"/>
+                  <a:pt x="1036391" y="461977"/>
+                  <a:pt x="1034590" y="478466"/>
+                </a:cubicBezTo>
+                <a:cubicBezTo>
+                  <a:pt x="1026904" y="544309"/>
+                  <a:pt x="1015237" y="609021"/>
+                  <a:pt x="1008024" y="673748"/>
+                </a:cubicBezTo>
+                <a:cubicBezTo>
+                  <a:pt x="1005968" y="689928"/>
+                  <a:pt x="1005048" y="706060"/>
+                  <a:pt x="1003523" y="722213"/>
+                </a:cubicBezTo>
+                <a:lnTo>
+                  <a:pt x="1002508" y="746374"/>
+                </a:lnTo>
+                <a:lnTo>
+                  <a:pt x="1001997" y="758453"/>
+                </a:lnTo>
+                <a:lnTo>
+                  <a:pt x="1002186" y="770465"/>
+                </a:lnTo>
+                <a:lnTo>
+                  <a:pt x="1002575" y="794484"/>
+                </a:lnTo>
+                <a:lnTo>
+                  <a:pt x="1004594" y="818490"/>
+                </a:lnTo>
+                <a:cubicBezTo>
+                  <a:pt x="1005446" y="834547"/>
+                  <a:pt x="1008432" y="850359"/>
+                  <a:pt x="1010697" y="866248"/>
+                </a:cubicBezTo>
+                <a:cubicBezTo>
+                  <a:pt x="1021511" y="929685"/>
+                  <a:pt x="1042144" y="991042"/>
+                  <a:pt x="1071866" y="1048103"/>
+                </a:cubicBezTo>
+                <a:cubicBezTo>
+                  <a:pt x="1101294" y="1105325"/>
+                  <a:pt x="1139157" y="1157783"/>
+                  <a:pt x="1184185" y="1203734"/>
+                </a:cubicBezTo>
+                <a:cubicBezTo>
+                  <a:pt x="1206552" y="1226770"/>
+                  <a:pt x="1230502" y="1248222"/>
+                  <a:pt x="1255864" y="1267910"/>
+                </a:cubicBezTo>
+                <a:cubicBezTo>
+                  <a:pt x="1268848" y="1277313"/>
+                  <a:pt x="1281672" y="1287000"/>
+                  <a:pt x="1295092" y="1295785"/>
+                </a:cubicBezTo>
+                <a:cubicBezTo>
+                  <a:pt x="1308758" y="1304277"/>
+                  <a:pt x="1321923" y="1313129"/>
+                  <a:pt x="1336206" y="1321194"/>
+                </a:cubicBezTo>
+                <a:cubicBezTo>
+                  <a:pt x="1392522" y="1353918"/>
+                  <a:pt x="1451814" y="1384906"/>
+                  <a:pt x="1504604" y="1427886"/>
+                </a:cubicBezTo>
+                <a:cubicBezTo>
+                  <a:pt x="1531558" y="1449424"/>
+                  <a:pt x="1555186" y="1474842"/>
+                  <a:pt x="1574719" y="1503306"/>
+                </a:cubicBezTo>
+                <a:cubicBezTo>
+                  <a:pt x="1593940" y="1532073"/>
+                  <a:pt x="1608687" y="1563602"/>
+                  <a:pt x="1618439" y="1596809"/>
+                </a:cubicBezTo>
+                <a:cubicBezTo>
+                  <a:pt x="1636324" y="1662646"/>
+                  <a:pt x="1640646" y="1731443"/>
+                  <a:pt x="1631149" y="1799007"/>
+                </a:cubicBezTo>
+                <a:cubicBezTo>
+                  <a:pt x="1627329" y="1832537"/>
+                  <a:pt x="1620932" y="1865736"/>
+                  <a:pt x="1612023" y="1898289"/>
+                </a:cubicBezTo>
+                <a:cubicBezTo>
+                  <a:pt x="1602915" y="1930813"/>
+                  <a:pt x="1591457" y="1962626"/>
+                  <a:pt x="1577724" y="1993481"/>
+                </a:cubicBezTo>
+                <a:cubicBezTo>
+                  <a:pt x="1521446" y="2117545"/>
+                  <a:pt x="1427617" y="2220736"/>
+                  <a:pt x="1309507" y="2288461"/>
+                </a:cubicBezTo>
+                <a:cubicBezTo>
+                  <a:pt x="1191170" y="2356243"/>
+                  <a:pt x="1054256" y="2384337"/>
+                  <a:pt x="918821" y="2368615"/>
+                </a:cubicBezTo>
+                <a:cubicBezTo>
+                  <a:pt x="784182" y="2352248"/>
+                  <a:pt x="657562" y="2295691"/>
+                  <a:pt x="549563" y="2216846"/>
+                </a:cubicBezTo>
+                <a:cubicBezTo>
+                  <a:pt x="441809" y="2137166"/>
+                  <a:pt x="349924" y="2037979"/>
+                  <a:pt x="278661" y="1924418"/>
+                </a:cubicBezTo>
+                <a:cubicBezTo>
+                  <a:pt x="208108" y="1811635"/>
+                  <a:pt x="151597" y="1690645"/>
+                  <a:pt x="110386" y="1564133"/>
+                </a:cubicBezTo>
+                <a:cubicBezTo>
+                  <a:pt x="67624" y="1438645"/>
+                  <a:pt x="36308" y="1309543"/>
+                  <a:pt x="16820" y="1178401"/>
+                </a:cubicBezTo>
+                <a:cubicBezTo>
+                  <a:pt x="-3076" y="1046822"/>
+                  <a:pt x="-5332" y="913171"/>
+                  <a:pt x="10110" y="780994"/>
+                </a:cubicBezTo>
+                <a:cubicBezTo>
+                  <a:pt x="26054" y="648322"/>
+                  <a:pt x="66159" y="519700"/>
+                  <a:pt x="128438" y="401508"/>
+                </a:cubicBezTo>
+                <a:cubicBezTo>
+                  <a:pt x="190290" y="282537"/>
+                  <a:pt x="278552" y="179340"/>
+                  <a:pt x="386449" y="99837"/>
+                </a:cubicBezTo>
+                <a:close/>
+              </a:path>
+            </a:pathLst>
+          </a:custGeom>
+          <a:solidFill>
+            <a:schemeClr val="accent4"/>
+          </a:solidFill>
+          <a:ln w="9478" cap="flat">
+            <a:noFill/>
+            <a:prstDash val="solid"/>
+            <a:miter/>
+          </a:ln>
+        </p:spPr>
+        <p:txBody>
+          <a:bodyPr rtlCol="0" anchor="ctr"/>
+          <a:lstStyle/>
+          <a:p>
+            <a:endParaRPr lang="en-SV" dirty="0">
+              <a:latin typeface="Mulish Light" pitchFamily="2" charset="77"/>
+            </a:endParaRPr>
+          </a:p>
+        </p:txBody>
+      </p:sp>
+      <p:sp>
+        <p:nvSpPr>
+          <p:cNvPr id="9" name="TextBox 8">
+            <a:extLst>
+              <a:ext uri="{FF2B5EF4-FFF2-40B4-BE49-F238E27FC236}">
+                <a16:creationId xmlns:a16="http://schemas.microsoft.com/office/drawing/2014/main" id="{C7F4F832-CE1B-1E92-75FA-9BE2B0E46C81}"/>
+              </a:ext>
+            </a:extLst>
+          </p:cNvPr>
+          <p:cNvSpPr txBox="1"/>
+          <p:nvPr/>
+        </p:nvSpPr>
+        <p:spPr>
+          <a:xfrm>
+            <a:off x="1555293" y="1604258"/>
+            <a:ext cx="8207469" cy="1231106"/>
+          </a:xfrm>
+          <a:prstGeom prst="rect">
+            <a:avLst/>
+          </a:prstGeom>
+          <a:noFill/>
+        </p:spPr>
+        <p:txBody>
+          <a:bodyPr wrap="square" rtlCol="0" anchor="b">
+            <a:spAutoFit/>
+          </a:bodyPr>
+          <a:lstStyle>
+            <a:defPPr>
+              <a:defRPr lang="en-US"/>
+            </a:defPPr>
+            <a:lvl1pPr algn="r">
+              <a:defRPr sz="9600" b="1" u="none" strike="noStrike">
+                <a:solidFill>
+                  <a:schemeClr val="tx2"/>
+                </a:solidFill>
+                <a:effectLst/>
+                <a:latin typeface="Mulish Black" pitchFamily="2" charset="77"/>
+                <a:ea typeface="Arimo" panose="020B0604020202020204" pitchFamily="34" charset="0"/>
+                <a:cs typeface="Arimo" panose="020B0604020202020204" pitchFamily="34" charset="0"/>
+              </a:defRPr>
+            </a:lvl1pPr>
+          </a:lstStyle>
+          <a:p>
+            <a:pPr algn="l"/>
+            <a:r>
+              <a:rPr lang="en-US" sz="7400" b="0" dirty="0"/>
+              <a:t>Future Works</a:t>
+            </a:r>
+          </a:p>
+        </p:txBody>
+      </p:sp>
+      <p:sp>
+        <p:nvSpPr>
+          <p:cNvPr id="10" name="TextBox 9">
+            <a:extLst>
+              <a:ext uri="{FF2B5EF4-FFF2-40B4-BE49-F238E27FC236}">
+                <a16:creationId xmlns:a16="http://schemas.microsoft.com/office/drawing/2014/main" id="{EB52E729-F2D1-9090-0975-9DA384890E26}"/>
+              </a:ext>
+            </a:extLst>
+          </p:cNvPr>
+          <p:cNvSpPr txBox="1"/>
+          <p:nvPr/>
+        </p:nvSpPr>
+        <p:spPr>
+          <a:xfrm>
+            <a:off x="1555292" y="3543839"/>
+            <a:ext cx="16786495" cy="6044732"/>
+          </a:xfrm>
+          <a:prstGeom prst="rect">
+            <a:avLst/>
+          </a:prstGeom>
+          <a:noFill/>
+        </p:spPr>
+        <p:txBody>
+          <a:bodyPr wrap="square" rtlCol="0" anchor="t">
+            <a:spAutoFit/>
+          </a:bodyPr>
+          <a:lstStyle>
+            <a:defPPr>
+              <a:defRPr lang="en-US"/>
+            </a:defPPr>
+            <a:lvl1pPr algn="r">
+              <a:lnSpc>
+                <a:spcPct val="140000"/>
+              </a:lnSpc>
+              <a:spcBef>
+                <a:spcPts val="1200"/>
+              </a:spcBef>
+              <a:spcAft>
+                <a:spcPts val="0"/>
+              </a:spcAft>
+              <a:defRPr sz="3100">
+                <a:latin typeface="Mulish Light" pitchFamily="2" charset="77"/>
+              </a:defRPr>
+            </a:lvl1pPr>
+          </a:lstStyle>
+          <a:p>
+            <a:pPr marL="571500" indent="-571500" algn="l">
+              <a:spcBef>
+                <a:spcPts val="0"/>
+              </a:spcBef>
+              <a:buFont typeface="Arial" panose="020B0604020202020204" pitchFamily="34" charset="0"/>
+              <a:buChar char="•"/>
+            </a:pPr>
+            <a:r>
+              <a:rPr lang="en-GB" sz="4000" dirty="0"/>
+              <a:t>Al module capable of creating engaging video content based on user inputs</a:t>
+            </a:r>
+          </a:p>
+          <a:p>
+            <a:pPr marL="571500" indent="-571500" algn="l">
+              <a:spcBef>
+                <a:spcPts val="0"/>
+              </a:spcBef>
+              <a:buFont typeface="Arial" panose="020B0604020202020204" pitchFamily="34" charset="0"/>
+              <a:buChar char="•"/>
+            </a:pPr>
+            <a:r>
+              <a:rPr lang="en-GB" sz="4000" dirty="0"/>
+              <a:t>features such as style adaptation, content personalization, and automatic editing</a:t>
+            </a:r>
+          </a:p>
+          <a:p>
+            <a:pPr marL="571500" indent="-571500" algn="l">
+              <a:spcBef>
+                <a:spcPts val="0"/>
+              </a:spcBef>
+              <a:buFont typeface="Arial" panose="020B0604020202020204" pitchFamily="34" charset="0"/>
+              <a:buChar char="•"/>
+            </a:pPr>
+            <a:r>
+              <a:rPr lang="en-GB" sz="4000" dirty="0"/>
+              <a:t>Al-driven audio generation feature that can produce background music, voiceovers, real-time translation to different languages and sound effects tailored to the video content</a:t>
+            </a:r>
+            <a:endParaRPr lang="en-GB" sz="4000" dirty="0">
+              <a:solidFill>
+                <a:schemeClr val="tx2"/>
+              </a:solidFill>
+            </a:endParaRPr>
+          </a:p>
+          <a:p>
+            <a:pPr marL="571500" indent="-571500" algn="l">
+              <a:spcBef>
+                <a:spcPts val="0"/>
+              </a:spcBef>
+              <a:buFont typeface="Arial" panose="020B0604020202020204" pitchFamily="34" charset="0"/>
+              <a:buChar char="•"/>
+            </a:pPr>
+            <a:r>
+              <a:rPr lang="en-GB" sz="4000" dirty="0"/>
+              <a:t>Interactive captions that provide further information</a:t>
+            </a:r>
+          </a:p>
+        </p:txBody>
+      </p:sp>
+    </p:spTree>
+    <p:extLst>
+      <p:ext uri="{BB962C8B-B14F-4D97-AF65-F5344CB8AC3E}">
+        <p14:creationId xmlns:p14="http://schemas.microsoft.com/office/powerpoint/2010/main" val="1503789468"/>
+      </p:ext>
+    </p:extLst>
+  </p:cSld>
+  <p:clrMapOvr>
+    <a:masterClrMapping/>
+  </p:clrMapOvr>
+</p:sld>
+</file>
+
+<file path=ppt/slides/slide9.xml><?xml version="1.0" encoding="utf-8"?>
+<p:sld xmlns:a="http://schemas.openxmlformats.org/drawingml/2006/main" xmlns:r="http://schemas.openxmlformats.org/officeDocument/2006/relationships" xmlns:p="http://schemas.openxmlformats.org/presentationml/2006/main">
+  <p:cSld>
     <p:bg>
       <p:bgPr>
         <a:solidFill>
@@ -27648,2280 +31476,6 @@
 </p:sld>
 </file>
 
-<file path=ppt/slides/slide9.xml><?xml version="1.0" encoding="utf-8"?>
-<p:sld xmlns:a="http://schemas.openxmlformats.org/drawingml/2006/main" xmlns:r="http://schemas.openxmlformats.org/officeDocument/2006/relationships" xmlns:p="http://schemas.openxmlformats.org/presentationml/2006/main">
-  <p:cSld>
-    <p:spTree>
-      <p:nvGrpSpPr>
-        <p:cNvPr id="1" name=""/>
-        <p:cNvGrpSpPr/>
-        <p:nvPr/>
-      </p:nvGrpSpPr>
-      <p:grpSpPr>
-        <a:xfrm>
-          <a:off x="0" y="0"/>
-          <a:ext cx="0" cy="0"/>
-          <a:chOff x="0" y="0"/>
-          <a:chExt cx="0" cy="0"/>
-        </a:xfrm>
-      </p:grpSpPr>
-      <p:sp>
-        <p:nvSpPr>
-          <p:cNvPr id="9" name="Freeform 8">
-            <a:extLst>
-              <a:ext uri="{FF2B5EF4-FFF2-40B4-BE49-F238E27FC236}">
-                <a16:creationId xmlns:a16="http://schemas.microsoft.com/office/drawing/2014/main" id="{C12D863C-D011-54C7-A172-B7225F6A92DC}"/>
-              </a:ext>
-            </a:extLst>
-          </p:cNvPr>
-          <p:cNvSpPr/>
-          <p:nvPr/>
-        </p:nvSpPr>
-        <p:spPr>
-          <a:xfrm rot="19800000">
-            <a:off x="-1701306" y="9497623"/>
-            <a:ext cx="5190903" cy="7535187"/>
-          </a:xfrm>
-          <a:custGeom>
-            <a:avLst/>
-            <a:gdLst>
-              <a:gd name="connsiteX0" fmla="*/ 387804 w 1619078"/>
-              <a:gd name="connsiteY0" fmla="*/ 2044666 h 2350276"/>
-              <a:gd name="connsiteX1" fmla="*/ 42345 w 1619078"/>
-              <a:gd name="connsiteY1" fmla="*/ 626563 h 2350276"/>
-              <a:gd name="connsiteX2" fmla="*/ 298986 w 1619078"/>
-              <a:gd name="connsiteY2" fmla="*/ 147173 h 2350276"/>
-              <a:gd name="connsiteX3" fmla="*/ 809017 w 1619078"/>
-              <a:gd name="connsiteY3" fmla="*/ 25804 h 2350276"/>
-              <a:gd name="connsiteX4" fmla="*/ 1085319 w 1619078"/>
-              <a:gd name="connsiteY4" fmla="*/ 307952 h 2350276"/>
-              <a:gd name="connsiteX5" fmla="*/ 1137626 w 1619078"/>
-              <a:gd name="connsiteY5" fmla="*/ 707118 h 2350276"/>
-              <a:gd name="connsiteX6" fmla="*/ 1219532 w 1619078"/>
-              <a:gd name="connsiteY6" fmla="*/ 1261171 h 2350276"/>
-              <a:gd name="connsiteX7" fmla="*/ 1430077 w 1619078"/>
-              <a:gd name="connsiteY7" fmla="*/ 1387057 h 2350276"/>
-              <a:gd name="connsiteX8" fmla="*/ 1522086 w 1619078"/>
-              <a:gd name="connsiteY8" fmla="*/ 2082741 h 2350276"/>
-              <a:gd name="connsiteX9" fmla="*/ 387804 w 1619078"/>
-              <a:gd name="connsiteY9" fmla="*/ 2044666 h 2350276"/>
-            </a:gdLst>
-            <a:ahLst/>
-            <a:cxnLst>
-              <a:cxn ang="0">
-                <a:pos x="connsiteX0" y="connsiteY0"/>
-              </a:cxn>
-              <a:cxn ang="0">
-                <a:pos x="connsiteX1" y="connsiteY1"/>
-              </a:cxn>
-              <a:cxn ang="0">
-                <a:pos x="connsiteX2" y="connsiteY2"/>
-              </a:cxn>
-              <a:cxn ang="0">
-                <a:pos x="connsiteX3" y="connsiteY3"/>
-              </a:cxn>
-              <a:cxn ang="0">
-                <a:pos x="connsiteX4" y="connsiteY4"/>
-              </a:cxn>
-              <a:cxn ang="0">
-                <a:pos x="connsiteX5" y="connsiteY5"/>
-              </a:cxn>
-              <a:cxn ang="0">
-                <a:pos x="connsiteX6" y="connsiteY6"/>
-              </a:cxn>
-              <a:cxn ang="0">
-                <a:pos x="connsiteX7" y="connsiteY7"/>
-              </a:cxn>
-              <a:cxn ang="0">
-                <a:pos x="connsiteX8" y="connsiteY8"/>
-              </a:cxn>
-              <a:cxn ang="0">
-                <a:pos x="connsiteX9" y="connsiteY9"/>
-              </a:cxn>
-            </a:cxnLst>
-            <a:rect l="l" t="t" r="r" b="b"/>
-            <a:pathLst>
-              <a:path w="1619078" h="2350276">
-                <a:moveTo>
-                  <a:pt x="387804" y="2044666"/>
-                </a:moveTo>
-                <a:cubicBezTo>
-                  <a:pt x="57123" y="1662834"/>
-                  <a:pt x="-75624" y="1117922"/>
-                  <a:pt x="42345" y="626563"/>
-                </a:cubicBezTo>
-                <a:cubicBezTo>
-                  <a:pt x="85307" y="447617"/>
-                  <a:pt x="163086" y="271117"/>
-                  <a:pt x="298986" y="147173"/>
-                </a:cubicBezTo>
-                <a:cubicBezTo>
-                  <a:pt x="434887" y="23228"/>
-                  <a:pt x="636778" y="-38544"/>
-                  <a:pt x="809017" y="25804"/>
-                </a:cubicBezTo>
-                <a:cubicBezTo>
-                  <a:pt x="935792" y="73167"/>
-                  <a:pt x="1033183" y="182952"/>
-                  <a:pt x="1085319" y="307952"/>
-                </a:cubicBezTo>
-                <a:cubicBezTo>
-                  <a:pt x="1137465" y="432953"/>
-                  <a:pt x="1148023" y="572056"/>
-                  <a:pt x="1137626" y="707118"/>
-                </a:cubicBezTo>
-                <a:cubicBezTo>
-                  <a:pt x="1122727" y="900554"/>
-                  <a:pt x="1078003" y="1128625"/>
-                  <a:pt x="1219532" y="1261171"/>
-                </a:cubicBezTo>
-                <a:cubicBezTo>
-                  <a:pt x="1279392" y="1317235"/>
-                  <a:pt x="1361544" y="1342018"/>
-                  <a:pt x="1430077" y="1387057"/>
-                </a:cubicBezTo>
-                <a:cubicBezTo>
-                  <a:pt x="1648507" y="1530572"/>
-                  <a:pt x="1675452" y="1870989"/>
-                  <a:pt x="1522086" y="2082741"/>
-                </a:cubicBezTo>
-                <a:cubicBezTo>
-                  <a:pt x="1221778" y="2497355"/>
-                  <a:pt x="684347" y="2387067"/>
-                  <a:pt x="387804" y="2044666"/>
-                </a:cubicBezTo>
-                <a:close/>
-              </a:path>
-            </a:pathLst>
-          </a:custGeom>
-          <a:solidFill>
-            <a:schemeClr val="accent3">
-              <a:alpha val="30318"/>
-            </a:schemeClr>
-          </a:solidFill>
-          <a:ln w="9478" cap="flat">
-            <a:noFill/>
-            <a:prstDash val="solid"/>
-            <a:miter/>
-          </a:ln>
-        </p:spPr>
-        <p:txBody>
-          <a:bodyPr rtlCol="0" anchor="ctr"/>
-          <a:lstStyle/>
-          <a:p>
-            <a:endParaRPr lang="en-SV" dirty="0">
-              <a:latin typeface="Mulish Light" pitchFamily="2" charset="77"/>
-            </a:endParaRPr>
-          </a:p>
-        </p:txBody>
-      </p:sp>
-      <p:sp>
-        <p:nvSpPr>
-          <p:cNvPr id="8" name="Freeform 7">
-            <a:extLst>
-              <a:ext uri="{FF2B5EF4-FFF2-40B4-BE49-F238E27FC236}">
-                <a16:creationId xmlns:a16="http://schemas.microsoft.com/office/drawing/2014/main" id="{7217DB05-CB4F-2E7C-8405-703FA84D82F7}"/>
-              </a:ext>
-            </a:extLst>
-          </p:cNvPr>
-          <p:cNvSpPr/>
-          <p:nvPr/>
-        </p:nvSpPr>
-        <p:spPr>
-          <a:xfrm rot="9900000">
-            <a:off x="2113336" y="2377440"/>
-            <a:ext cx="6091020" cy="2740379"/>
-          </a:xfrm>
-          <a:custGeom>
-            <a:avLst/>
-            <a:gdLst>
-              <a:gd name="connsiteX0" fmla="*/ 60593 w 2991611"/>
-              <a:gd name="connsiteY0" fmla="*/ 1250095 h 1345940"/>
-              <a:gd name="connsiteX1" fmla="*/ 313608 w 2991611"/>
-              <a:gd name="connsiteY1" fmla="*/ 1257710 h 1345940"/>
-              <a:gd name="connsiteX2" fmla="*/ 545348 w 2991611"/>
-              <a:gd name="connsiteY2" fmla="*/ 1134601 h 1345940"/>
-              <a:gd name="connsiteX3" fmla="*/ 1013374 w 2991611"/>
-              <a:gd name="connsiteY3" fmla="*/ 1053069 h 1345940"/>
-              <a:gd name="connsiteX4" fmla="*/ 1653140 w 2991611"/>
-              <a:gd name="connsiteY4" fmla="*/ 1259493 h 1345940"/>
-              <a:gd name="connsiteX5" fmla="*/ 2905211 w 2991611"/>
-              <a:gd name="connsiteY5" fmla="*/ 1072511 h 1345940"/>
-              <a:gd name="connsiteX6" fmla="*/ 2977811 w 2991611"/>
-              <a:gd name="connsiteY6" fmla="*/ 635782 h 1345940"/>
-              <a:gd name="connsiteX7" fmla="*/ 2690689 w 2991611"/>
-              <a:gd name="connsiteY7" fmla="*/ 222557 h 1345940"/>
-              <a:gd name="connsiteX8" fmla="*/ 1758249 w 2991611"/>
-              <a:gd name="connsiteY8" fmla="*/ 252712 h 1345940"/>
-              <a:gd name="connsiteX9" fmla="*/ 249028 w 2991611"/>
-              <a:gd name="connsiteY9" fmla="*/ 15123 h 1345940"/>
-              <a:gd name="connsiteX10" fmla="*/ 294414 w 2991611"/>
-              <a:gd name="connsiteY10" fmla="*/ 578863 h 1345940"/>
-              <a:gd name="connsiteX11" fmla="*/ 60593 w 2991611"/>
-              <a:gd name="connsiteY11" fmla="*/ 1250095 h 1345940"/>
-            </a:gdLst>
-            <a:ahLst/>
-            <a:cxnLst>
-              <a:cxn ang="0">
-                <a:pos x="connsiteX0" y="connsiteY0"/>
-              </a:cxn>
-              <a:cxn ang="0">
-                <a:pos x="connsiteX1" y="connsiteY1"/>
-              </a:cxn>
-              <a:cxn ang="0">
-                <a:pos x="connsiteX2" y="connsiteY2"/>
-              </a:cxn>
-              <a:cxn ang="0">
-                <a:pos x="connsiteX3" y="connsiteY3"/>
-              </a:cxn>
-              <a:cxn ang="0">
-                <a:pos x="connsiteX4" y="connsiteY4"/>
-              </a:cxn>
-              <a:cxn ang="0">
-                <a:pos x="connsiteX5" y="connsiteY5"/>
-              </a:cxn>
-              <a:cxn ang="0">
-                <a:pos x="connsiteX6" y="connsiteY6"/>
-              </a:cxn>
-              <a:cxn ang="0">
-                <a:pos x="connsiteX7" y="connsiteY7"/>
-              </a:cxn>
-              <a:cxn ang="0">
-                <a:pos x="connsiteX8" y="connsiteY8"/>
-              </a:cxn>
-              <a:cxn ang="0">
-                <a:pos x="connsiteX9" y="connsiteY9"/>
-              </a:cxn>
-              <a:cxn ang="0">
-                <a:pos x="connsiteX10" y="connsiteY10"/>
-              </a:cxn>
-              <a:cxn ang="0">
-                <a:pos x="connsiteX11" y="connsiteY11"/>
-              </a:cxn>
-            </a:cxnLst>
-            <a:rect l="l" t="t" r="r" b="b"/>
-            <a:pathLst>
-              <a:path w="2991611" h="1345940">
-                <a:moveTo>
-                  <a:pt x="60593" y="1250095"/>
-                </a:moveTo>
-                <a:cubicBezTo>
-                  <a:pt x="134207" y="1297428"/>
-                  <a:pt x="231909" y="1289272"/>
-                  <a:pt x="313608" y="1257710"/>
-                </a:cubicBezTo>
-                <a:cubicBezTo>
-                  <a:pt x="395307" y="1226148"/>
-                  <a:pt x="467192" y="1174063"/>
-                  <a:pt x="545348" y="1134601"/>
-                </a:cubicBezTo>
-                <a:cubicBezTo>
-                  <a:pt x="689852" y="1062022"/>
-                  <a:pt x="852701" y="1033647"/>
-                  <a:pt x="1013374" y="1053069"/>
-                </a:cubicBezTo>
-                <a:cubicBezTo>
-                  <a:pt x="1238022" y="1080696"/>
-                  <a:pt x="1438294" y="1196530"/>
-                  <a:pt x="1653140" y="1259493"/>
-                </a:cubicBezTo>
-                <a:cubicBezTo>
-                  <a:pt x="2015033" y="1365559"/>
-                  <a:pt x="2653770" y="1439239"/>
-                  <a:pt x="2905211" y="1072511"/>
-                </a:cubicBezTo>
-                <a:cubicBezTo>
-                  <a:pt x="2991041" y="947335"/>
-                  <a:pt x="3007881" y="784358"/>
-                  <a:pt x="2977811" y="635782"/>
-                </a:cubicBezTo>
-                <a:cubicBezTo>
-                  <a:pt x="2943463" y="466057"/>
-                  <a:pt x="2844537" y="303250"/>
-                  <a:pt x="2690689" y="222557"/>
-                </a:cubicBezTo>
-                <a:cubicBezTo>
-                  <a:pt x="2410501" y="75600"/>
-                  <a:pt x="2074459" y="235437"/>
-                  <a:pt x="1758249" y="252712"/>
-                </a:cubicBezTo>
-                <a:cubicBezTo>
-                  <a:pt x="1245508" y="280724"/>
-                  <a:pt x="754190" y="-76693"/>
-                  <a:pt x="249028" y="15123"/>
-                </a:cubicBezTo>
-                <a:cubicBezTo>
-                  <a:pt x="-73417" y="73730"/>
-                  <a:pt x="247514" y="469324"/>
-                  <a:pt x="294414" y="578863"/>
-                </a:cubicBezTo>
-                <a:cubicBezTo>
-                  <a:pt x="371012" y="757762"/>
-                  <a:pt x="-178178" y="1096552"/>
-                  <a:pt x="60593" y="1250095"/>
-                </a:cubicBezTo>
-                <a:close/>
-              </a:path>
-            </a:pathLst>
-          </a:custGeom>
-          <a:solidFill>
-            <a:schemeClr val="accent2">
-              <a:alpha val="19946"/>
-            </a:schemeClr>
-          </a:solidFill>
-          <a:ln w="9525" cap="flat">
-            <a:noFill/>
-            <a:prstDash val="solid"/>
-            <a:miter/>
-          </a:ln>
-        </p:spPr>
-        <p:txBody>
-          <a:bodyPr rtlCol="0" anchor="ctr"/>
-          <a:lstStyle/>
-          <a:p>
-            <a:endParaRPr lang="en-SV" dirty="0">
-              <a:latin typeface="Mulish Light" pitchFamily="2" charset="77"/>
-            </a:endParaRPr>
-          </a:p>
-        </p:txBody>
-      </p:sp>
-      <p:sp>
-        <p:nvSpPr>
-          <p:cNvPr id="3" name="Freeform 2">
-            <a:extLst>
-              <a:ext uri="{FF2B5EF4-FFF2-40B4-BE49-F238E27FC236}">
-                <a16:creationId xmlns:a16="http://schemas.microsoft.com/office/drawing/2014/main" id="{E86D48A5-709C-1FA6-6909-FAD3257C907D}"/>
-              </a:ext>
-            </a:extLst>
-          </p:cNvPr>
-          <p:cNvSpPr/>
-          <p:nvPr/>
-        </p:nvSpPr>
-        <p:spPr>
-          <a:xfrm>
-            <a:off x="11663136" y="-4645260"/>
-            <a:ext cx="14717317" cy="11457093"/>
-          </a:xfrm>
-          <a:custGeom>
-            <a:avLst/>
-            <a:gdLst>
-              <a:gd name="connsiteX0" fmla="*/ 167389 w 2157700"/>
-              <a:gd name="connsiteY0" fmla="*/ 1517577 h 1679720"/>
-              <a:gd name="connsiteX1" fmla="*/ 125794 w 2157700"/>
-              <a:gd name="connsiteY1" fmla="*/ 1479727 h 1679720"/>
-              <a:gd name="connsiteX2" fmla="*/ 2462 w 2157700"/>
-              <a:gd name="connsiteY2" fmla="*/ 1175967 h 1679720"/>
-              <a:gd name="connsiteX3" fmla="*/ 278644 w 2157700"/>
-              <a:gd name="connsiteY3" fmla="*/ 940018 h 1679720"/>
-              <a:gd name="connsiteX4" fmla="*/ 772693 w 2157700"/>
-              <a:gd name="connsiteY4" fmla="*/ 107988 h 1679720"/>
-              <a:gd name="connsiteX5" fmla="*/ 1229106 w 2157700"/>
-              <a:gd name="connsiteY5" fmla="*/ 148549 h 1679720"/>
-              <a:gd name="connsiteX6" fmla="*/ 1412100 w 2157700"/>
-              <a:gd name="connsiteY6" fmla="*/ 499058 h 1679720"/>
-              <a:gd name="connsiteX7" fmla="*/ 1667418 w 2157700"/>
-              <a:gd name="connsiteY7" fmla="*/ 605601 h 1679720"/>
-              <a:gd name="connsiteX8" fmla="*/ 2116312 w 2157700"/>
-              <a:gd name="connsiteY8" fmla="*/ 768995 h 1679720"/>
-              <a:gd name="connsiteX9" fmla="*/ 1886588 w 2157700"/>
-              <a:gd name="connsiteY9" fmla="*/ 1354825 h 1679720"/>
-              <a:gd name="connsiteX10" fmla="*/ 1537535 w 2157700"/>
-              <a:gd name="connsiteY10" fmla="*/ 1500007 h 1679720"/>
-              <a:gd name="connsiteX11" fmla="*/ 1095356 w 2157700"/>
-              <a:gd name="connsiteY11" fmla="*/ 1622009 h 1679720"/>
-              <a:gd name="connsiteX12" fmla="*/ 556607 w 2157700"/>
-              <a:gd name="connsiteY12" fmla="*/ 1674007 h 1679720"/>
-              <a:gd name="connsiteX13" fmla="*/ 167389 w 2157700"/>
-              <a:gd name="connsiteY13" fmla="*/ 1517577 h 1679720"/>
-            </a:gdLst>
-            <a:ahLst/>
-            <a:cxnLst>
-              <a:cxn ang="0">
-                <a:pos x="connsiteX0" y="connsiteY0"/>
-              </a:cxn>
-              <a:cxn ang="0">
-                <a:pos x="connsiteX1" y="connsiteY1"/>
-              </a:cxn>
-              <a:cxn ang="0">
-                <a:pos x="connsiteX2" y="connsiteY2"/>
-              </a:cxn>
-              <a:cxn ang="0">
-                <a:pos x="connsiteX3" y="connsiteY3"/>
-              </a:cxn>
-              <a:cxn ang="0">
-                <a:pos x="connsiteX4" y="connsiteY4"/>
-              </a:cxn>
-              <a:cxn ang="0">
-                <a:pos x="connsiteX5" y="connsiteY5"/>
-              </a:cxn>
-              <a:cxn ang="0">
-                <a:pos x="connsiteX6" y="connsiteY6"/>
-              </a:cxn>
-              <a:cxn ang="0">
-                <a:pos x="connsiteX7" y="connsiteY7"/>
-              </a:cxn>
-              <a:cxn ang="0">
-                <a:pos x="connsiteX8" y="connsiteY8"/>
-              </a:cxn>
-              <a:cxn ang="0">
-                <a:pos x="connsiteX9" y="connsiteY9"/>
-              </a:cxn>
-              <a:cxn ang="0">
-                <a:pos x="connsiteX10" y="connsiteY10"/>
-              </a:cxn>
-              <a:cxn ang="0">
-                <a:pos x="connsiteX11" y="connsiteY11"/>
-              </a:cxn>
-              <a:cxn ang="0">
-                <a:pos x="connsiteX12" y="connsiteY12"/>
-              </a:cxn>
-              <a:cxn ang="0">
-                <a:pos x="connsiteX13" y="connsiteY13"/>
-              </a:cxn>
-            </a:cxnLst>
-            <a:rect l="l" t="t" r="r" b="b"/>
-            <a:pathLst>
-              <a:path w="2157700" h="1679720">
-                <a:moveTo>
-                  <a:pt x="167389" y="1517577"/>
-                </a:moveTo>
-                <a:cubicBezTo>
-                  <a:pt x="152896" y="1505645"/>
-                  <a:pt x="139032" y="1493029"/>
-                  <a:pt x="125794" y="1479727"/>
-                </a:cubicBezTo>
-                <a:cubicBezTo>
-                  <a:pt x="48304" y="1401717"/>
-                  <a:pt x="-13237" y="1289109"/>
-                  <a:pt x="2462" y="1175967"/>
-                </a:cubicBezTo>
-                <a:cubicBezTo>
-                  <a:pt x="23890" y="1021525"/>
-                  <a:pt x="154436" y="988819"/>
-                  <a:pt x="278644" y="940018"/>
-                </a:cubicBezTo>
-                <a:cubicBezTo>
-                  <a:pt x="637928" y="798857"/>
-                  <a:pt x="552275" y="358283"/>
-                  <a:pt x="772693" y="107988"/>
-                </a:cubicBezTo>
-                <a:cubicBezTo>
-                  <a:pt x="914181" y="-52678"/>
-                  <a:pt x="1120369" y="-29882"/>
-                  <a:pt x="1229106" y="148549"/>
-                </a:cubicBezTo>
-                <a:cubicBezTo>
-                  <a:pt x="1298581" y="262546"/>
-                  <a:pt x="1311802" y="403551"/>
-                  <a:pt x="1412100" y="499058"/>
-                </a:cubicBezTo>
-                <a:cubicBezTo>
-                  <a:pt x="1479909" y="563627"/>
-                  <a:pt x="1574816" y="591264"/>
-                  <a:pt x="1667418" y="605601"/>
-                </a:cubicBezTo>
-                <a:cubicBezTo>
-                  <a:pt x="1809045" y="627523"/>
-                  <a:pt x="2036998" y="623718"/>
-                  <a:pt x="2116312" y="768995"/>
-                </a:cubicBezTo>
-                <a:cubicBezTo>
-                  <a:pt x="2237346" y="990758"/>
-                  <a:pt x="2072345" y="1232557"/>
-                  <a:pt x="1886588" y="1354825"/>
-                </a:cubicBezTo>
-                <a:cubicBezTo>
-                  <a:pt x="1782004" y="1423670"/>
-                  <a:pt x="1655264" y="1460370"/>
-                  <a:pt x="1537535" y="1500007"/>
-                </a:cubicBezTo>
-                <a:cubicBezTo>
-                  <a:pt x="1392688" y="1549371"/>
-                  <a:pt x="1245041" y="1590102"/>
-                  <a:pt x="1095356" y="1622009"/>
-                </a:cubicBezTo>
-                <a:cubicBezTo>
-                  <a:pt x="919022" y="1658909"/>
-                  <a:pt x="737424" y="1693745"/>
-                  <a:pt x="556607" y="1674007"/>
-                </a:cubicBezTo>
-                <a:cubicBezTo>
-                  <a:pt x="419556" y="1659042"/>
-                  <a:pt x="276547" y="1607501"/>
-                  <a:pt x="167389" y="1517577"/>
-                </a:cubicBezTo>
-                <a:close/>
-              </a:path>
-            </a:pathLst>
-          </a:custGeom>
-          <a:solidFill>
-            <a:schemeClr val="accent5">
-              <a:alpha val="19764"/>
-            </a:schemeClr>
-          </a:solidFill>
-          <a:ln w="9525" cap="flat">
-            <a:noFill/>
-            <a:prstDash val="solid"/>
-            <a:miter/>
-          </a:ln>
-        </p:spPr>
-        <p:txBody>
-          <a:bodyPr rtlCol="0" anchor="ctr"/>
-          <a:lstStyle/>
-          <a:p>
-            <a:endParaRPr lang="en-SV" dirty="0">
-              <a:latin typeface="Mulish Light" pitchFamily="2" charset="77"/>
-            </a:endParaRPr>
-          </a:p>
-        </p:txBody>
-      </p:sp>
-      <p:grpSp>
-        <p:nvGrpSpPr>
-          <p:cNvPr id="4" name="Group 3">
-            <a:extLst>
-              <a:ext uri="{FF2B5EF4-FFF2-40B4-BE49-F238E27FC236}">
-                <a16:creationId xmlns:a16="http://schemas.microsoft.com/office/drawing/2014/main" id="{C36E2DC0-C350-C44A-FDA4-5B7139F264C5}"/>
-              </a:ext>
-            </a:extLst>
-          </p:cNvPr>
-          <p:cNvGrpSpPr/>
-          <p:nvPr/>
-        </p:nvGrpSpPr>
-        <p:grpSpPr>
-          <a:xfrm>
-            <a:off x="15505384" y="9357428"/>
-            <a:ext cx="770100" cy="1087657"/>
-            <a:chOff x="28893234" y="10016980"/>
-            <a:chExt cx="770100" cy="1087657"/>
-          </a:xfrm>
-          <a:solidFill>
-            <a:schemeClr val="accent2"/>
-          </a:solidFill>
-        </p:grpSpPr>
-        <p:sp>
-          <p:nvSpPr>
-            <p:cNvPr id="5" name="Freeform 4">
-              <a:extLst>
-                <a:ext uri="{FF2B5EF4-FFF2-40B4-BE49-F238E27FC236}">
-                  <a16:creationId xmlns:a16="http://schemas.microsoft.com/office/drawing/2014/main" id="{015F42E8-47AA-EDC5-B4BD-1B0E9F50C55C}"/>
-                </a:ext>
-              </a:extLst>
-            </p:cNvPr>
-            <p:cNvSpPr/>
-            <p:nvPr/>
-          </p:nvSpPr>
-          <p:spPr>
-            <a:xfrm>
-              <a:off x="28893234" y="10016980"/>
-              <a:ext cx="521225" cy="664035"/>
-            </a:xfrm>
-            <a:custGeom>
-              <a:avLst/>
-              <a:gdLst>
-                <a:gd name="connsiteX0" fmla="*/ 10727 w 521225"/>
-                <a:gd name="connsiteY0" fmla="*/ 358120 h 664035"/>
-                <a:gd name="connsiteX1" fmla="*/ 131127 w 521225"/>
-                <a:gd name="connsiteY1" fmla="*/ 301922 h 664035"/>
-                <a:gd name="connsiteX2" fmla="*/ 210459 w 521225"/>
-                <a:gd name="connsiteY2" fmla="*/ 284066 h 664035"/>
-                <a:gd name="connsiteX3" fmla="*/ 267595 w 521225"/>
-                <a:gd name="connsiteY3" fmla="*/ 0 h 664035"/>
-                <a:gd name="connsiteX4" fmla="*/ 291510 w 521225"/>
-                <a:gd name="connsiteY4" fmla="*/ 13276 h 664035"/>
-                <a:gd name="connsiteX5" fmla="*/ 297678 w 521225"/>
-                <a:gd name="connsiteY5" fmla="*/ 31451 h 664035"/>
-                <a:gd name="connsiteX6" fmla="*/ 320565 w 521225"/>
-                <a:gd name="connsiteY6" fmla="*/ 283827 h 664035"/>
-                <a:gd name="connsiteX7" fmla="*/ 484654 w 521225"/>
-                <a:gd name="connsiteY7" fmla="*/ 298889 h 664035"/>
-                <a:gd name="connsiteX8" fmla="*/ 503917 w 521225"/>
-                <a:gd name="connsiteY8" fmla="*/ 354829 h 664035"/>
-                <a:gd name="connsiteX9" fmla="*/ 309863 w 521225"/>
-                <a:gd name="connsiteY9" fmla="*/ 394993 h 664035"/>
-                <a:gd name="connsiteX10" fmla="*/ 233044 w 521225"/>
-                <a:gd name="connsiteY10" fmla="*/ 649736 h 664035"/>
-                <a:gd name="connsiteX11" fmla="*/ 211279 w 521225"/>
-                <a:gd name="connsiteY11" fmla="*/ 564125 h 664035"/>
-                <a:gd name="connsiteX12" fmla="*/ 199277 w 521225"/>
-                <a:gd name="connsiteY12" fmla="*/ 419377 h 664035"/>
-                <a:gd name="connsiteX13" fmla="*/ 10727 w 521225"/>
-                <a:gd name="connsiteY13" fmla="*/ 358120 h 664035"/>
-              </a:gdLst>
-              <a:ahLst/>
-              <a:cxnLst>
-                <a:cxn ang="0">
-                  <a:pos x="connsiteX0" y="connsiteY0"/>
-                </a:cxn>
-                <a:cxn ang="0">
-                  <a:pos x="connsiteX1" y="connsiteY1"/>
-                </a:cxn>
-                <a:cxn ang="0">
-                  <a:pos x="connsiteX2" y="connsiteY2"/>
-                </a:cxn>
-                <a:cxn ang="0">
-                  <a:pos x="connsiteX3" y="connsiteY3"/>
-                </a:cxn>
-                <a:cxn ang="0">
-                  <a:pos x="connsiteX4" y="connsiteY4"/>
-                </a:cxn>
-                <a:cxn ang="0">
-                  <a:pos x="connsiteX5" y="connsiteY5"/>
-                </a:cxn>
-                <a:cxn ang="0">
-                  <a:pos x="connsiteX6" y="connsiteY6"/>
-                </a:cxn>
-                <a:cxn ang="0">
-                  <a:pos x="connsiteX7" y="connsiteY7"/>
-                </a:cxn>
-                <a:cxn ang="0">
-                  <a:pos x="connsiteX8" y="connsiteY8"/>
-                </a:cxn>
-                <a:cxn ang="0">
-                  <a:pos x="connsiteX9" y="connsiteY9"/>
-                </a:cxn>
-                <a:cxn ang="0">
-                  <a:pos x="connsiteX10" y="connsiteY10"/>
-                </a:cxn>
-                <a:cxn ang="0">
-                  <a:pos x="connsiteX11" y="connsiteY11"/>
-                </a:cxn>
-                <a:cxn ang="0">
-                  <a:pos x="connsiteX12" y="connsiteY12"/>
-                </a:cxn>
-                <a:cxn ang="0">
-                  <a:pos x="connsiteX13" y="connsiteY13"/>
-                </a:cxn>
-              </a:cxnLst>
-              <a:rect l="l" t="t" r="r" b="b"/>
-              <a:pathLst>
-                <a:path w="521225" h="664035">
-                  <a:moveTo>
-                    <a:pt x="10727" y="358120"/>
-                  </a:moveTo>
-                  <a:cubicBezTo>
-                    <a:pt x="-3451" y="353019"/>
-                    <a:pt x="-29255" y="301279"/>
-                    <a:pt x="131127" y="301922"/>
-                  </a:cubicBezTo>
-                  <a:cubicBezTo>
-                    <a:pt x="169672" y="302077"/>
-                    <a:pt x="203674" y="317884"/>
-                    <a:pt x="210459" y="284066"/>
-                  </a:cubicBezTo>
-                  <a:cubicBezTo>
-                    <a:pt x="218786" y="242557"/>
-                    <a:pt x="212361" y="0"/>
-                    <a:pt x="267595" y="0"/>
-                  </a:cubicBezTo>
-                  <a:cubicBezTo>
-                    <a:pt x="277284" y="88"/>
-                    <a:pt x="286275" y="5080"/>
-                    <a:pt x="291510" y="13276"/>
-                  </a:cubicBezTo>
-                  <a:cubicBezTo>
-                    <a:pt x="294602" y="18927"/>
-                    <a:pt x="296689" y="25078"/>
-                    <a:pt x="297678" y="31451"/>
-                  </a:cubicBezTo>
-                  <a:cubicBezTo>
-                    <a:pt x="309941" y="89413"/>
-                    <a:pt x="297082" y="271531"/>
-                    <a:pt x="320565" y="283827"/>
-                  </a:cubicBezTo>
-                  <a:cubicBezTo>
-                    <a:pt x="343490" y="295830"/>
-                    <a:pt x="461862" y="293328"/>
-                    <a:pt x="484654" y="298889"/>
-                  </a:cubicBezTo>
-                  <a:cubicBezTo>
-                    <a:pt x="521016" y="307758"/>
-                    <a:pt x="535346" y="336598"/>
-                    <a:pt x="503917" y="354829"/>
-                  </a:cubicBezTo>
-                  <a:cubicBezTo>
-                    <a:pt x="471232" y="373790"/>
-                    <a:pt x="319197" y="357912"/>
-                    <a:pt x="309863" y="394993"/>
-                  </a:cubicBezTo>
-                  <a:cubicBezTo>
-                    <a:pt x="300132" y="433650"/>
-                    <a:pt x="287034" y="732074"/>
-                    <a:pt x="233044" y="649736"/>
-                  </a:cubicBezTo>
-                  <a:cubicBezTo>
-                    <a:pt x="216847" y="625035"/>
-                    <a:pt x="216555" y="592639"/>
-                    <a:pt x="211279" y="564125"/>
-                  </a:cubicBezTo>
-                  <a:cubicBezTo>
-                    <a:pt x="204576" y="527895"/>
-                    <a:pt x="206543" y="455485"/>
-                    <a:pt x="199277" y="419377"/>
-                  </a:cubicBezTo>
-                  <a:cubicBezTo>
-                    <a:pt x="187153" y="359132"/>
-                    <a:pt x="97261" y="389254"/>
-                    <a:pt x="10727" y="358120"/>
-                  </a:cubicBezTo>
-                  <a:close/>
-                </a:path>
-              </a:pathLst>
-            </a:custGeom>
-            <a:grpFill/>
-            <a:ln w="9409" cap="flat">
-              <a:noFill/>
-              <a:prstDash val="solid"/>
-              <a:miter/>
-            </a:ln>
-          </p:spPr>
-          <p:txBody>
-            <a:bodyPr rtlCol="0" anchor="ctr"/>
-            <a:lstStyle/>
-            <a:p>
-              <a:endParaRPr lang="en-SV" dirty="0">
-                <a:latin typeface="Mulish Light" pitchFamily="2" charset="77"/>
-              </a:endParaRPr>
-            </a:p>
-          </p:txBody>
-        </p:sp>
-        <p:sp>
-          <p:nvSpPr>
-            <p:cNvPr id="6" name="Freeform 5">
-              <a:extLst>
-                <a:ext uri="{FF2B5EF4-FFF2-40B4-BE49-F238E27FC236}">
-                  <a16:creationId xmlns:a16="http://schemas.microsoft.com/office/drawing/2014/main" id="{100A72E4-E2AC-F0DE-ACA5-5C0C8498D71F}"/>
-                </a:ext>
-              </a:extLst>
-            </p:cNvPr>
-            <p:cNvSpPr/>
-            <p:nvPr/>
-          </p:nvSpPr>
-          <p:spPr>
-            <a:xfrm>
-              <a:off x="29187305" y="10545734"/>
-              <a:ext cx="476029" cy="558903"/>
-            </a:xfrm>
-            <a:custGeom>
-              <a:avLst/>
-              <a:gdLst>
-                <a:gd name="connsiteX0" fmla="*/ 474815 w 476029"/>
-                <a:gd name="connsiteY0" fmla="*/ 261415 h 558903"/>
-                <a:gd name="connsiteX1" fmla="*/ 467438 w 476029"/>
-                <a:gd name="connsiteY1" fmla="*/ 254466 h 558903"/>
-                <a:gd name="connsiteX2" fmla="*/ 310365 w 476029"/>
-                <a:gd name="connsiteY2" fmla="*/ 246871 h 558903"/>
-                <a:gd name="connsiteX3" fmla="*/ 268621 w 476029"/>
-                <a:gd name="connsiteY3" fmla="*/ 210777 h 558903"/>
-                <a:gd name="connsiteX4" fmla="*/ 246573 w 476029"/>
-                <a:gd name="connsiteY4" fmla="*/ 32852 h 558903"/>
-                <a:gd name="connsiteX5" fmla="*/ 245467 w 476029"/>
-                <a:gd name="connsiteY5" fmla="*/ 11559 h 558903"/>
-                <a:gd name="connsiteX6" fmla="*/ 230553 w 476029"/>
-                <a:gd name="connsiteY6" fmla="*/ 120 h 558903"/>
-                <a:gd name="connsiteX7" fmla="*/ 219983 w 476029"/>
-                <a:gd name="connsiteY7" fmla="*/ 8439 h 558903"/>
-                <a:gd name="connsiteX8" fmla="*/ 210190 w 476029"/>
-                <a:gd name="connsiteY8" fmla="*/ 99601 h 558903"/>
-                <a:gd name="connsiteX9" fmla="*/ 190682 w 476029"/>
-                <a:gd name="connsiteY9" fmla="*/ 231134 h 558903"/>
-                <a:gd name="connsiteX10" fmla="*/ 141165 w 476029"/>
-                <a:gd name="connsiteY10" fmla="*/ 256921 h 558903"/>
-                <a:gd name="connsiteX11" fmla="*/ 22204 w 476029"/>
-                <a:gd name="connsiteY11" fmla="*/ 285672 h 558903"/>
-                <a:gd name="connsiteX12" fmla="*/ 11222 w 476029"/>
-                <a:gd name="connsiteY12" fmla="*/ 288475 h 558903"/>
-                <a:gd name="connsiteX13" fmla="*/ 512 w 476029"/>
-                <a:gd name="connsiteY13" fmla="*/ 307051 h 558903"/>
-                <a:gd name="connsiteX14" fmla="*/ 11829 w 476029"/>
-                <a:gd name="connsiteY14" fmla="*/ 317967 h 558903"/>
-                <a:gd name="connsiteX15" fmla="*/ 70806 w 476029"/>
-                <a:gd name="connsiteY15" fmla="*/ 321305 h 558903"/>
-                <a:gd name="connsiteX16" fmla="*/ 167099 w 476029"/>
-                <a:gd name="connsiteY16" fmla="*/ 319227 h 558903"/>
-                <a:gd name="connsiteX17" fmla="*/ 184885 w 476029"/>
-                <a:gd name="connsiteY17" fmla="*/ 322501 h 558903"/>
-                <a:gd name="connsiteX18" fmla="*/ 194489 w 476029"/>
-                <a:gd name="connsiteY18" fmla="*/ 337317 h 558903"/>
-                <a:gd name="connsiteX19" fmla="*/ 239063 w 476029"/>
-                <a:gd name="connsiteY19" fmla="*/ 548981 h 558903"/>
-                <a:gd name="connsiteX20" fmla="*/ 257933 w 476029"/>
-                <a:gd name="connsiteY20" fmla="*/ 558051 h 558903"/>
-                <a:gd name="connsiteX21" fmla="*/ 267362 w 476029"/>
-                <a:gd name="connsiteY21" fmla="*/ 547604 h 558903"/>
-                <a:gd name="connsiteX22" fmla="*/ 283937 w 476029"/>
-                <a:gd name="connsiteY22" fmla="*/ 329680 h 558903"/>
-                <a:gd name="connsiteX23" fmla="*/ 349597 w 476029"/>
-                <a:gd name="connsiteY23" fmla="*/ 305749 h 558903"/>
-                <a:gd name="connsiteX24" fmla="*/ 474815 w 476029"/>
-                <a:gd name="connsiteY24" fmla="*/ 261415 h 558903"/>
-              </a:gdLst>
-              <a:ahLst/>
-              <a:cxnLst>
-                <a:cxn ang="0">
-                  <a:pos x="connsiteX0" y="connsiteY0"/>
-                </a:cxn>
-                <a:cxn ang="0">
-                  <a:pos x="connsiteX1" y="connsiteY1"/>
-                </a:cxn>
-                <a:cxn ang="0">
-                  <a:pos x="connsiteX2" y="connsiteY2"/>
-                </a:cxn>
-                <a:cxn ang="0">
-                  <a:pos x="connsiteX3" y="connsiteY3"/>
-                </a:cxn>
-                <a:cxn ang="0">
-                  <a:pos x="connsiteX4" y="connsiteY4"/>
-                </a:cxn>
-                <a:cxn ang="0">
-                  <a:pos x="connsiteX5" y="connsiteY5"/>
-                </a:cxn>
-                <a:cxn ang="0">
-                  <a:pos x="connsiteX6" y="connsiteY6"/>
-                </a:cxn>
-                <a:cxn ang="0">
-                  <a:pos x="connsiteX7" y="connsiteY7"/>
-                </a:cxn>
-                <a:cxn ang="0">
-                  <a:pos x="connsiteX8" y="connsiteY8"/>
-                </a:cxn>
-                <a:cxn ang="0">
-                  <a:pos x="connsiteX9" y="connsiteY9"/>
-                </a:cxn>
-                <a:cxn ang="0">
-                  <a:pos x="connsiteX10" y="connsiteY10"/>
-                </a:cxn>
-                <a:cxn ang="0">
-                  <a:pos x="connsiteX11" y="connsiteY11"/>
-                </a:cxn>
-                <a:cxn ang="0">
-                  <a:pos x="connsiteX12" y="connsiteY12"/>
-                </a:cxn>
-                <a:cxn ang="0">
-                  <a:pos x="connsiteX13" y="connsiteY13"/>
-                </a:cxn>
-                <a:cxn ang="0">
-                  <a:pos x="connsiteX14" y="connsiteY14"/>
-                </a:cxn>
-                <a:cxn ang="0">
-                  <a:pos x="connsiteX15" y="connsiteY15"/>
-                </a:cxn>
-                <a:cxn ang="0">
-                  <a:pos x="connsiteX16" y="connsiteY16"/>
-                </a:cxn>
-                <a:cxn ang="0">
-                  <a:pos x="connsiteX17" y="connsiteY17"/>
-                </a:cxn>
-                <a:cxn ang="0">
-                  <a:pos x="connsiteX18" y="connsiteY18"/>
-                </a:cxn>
-                <a:cxn ang="0">
-                  <a:pos x="connsiteX19" y="connsiteY19"/>
-                </a:cxn>
-                <a:cxn ang="0">
-                  <a:pos x="connsiteX20" y="connsiteY20"/>
-                </a:cxn>
-                <a:cxn ang="0">
-                  <a:pos x="connsiteX21" y="connsiteY21"/>
-                </a:cxn>
-                <a:cxn ang="0">
-                  <a:pos x="connsiteX22" y="connsiteY22"/>
-                </a:cxn>
-                <a:cxn ang="0">
-                  <a:pos x="connsiteX23" y="connsiteY23"/>
-                </a:cxn>
-                <a:cxn ang="0">
-                  <a:pos x="connsiteX24" y="connsiteY24"/>
-                </a:cxn>
-              </a:cxnLst>
-              <a:rect l="l" t="t" r="r" b="b"/>
-              <a:pathLst>
-                <a:path w="476029" h="558903">
-                  <a:moveTo>
-                    <a:pt x="474815" y="261415"/>
-                  </a:moveTo>
-                  <a:cubicBezTo>
-                    <a:pt x="473599" y="258048"/>
-                    <a:pt x="470858" y="255466"/>
-                    <a:pt x="467438" y="254466"/>
-                  </a:cubicBezTo>
-                  <a:cubicBezTo>
-                    <a:pt x="424425" y="241497"/>
-                    <a:pt x="363188" y="250370"/>
-                    <a:pt x="310365" y="246871"/>
-                  </a:cubicBezTo>
-                  <a:cubicBezTo>
-                    <a:pt x="290052" y="245418"/>
-                    <a:pt x="273089" y="230750"/>
-                    <a:pt x="268621" y="210777"/>
-                  </a:cubicBezTo>
-                  <a:cubicBezTo>
-                    <a:pt x="261961" y="181704"/>
-                    <a:pt x="254786" y="129118"/>
-                    <a:pt x="246573" y="32852"/>
-                  </a:cubicBezTo>
-                  <a:cubicBezTo>
-                    <a:pt x="245978" y="25865"/>
-                    <a:pt x="246252" y="18610"/>
-                    <a:pt x="245467" y="11559"/>
-                  </a:cubicBezTo>
-                  <a:cubicBezTo>
-                    <a:pt x="244490" y="4260"/>
-                    <a:pt x="237814" y="-861"/>
-                    <a:pt x="230553" y="120"/>
-                  </a:cubicBezTo>
-                  <a:cubicBezTo>
-                    <a:pt x="225791" y="764"/>
-                    <a:pt x="221748" y="3946"/>
-                    <a:pt x="219983" y="8439"/>
-                  </a:cubicBezTo>
-                  <a:cubicBezTo>
-                    <a:pt x="215836" y="19068"/>
-                    <a:pt x="212388" y="88393"/>
-                    <a:pt x="210190" y="99601"/>
-                  </a:cubicBezTo>
-                  <a:cubicBezTo>
-                    <a:pt x="202682" y="137890"/>
-                    <a:pt x="202794" y="208895"/>
-                    <a:pt x="190682" y="231134"/>
-                  </a:cubicBezTo>
-                  <a:cubicBezTo>
-                    <a:pt x="177560" y="255230"/>
-                    <a:pt x="165294" y="251094"/>
-                    <a:pt x="141165" y="256921"/>
-                  </a:cubicBezTo>
-                  <a:cubicBezTo>
-                    <a:pt x="101510" y="266500"/>
-                    <a:pt x="61856" y="276083"/>
-                    <a:pt x="22204" y="285672"/>
-                  </a:cubicBezTo>
-                  <a:cubicBezTo>
-                    <a:pt x="18565" y="286551"/>
-                    <a:pt x="14878" y="287456"/>
-                    <a:pt x="11222" y="288475"/>
-                  </a:cubicBezTo>
-                  <a:cubicBezTo>
-                    <a:pt x="3162" y="290630"/>
-                    <a:pt x="-1633" y="298948"/>
-                    <a:pt x="512" y="307051"/>
-                  </a:cubicBezTo>
-                  <a:cubicBezTo>
-                    <a:pt x="1962" y="312528"/>
-                    <a:pt x="6326" y="316737"/>
-                    <a:pt x="11829" y="317967"/>
-                  </a:cubicBezTo>
-                  <a:cubicBezTo>
-                    <a:pt x="31303" y="321281"/>
-                    <a:pt x="51084" y="322401"/>
-                    <a:pt x="70806" y="321305"/>
-                  </a:cubicBezTo>
-                  <a:lnTo>
-                    <a:pt x="167099" y="319227"/>
-                  </a:lnTo>
-                  <a:cubicBezTo>
-                    <a:pt x="173221" y="318483"/>
-                    <a:pt x="179423" y="319625"/>
-                    <a:pt x="184885" y="322501"/>
-                  </a:cubicBezTo>
-                  <a:cubicBezTo>
-                    <a:pt x="189528" y="326328"/>
-                    <a:pt x="192882" y="331502"/>
-                    <a:pt x="194489" y="337317"/>
-                  </a:cubicBezTo>
-                  <a:cubicBezTo>
-                    <a:pt x="219515" y="403600"/>
-                    <a:pt x="216243" y="481892"/>
-                    <a:pt x="239063" y="548981"/>
-                  </a:cubicBezTo>
-                  <a:cubicBezTo>
-                    <a:pt x="241784" y="556722"/>
-                    <a:pt x="250233" y="560787"/>
-                    <a:pt x="257933" y="558051"/>
-                  </a:cubicBezTo>
-                  <a:cubicBezTo>
-                    <a:pt x="262624" y="556380"/>
-                    <a:pt x="266167" y="552457"/>
-                    <a:pt x="267362" y="547604"/>
-                  </a:cubicBezTo>
-                  <a:cubicBezTo>
-                    <a:pt x="279327" y="500649"/>
-                    <a:pt x="279056" y="341135"/>
-                    <a:pt x="283937" y="329680"/>
-                  </a:cubicBezTo>
-                  <a:cubicBezTo>
-                    <a:pt x="292968" y="308489"/>
-                    <a:pt x="327602" y="312274"/>
-                    <a:pt x="349597" y="305749"/>
-                  </a:cubicBezTo>
-                  <a:cubicBezTo>
-                    <a:pt x="388305" y="294266"/>
-                    <a:pt x="488139" y="300190"/>
-                    <a:pt x="474815" y="261415"/>
-                  </a:cubicBezTo>
-                  <a:close/>
-                </a:path>
-              </a:pathLst>
-            </a:custGeom>
-            <a:grpFill/>
-            <a:ln w="9409" cap="flat">
-              <a:noFill/>
-              <a:prstDash val="solid"/>
-              <a:miter/>
-            </a:ln>
-          </p:spPr>
-          <p:txBody>
-            <a:bodyPr rtlCol="0" anchor="ctr"/>
-            <a:lstStyle/>
-            <a:p>
-              <a:endParaRPr lang="en-SV" dirty="0">
-                <a:latin typeface="Mulish Light" pitchFamily="2" charset="77"/>
-              </a:endParaRPr>
-            </a:p>
-          </p:txBody>
-        </p:sp>
-      </p:grpSp>
-      <p:sp>
-        <p:nvSpPr>
-          <p:cNvPr id="7" name="Freeform 6">
-            <a:extLst>
-              <a:ext uri="{FF2B5EF4-FFF2-40B4-BE49-F238E27FC236}">
-                <a16:creationId xmlns:a16="http://schemas.microsoft.com/office/drawing/2014/main" id="{E175B758-B548-EDA3-08DB-EC81E83A6982}"/>
-              </a:ext>
-            </a:extLst>
-          </p:cNvPr>
-          <p:cNvSpPr/>
-          <p:nvPr/>
-        </p:nvSpPr>
-        <p:spPr>
-          <a:xfrm rot="10800000">
-            <a:off x="21738626" y="2081188"/>
-            <a:ext cx="9283654" cy="13464656"/>
-          </a:xfrm>
-          <a:custGeom>
-            <a:avLst/>
-            <a:gdLst>
-              <a:gd name="connsiteX0" fmla="*/ 401778 w 1636054"/>
-              <a:gd name="connsiteY0" fmla="*/ 121093 h 2372870"/>
-              <a:gd name="connsiteX1" fmla="*/ 153620 w 1636054"/>
-              <a:gd name="connsiteY1" fmla="*/ 414847 h 2372870"/>
-              <a:gd name="connsiteX2" fmla="*/ 40671 w 1636054"/>
-              <a:gd name="connsiteY2" fmla="*/ 784768 h 2372870"/>
-              <a:gd name="connsiteX3" fmla="*/ 49565 w 1636054"/>
-              <a:gd name="connsiteY3" fmla="*/ 1173609 h 2372870"/>
-              <a:gd name="connsiteX4" fmla="*/ 143239 w 1636054"/>
-              <a:gd name="connsiteY4" fmla="*/ 1552975 h 2372870"/>
-              <a:gd name="connsiteX5" fmla="*/ 308814 w 1636054"/>
-              <a:gd name="connsiteY5" fmla="*/ 1904987 h 2372870"/>
-              <a:gd name="connsiteX6" fmla="*/ 571293 w 1636054"/>
-              <a:gd name="connsiteY6" fmla="*/ 2186826 h 2372870"/>
-              <a:gd name="connsiteX7" fmla="*/ 923219 w 1636054"/>
-              <a:gd name="connsiteY7" fmla="*/ 2331271 h 2372870"/>
-              <a:gd name="connsiteX8" fmla="*/ 1291614 w 1636054"/>
-              <a:gd name="connsiteY8" fmla="*/ 2257009 h 2372870"/>
-              <a:gd name="connsiteX9" fmla="*/ 1546078 w 1636054"/>
-              <a:gd name="connsiteY9" fmla="*/ 1979078 h 2372870"/>
-              <a:gd name="connsiteX10" fmla="*/ 1578861 w 1636054"/>
-              <a:gd name="connsiteY10" fmla="*/ 1889076 h 2372870"/>
-              <a:gd name="connsiteX11" fmla="*/ 1597323 w 1636054"/>
-              <a:gd name="connsiteY11" fmla="*/ 1795012 h 2372870"/>
-              <a:gd name="connsiteX12" fmla="*/ 1586453 w 1636054"/>
-              <a:gd name="connsiteY12" fmla="*/ 1606278 h 2372870"/>
-              <a:gd name="connsiteX13" fmla="*/ 1547329 w 1636054"/>
-              <a:gd name="connsiteY13" fmla="*/ 1521750 h 2372870"/>
-              <a:gd name="connsiteX14" fmla="*/ 1483943 w 1636054"/>
-              <a:gd name="connsiteY14" fmla="*/ 1453200 h 2372870"/>
-              <a:gd name="connsiteX15" fmla="*/ 1320189 w 1636054"/>
-              <a:gd name="connsiteY15" fmla="*/ 1348681 h 2372870"/>
-              <a:gd name="connsiteX16" fmla="*/ 1277644 w 1636054"/>
-              <a:gd name="connsiteY16" fmla="*/ 1322077 h 2372870"/>
-              <a:gd name="connsiteX17" fmla="*/ 1236738 w 1636054"/>
-              <a:gd name="connsiteY17" fmla="*/ 1292683 h 2372870"/>
-              <a:gd name="connsiteX18" fmla="*/ 1162083 w 1636054"/>
-              <a:gd name="connsiteY18" fmla="*/ 1225138 h 2372870"/>
-              <a:gd name="connsiteX19" fmla="*/ 1045432 w 1636054"/>
-              <a:gd name="connsiteY19" fmla="*/ 1061699 h 2372870"/>
-              <a:gd name="connsiteX20" fmla="*/ 982416 w 1636054"/>
-              <a:gd name="connsiteY20" fmla="*/ 871004 h 2372870"/>
-              <a:gd name="connsiteX21" fmla="*/ 976284 w 1636054"/>
-              <a:gd name="connsiteY21" fmla="*/ 820977 h 2372870"/>
-              <a:gd name="connsiteX22" fmla="*/ 974322 w 1636054"/>
-              <a:gd name="connsiteY22" fmla="*/ 795844 h 2372870"/>
-              <a:gd name="connsiteX23" fmla="*/ 974019 w 1636054"/>
-              <a:gd name="connsiteY23" fmla="*/ 770570 h 2372870"/>
-              <a:gd name="connsiteX24" fmla="*/ 973905 w 1636054"/>
-              <a:gd name="connsiteY24" fmla="*/ 757935 h 2372870"/>
-              <a:gd name="connsiteX25" fmla="*/ 974493 w 1636054"/>
-              <a:gd name="connsiteY25" fmla="*/ 745389 h 2372870"/>
-              <a:gd name="connsiteX26" fmla="*/ 975687 w 1636054"/>
-              <a:gd name="connsiteY26" fmla="*/ 720299 h 2372870"/>
-              <a:gd name="connsiteX27" fmla="*/ 980558 w 1636054"/>
-              <a:gd name="connsiteY27" fmla="*/ 670621 h 2372870"/>
-              <a:gd name="connsiteX28" fmla="*/ 1008176 w 1636054"/>
-              <a:gd name="connsiteY28" fmla="*/ 475279 h 2372870"/>
-              <a:gd name="connsiteX29" fmla="*/ 1013218 w 1636054"/>
-              <a:gd name="connsiteY29" fmla="*/ 426767 h 2372870"/>
-              <a:gd name="connsiteX30" fmla="*/ 1015095 w 1636054"/>
-              <a:gd name="connsiteY30" fmla="*/ 402522 h 2372870"/>
-              <a:gd name="connsiteX31" fmla="*/ 1015995 w 1636054"/>
-              <a:gd name="connsiteY31" fmla="*/ 378311 h 2372870"/>
-              <a:gd name="connsiteX32" fmla="*/ 1016422 w 1636054"/>
-              <a:gd name="connsiteY32" fmla="*/ 366207 h 2372870"/>
-              <a:gd name="connsiteX33" fmla="*/ 1016175 w 1636054"/>
-              <a:gd name="connsiteY33" fmla="*/ 354152 h 2372870"/>
-              <a:gd name="connsiteX34" fmla="*/ 1015701 w 1636054"/>
-              <a:gd name="connsiteY34" fmla="*/ 330039 h 2372870"/>
-              <a:gd name="connsiteX35" fmla="*/ 1013578 w 1636054"/>
-              <a:gd name="connsiteY35" fmla="*/ 306135 h 2372870"/>
-              <a:gd name="connsiteX36" fmla="*/ 1010555 w 1636054"/>
-              <a:gd name="connsiteY36" fmla="*/ 282403 h 2372870"/>
-              <a:gd name="connsiteX37" fmla="*/ 1006385 w 1636054"/>
-              <a:gd name="connsiteY37" fmla="*/ 258893 h 2372870"/>
-              <a:gd name="connsiteX38" fmla="*/ 1000148 w 1636054"/>
-              <a:gd name="connsiteY38" fmla="*/ 235966 h 2372870"/>
-              <a:gd name="connsiteX39" fmla="*/ 983819 w 1636054"/>
-              <a:gd name="connsiteY39" fmla="*/ 191521 h 2372870"/>
-              <a:gd name="connsiteX40" fmla="*/ 855539 w 1636054"/>
-              <a:gd name="connsiteY40" fmla="*/ 58035 h 2372870"/>
-              <a:gd name="connsiteX41" fmla="*/ 765255 w 1636054"/>
-              <a:gd name="connsiteY41" fmla="*/ 29636 h 2372870"/>
-              <a:gd name="connsiteX42" fmla="*/ 575104 w 1636054"/>
-              <a:gd name="connsiteY42" fmla="*/ 40497 h 2372870"/>
-              <a:gd name="connsiteX43" fmla="*/ 401778 w 1636054"/>
-              <a:gd name="connsiteY43" fmla="*/ 121093 h 2372870"/>
-              <a:gd name="connsiteX44" fmla="*/ 386449 w 1636054"/>
-              <a:gd name="connsiteY44" fmla="*/ 99836 h 2372870"/>
-              <a:gd name="connsiteX45" fmla="*/ 568927 w 1636054"/>
-              <a:gd name="connsiteY45" fmla="*/ 16380 h 2372870"/>
-              <a:gd name="connsiteX46" fmla="*/ 769283 w 1636054"/>
-              <a:gd name="connsiteY46" fmla="*/ 5720 h 2372870"/>
-              <a:gd name="connsiteX47" fmla="*/ 866173 w 1636054"/>
-              <a:gd name="connsiteY47" fmla="*/ 36475 h 2372870"/>
-              <a:gd name="connsiteX48" fmla="*/ 1006508 w 1636054"/>
-              <a:gd name="connsiteY48" fmla="*/ 180869 h 2372870"/>
-              <a:gd name="connsiteX49" fmla="*/ 1024411 w 1636054"/>
-              <a:gd name="connsiteY49" fmla="*/ 228741 h 2372870"/>
-              <a:gd name="connsiteX50" fmla="*/ 1031207 w 1636054"/>
-              <a:gd name="connsiteY50" fmla="*/ 253330 h 2372870"/>
-              <a:gd name="connsiteX51" fmla="*/ 1035803 w 1636054"/>
-              <a:gd name="connsiteY51" fmla="*/ 278334 h 2372870"/>
-              <a:gd name="connsiteX52" fmla="*/ 1039139 w 1636054"/>
-              <a:gd name="connsiteY52" fmla="*/ 303444 h 2372870"/>
-              <a:gd name="connsiteX53" fmla="*/ 1041490 w 1636054"/>
-              <a:gd name="connsiteY53" fmla="*/ 328632 h 2372870"/>
-              <a:gd name="connsiteX54" fmla="*/ 1042134 w 1636054"/>
-              <a:gd name="connsiteY54" fmla="*/ 353805 h 2372870"/>
-              <a:gd name="connsiteX55" fmla="*/ 1042447 w 1636054"/>
-              <a:gd name="connsiteY55" fmla="*/ 366394 h 2372870"/>
-              <a:gd name="connsiteX56" fmla="*/ 1042077 w 1636054"/>
-              <a:gd name="connsiteY56" fmla="*/ 378923 h 2372870"/>
-              <a:gd name="connsiteX57" fmla="*/ 1041272 w 1636054"/>
-              <a:gd name="connsiteY57" fmla="*/ 403982 h 2372870"/>
-              <a:gd name="connsiteX58" fmla="*/ 1039481 w 1636054"/>
-              <a:gd name="connsiteY58" fmla="*/ 428894 h 2372870"/>
-              <a:gd name="connsiteX59" fmla="*/ 1034590 w 1636054"/>
-              <a:gd name="connsiteY59" fmla="*/ 478466 h 2372870"/>
-              <a:gd name="connsiteX60" fmla="*/ 1008024 w 1636054"/>
-              <a:gd name="connsiteY60" fmla="*/ 673748 h 2372870"/>
-              <a:gd name="connsiteX61" fmla="*/ 1003523 w 1636054"/>
-              <a:gd name="connsiteY61" fmla="*/ 722213 h 2372870"/>
-              <a:gd name="connsiteX62" fmla="*/ 1002508 w 1636054"/>
-              <a:gd name="connsiteY62" fmla="*/ 746374 h 2372870"/>
-              <a:gd name="connsiteX63" fmla="*/ 1001997 w 1636054"/>
-              <a:gd name="connsiteY63" fmla="*/ 758453 h 2372870"/>
-              <a:gd name="connsiteX64" fmla="*/ 1002186 w 1636054"/>
-              <a:gd name="connsiteY64" fmla="*/ 770465 h 2372870"/>
-              <a:gd name="connsiteX65" fmla="*/ 1002575 w 1636054"/>
-              <a:gd name="connsiteY65" fmla="*/ 794484 h 2372870"/>
-              <a:gd name="connsiteX66" fmla="*/ 1004594 w 1636054"/>
-              <a:gd name="connsiteY66" fmla="*/ 818490 h 2372870"/>
-              <a:gd name="connsiteX67" fmla="*/ 1010697 w 1636054"/>
-              <a:gd name="connsiteY67" fmla="*/ 866248 h 2372870"/>
-              <a:gd name="connsiteX68" fmla="*/ 1071866 w 1636054"/>
-              <a:gd name="connsiteY68" fmla="*/ 1048103 h 2372870"/>
-              <a:gd name="connsiteX69" fmla="*/ 1184185 w 1636054"/>
-              <a:gd name="connsiteY69" fmla="*/ 1203734 h 2372870"/>
-              <a:gd name="connsiteX70" fmla="*/ 1255864 w 1636054"/>
-              <a:gd name="connsiteY70" fmla="*/ 1267910 h 2372870"/>
-              <a:gd name="connsiteX71" fmla="*/ 1295092 w 1636054"/>
-              <a:gd name="connsiteY71" fmla="*/ 1295785 h 2372870"/>
-              <a:gd name="connsiteX72" fmla="*/ 1336206 w 1636054"/>
-              <a:gd name="connsiteY72" fmla="*/ 1321194 h 2372870"/>
-              <a:gd name="connsiteX73" fmla="*/ 1504604 w 1636054"/>
-              <a:gd name="connsiteY73" fmla="*/ 1427886 h 2372870"/>
-              <a:gd name="connsiteX74" fmla="*/ 1574719 w 1636054"/>
-              <a:gd name="connsiteY74" fmla="*/ 1503306 h 2372870"/>
-              <a:gd name="connsiteX75" fmla="*/ 1618439 w 1636054"/>
-              <a:gd name="connsiteY75" fmla="*/ 1596809 h 2372870"/>
-              <a:gd name="connsiteX76" fmla="*/ 1631149 w 1636054"/>
-              <a:gd name="connsiteY76" fmla="*/ 1799007 h 2372870"/>
-              <a:gd name="connsiteX77" fmla="*/ 1612023 w 1636054"/>
-              <a:gd name="connsiteY77" fmla="*/ 1898289 h 2372870"/>
-              <a:gd name="connsiteX78" fmla="*/ 1577724 w 1636054"/>
-              <a:gd name="connsiteY78" fmla="*/ 1993481 h 2372870"/>
-              <a:gd name="connsiteX79" fmla="*/ 1309507 w 1636054"/>
-              <a:gd name="connsiteY79" fmla="*/ 2288461 h 2372870"/>
-              <a:gd name="connsiteX80" fmla="*/ 918821 w 1636054"/>
-              <a:gd name="connsiteY80" fmla="*/ 2368615 h 2372870"/>
-              <a:gd name="connsiteX81" fmla="*/ 549563 w 1636054"/>
-              <a:gd name="connsiteY81" fmla="*/ 2216846 h 2372870"/>
-              <a:gd name="connsiteX82" fmla="*/ 278661 w 1636054"/>
-              <a:gd name="connsiteY82" fmla="*/ 1924418 h 2372870"/>
-              <a:gd name="connsiteX83" fmla="*/ 110386 w 1636054"/>
-              <a:gd name="connsiteY83" fmla="*/ 1564133 h 2372870"/>
-              <a:gd name="connsiteX84" fmla="*/ 16820 w 1636054"/>
-              <a:gd name="connsiteY84" fmla="*/ 1178401 h 2372870"/>
-              <a:gd name="connsiteX85" fmla="*/ 10110 w 1636054"/>
-              <a:gd name="connsiteY85" fmla="*/ 780994 h 2372870"/>
-              <a:gd name="connsiteX86" fmla="*/ 128438 w 1636054"/>
-              <a:gd name="connsiteY86" fmla="*/ 401508 h 2372870"/>
-              <a:gd name="connsiteX87" fmla="*/ 386449 w 1636054"/>
-              <a:gd name="connsiteY87" fmla="*/ 99837 h 2372870"/>
-            </a:gdLst>
-            <a:ahLst/>
-            <a:cxnLst>
-              <a:cxn ang="0">
-                <a:pos x="connsiteX0" y="connsiteY0"/>
-              </a:cxn>
-              <a:cxn ang="0">
-                <a:pos x="connsiteX1" y="connsiteY1"/>
-              </a:cxn>
-              <a:cxn ang="0">
-                <a:pos x="connsiteX2" y="connsiteY2"/>
-              </a:cxn>
-              <a:cxn ang="0">
-                <a:pos x="connsiteX3" y="connsiteY3"/>
-              </a:cxn>
-              <a:cxn ang="0">
-                <a:pos x="connsiteX4" y="connsiteY4"/>
-              </a:cxn>
-              <a:cxn ang="0">
-                <a:pos x="connsiteX5" y="connsiteY5"/>
-              </a:cxn>
-              <a:cxn ang="0">
-                <a:pos x="connsiteX6" y="connsiteY6"/>
-              </a:cxn>
-              <a:cxn ang="0">
-                <a:pos x="connsiteX7" y="connsiteY7"/>
-              </a:cxn>
-              <a:cxn ang="0">
-                <a:pos x="connsiteX8" y="connsiteY8"/>
-              </a:cxn>
-              <a:cxn ang="0">
-                <a:pos x="connsiteX9" y="connsiteY9"/>
-              </a:cxn>
-              <a:cxn ang="0">
-                <a:pos x="connsiteX10" y="connsiteY10"/>
-              </a:cxn>
-              <a:cxn ang="0">
-                <a:pos x="connsiteX11" y="connsiteY11"/>
-              </a:cxn>
-              <a:cxn ang="0">
-                <a:pos x="connsiteX12" y="connsiteY12"/>
-              </a:cxn>
-              <a:cxn ang="0">
-                <a:pos x="connsiteX13" y="connsiteY13"/>
-              </a:cxn>
-              <a:cxn ang="0">
-                <a:pos x="connsiteX14" y="connsiteY14"/>
-              </a:cxn>
-              <a:cxn ang="0">
-                <a:pos x="connsiteX15" y="connsiteY15"/>
-              </a:cxn>
-              <a:cxn ang="0">
-                <a:pos x="connsiteX16" y="connsiteY16"/>
-              </a:cxn>
-              <a:cxn ang="0">
-                <a:pos x="connsiteX17" y="connsiteY17"/>
-              </a:cxn>
-              <a:cxn ang="0">
-                <a:pos x="connsiteX18" y="connsiteY18"/>
-              </a:cxn>
-              <a:cxn ang="0">
-                <a:pos x="connsiteX19" y="connsiteY19"/>
-              </a:cxn>
-              <a:cxn ang="0">
-                <a:pos x="connsiteX20" y="connsiteY20"/>
-              </a:cxn>
-              <a:cxn ang="0">
-                <a:pos x="connsiteX21" y="connsiteY21"/>
-              </a:cxn>
-              <a:cxn ang="0">
-                <a:pos x="connsiteX22" y="connsiteY22"/>
-              </a:cxn>
-              <a:cxn ang="0">
-                <a:pos x="connsiteX23" y="connsiteY23"/>
-              </a:cxn>
-              <a:cxn ang="0">
-                <a:pos x="connsiteX24" y="connsiteY24"/>
-              </a:cxn>
-              <a:cxn ang="0">
-                <a:pos x="connsiteX25" y="connsiteY25"/>
-              </a:cxn>
-              <a:cxn ang="0">
-                <a:pos x="connsiteX26" y="connsiteY26"/>
-              </a:cxn>
-              <a:cxn ang="0">
-                <a:pos x="connsiteX27" y="connsiteY27"/>
-              </a:cxn>
-              <a:cxn ang="0">
-                <a:pos x="connsiteX28" y="connsiteY28"/>
-              </a:cxn>
-              <a:cxn ang="0">
-                <a:pos x="connsiteX29" y="connsiteY29"/>
-              </a:cxn>
-              <a:cxn ang="0">
-                <a:pos x="connsiteX30" y="connsiteY30"/>
-              </a:cxn>
-              <a:cxn ang="0">
-                <a:pos x="connsiteX31" y="connsiteY31"/>
-              </a:cxn>
-              <a:cxn ang="0">
-                <a:pos x="connsiteX32" y="connsiteY32"/>
-              </a:cxn>
-              <a:cxn ang="0">
-                <a:pos x="connsiteX33" y="connsiteY33"/>
-              </a:cxn>
-              <a:cxn ang="0">
-                <a:pos x="connsiteX34" y="connsiteY34"/>
-              </a:cxn>
-              <a:cxn ang="0">
-                <a:pos x="connsiteX35" y="connsiteY35"/>
-              </a:cxn>
-              <a:cxn ang="0">
-                <a:pos x="connsiteX36" y="connsiteY36"/>
-              </a:cxn>
-              <a:cxn ang="0">
-                <a:pos x="connsiteX37" y="connsiteY37"/>
-              </a:cxn>
-              <a:cxn ang="0">
-                <a:pos x="connsiteX38" y="connsiteY38"/>
-              </a:cxn>
-              <a:cxn ang="0">
-                <a:pos x="connsiteX39" y="connsiteY39"/>
-              </a:cxn>
-              <a:cxn ang="0">
-                <a:pos x="connsiteX40" y="connsiteY40"/>
-              </a:cxn>
-              <a:cxn ang="0">
-                <a:pos x="connsiteX41" y="connsiteY41"/>
-              </a:cxn>
-              <a:cxn ang="0">
-                <a:pos x="connsiteX42" y="connsiteY42"/>
-              </a:cxn>
-              <a:cxn ang="0">
-                <a:pos x="connsiteX43" y="connsiteY43"/>
-              </a:cxn>
-              <a:cxn ang="0">
-                <a:pos x="connsiteX44" y="connsiteY44"/>
-              </a:cxn>
-              <a:cxn ang="0">
-                <a:pos x="connsiteX45" y="connsiteY45"/>
-              </a:cxn>
-              <a:cxn ang="0">
-                <a:pos x="connsiteX46" y="connsiteY46"/>
-              </a:cxn>
-              <a:cxn ang="0">
-                <a:pos x="connsiteX47" y="connsiteY47"/>
-              </a:cxn>
-              <a:cxn ang="0">
-                <a:pos x="connsiteX48" y="connsiteY48"/>
-              </a:cxn>
-              <a:cxn ang="0">
-                <a:pos x="connsiteX49" y="connsiteY49"/>
-              </a:cxn>
-              <a:cxn ang="0">
-                <a:pos x="connsiteX50" y="connsiteY50"/>
-              </a:cxn>
-              <a:cxn ang="0">
-                <a:pos x="connsiteX51" y="connsiteY51"/>
-              </a:cxn>
-              <a:cxn ang="0">
-                <a:pos x="connsiteX52" y="connsiteY52"/>
-              </a:cxn>
-              <a:cxn ang="0">
-                <a:pos x="connsiteX53" y="connsiteY53"/>
-              </a:cxn>
-              <a:cxn ang="0">
-                <a:pos x="connsiteX54" y="connsiteY54"/>
-              </a:cxn>
-              <a:cxn ang="0">
-                <a:pos x="connsiteX55" y="connsiteY55"/>
-              </a:cxn>
-              <a:cxn ang="0">
-                <a:pos x="connsiteX56" y="connsiteY56"/>
-              </a:cxn>
-              <a:cxn ang="0">
-                <a:pos x="connsiteX57" y="connsiteY57"/>
-              </a:cxn>
-              <a:cxn ang="0">
-                <a:pos x="connsiteX58" y="connsiteY58"/>
-              </a:cxn>
-              <a:cxn ang="0">
-                <a:pos x="connsiteX59" y="connsiteY59"/>
-              </a:cxn>
-              <a:cxn ang="0">
-                <a:pos x="connsiteX60" y="connsiteY60"/>
-              </a:cxn>
-              <a:cxn ang="0">
-                <a:pos x="connsiteX61" y="connsiteY61"/>
-              </a:cxn>
-              <a:cxn ang="0">
-                <a:pos x="connsiteX62" y="connsiteY62"/>
-              </a:cxn>
-              <a:cxn ang="0">
-                <a:pos x="connsiteX63" y="connsiteY63"/>
-              </a:cxn>
-              <a:cxn ang="0">
-                <a:pos x="connsiteX64" y="connsiteY64"/>
-              </a:cxn>
-              <a:cxn ang="0">
-                <a:pos x="connsiteX65" y="connsiteY65"/>
-              </a:cxn>
-              <a:cxn ang="0">
-                <a:pos x="connsiteX66" y="connsiteY66"/>
-              </a:cxn>
-              <a:cxn ang="0">
-                <a:pos x="connsiteX67" y="connsiteY67"/>
-              </a:cxn>
-              <a:cxn ang="0">
-                <a:pos x="connsiteX68" y="connsiteY68"/>
-              </a:cxn>
-              <a:cxn ang="0">
-                <a:pos x="connsiteX69" y="connsiteY69"/>
-              </a:cxn>
-              <a:cxn ang="0">
-                <a:pos x="connsiteX70" y="connsiteY70"/>
-              </a:cxn>
-              <a:cxn ang="0">
-                <a:pos x="connsiteX71" y="connsiteY71"/>
-              </a:cxn>
-              <a:cxn ang="0">
-                <a:pos x="connsiteX72" y="connsiteY72"/>
-              </a:cxn>
-              <a:cxn ang="0">
-                <a:pos x="connsiteX73" y="connsiteY73"/>
-              </a:cxn>
-              <a:cxn ang="0">
-                <a:pos x="connsiteX74" y="connsiteY74"/>
-              </a:cxn>
-              <a:cxn ang="0">
-                <a:pos x="connsiteX75" y="connsiteY75"/>
-              </a:cxn>
-              <a:cxn ang="0">
-                <a:pos x="connsiteX76" y="connsiteY76"/>
-              </a:cxn>
-              <a:cxn ang="0">
-                <a:pos x="connsiteX77" y="connsiteY77"/>
-              </a:cxn>
-              <a:cxn ang="0">
-                <a:pos x="connsiteX78" y="connsiteY78"/>
-              </a:cxn>
-              <a:cxn ang="0">
-                <a:pos x="connsiteX79" y="connsiteY79"/>
-              </a:cxn>
-              <a:cxn ang="0">
-                <a:pos x="connsiteX80" y="connsiteY80"/>
-              </a:cxn>
-              <a:cxn ang="0">
-                <a:pos x="connsiteX81" y="connsiteY81"/>
-              </a:cxn>
-              <a:cxn ang="0">
-                <a:pos x="connsiteX82" y="connsiteY82"/>
-              </a:cxn>
-              <a:cxn ang="0">
-                <a:pos x="connsiteX83" y="connsiteY83"/>
-              </a:cxn>
-              <a:cxn ang="0">
-                <a:pos x="connsiteX84" y="connsiteY84"/>
-              </a:cxn>
-              <a:cxn ang="0">
-                <a:pos x="connsiteX85" y="connsiteY85"/>
-              </a:cxn>
-              <a:cxn ang="0">
-                <a:pos x="connsiteX86" y="connsiteY86"/>
-              </a:cxn>
-              <a:cxn ang="0">
-                <a:pos x="connsiteX87" y="connsiteY87"/>
-              </a:cxn>
-            </a:cxnLst>
-            <a:rect l="l" t="t" r="r" b="b"/>
-            <a:pathLst>
-              <a:path w="1636054" h="2372870">
-                <a:moveTo>
-                  <a:pt x="401778" y="121093"/>
-                </a:moveTo>
-                <a:cubicBezTo>
-                  <a:pt x="297730" y="198749"/>
-                  <a:pt x="212839" y="299238"/>
-                  <a:pt x="153620" y="414847"/>
-                </a:cubicBezTo>
-                <a:cubicBezTo>
-                  <a:pt x="93699" y="530206"/>
-                  <a:pt x="55416" y="655586"/>
-                  <a:pt x="40671" y="784768"/>
-                </a:cubicBezTo>
-                <a:cubicBezTo>
-                  <a:pt x="26337" y="914201"/>
-                  <a:pt x="29328" y="1044972"/>
-                  <a:pt x="49565" y="1173609"/>
-                </a:cubicBezTo>
-                <a:cubicBezTo>
-                  <a:pt x="69545" y="1302588"/>
-                  <a:pt x="100892" y="1429537"/>
-                  <a:pt x="143239" y="1552975"/>
-                </a:cubicBezTo>
-                <a:cubicBezTo>
-                  <a:pt x="183894" y="1676631"/>
-                  <a:pt x="239498" y="1794842"/>
-                  <a:pt x="308814" y="1904987"/>
-                </a:cubicBezTo>
-                <a:cubicBezTo>
-                  <a:pt x="377951" y="2014525"/>
-                  <a:pt x="466981" y="2110116"/>
-                  <a:pt x="571293" y="2186826"/>
-                </a:cubicBezTo>
-                <a:cubicBezTo>
-                  <a:pt x="674690" y="2263679"/>
-                  <a:pt x="795688" y="2313338"/>
-                  <a:pt x="923219" y="2331271"/>
-                </a:cubicBezTo>
-                <a:cubicBezTo>
-                  <a:pt x="1050787" y="2346527"/>
-                  <a:pt x="1179882" y="2320502"/>
-                  <a:pt x="1291614" y="2257009"/>
-                </a:cubicBezTo>
-                <a:cubicBezTo>
-                  <a:pt x="1403459" y="2193382"/>
-                  <a:pt x="1492482" y="2096150"/>
-                  <a:pt x="1546078" y="1979078"/>
-                </a:cubicBezTo>
-                <a:cubicBezTo>
-                  <a:pt x="1559176" y="1949912"/>
-                  <a:pt x="1570132" y="1919836"/>
-                  <a:pt x="1578861" y="1889076"/>
-                </a:cubicBezTo>
-                <a:cubicBezTo>
-                  <a:pt x="1587419" y="1858240"/>
-                  <a:pt x="1593599" y="1826797"/>
-                  <a:pt x="1597323" y="1795012"/>
-                </a:cubicBezTo>
-                <a:cubicBezTo>
-                  <a:pt x="1606498" y="1732012"/>
-                  <a:pt x="1602801" y="1667808"/>
-                  <a:pt x="1586453" y="1606278"/>
-                </a:cubicBezTo>
-                <a:cubicBezTo>
-                  <a:pt x="1577762" y="1576277"/>
-                  <a:pt x="1564569" y="1547776"/>
-                  <a:pt x="1547329" y="1521750"/>
-                </a:cubicBezTo>
-                <a:cubicBezTo>
-                  <a:pt x="1529701" y="1495896"/>
-                  <a:pt x="1508338" y="1472792"/>
-                  <a:pt x="1483943" y="1453200"/>
-                </a:cubicBezTo>
-                <a:cubicBezTo>
-                  <a:pt x="1434744" y="1412810"/>
-                  <a:pt x="1377121" y="1382126"/>
-                  <a:pt x="1320189" y="1348681"/>
-                </a:cubicBezTo>
-                <a:cubicBezTo>
-                  <a:pt x="1305906" y="1340521"/>
-                  <a:pt x="1291813" y="1331005"/>
-                  <a:pt x="1277644" y="1322077"/>
-                </a:cubicBezTo>
-                <a:cubicBezTo>
-                  <a:pt x="1263655" y="1312807"/>
-                  <a:pt x="1250263" y="1302607"/>
-                  <a:pt x="1236738" y="1292683"/>
-                </a:cubicBezTo>
-                <a:cubicBezTo>
-                  <a:pt x="1210305" y="1271942"/>
-                  <a:pt x="1185360" y="1249370"/>
-                  <a:pt x="1162083" y="1225138"/>
-                </a:cubicBezTo>
-                <a:cubicBezTo>
-                  <a:pt x="1115235" y="1176816"/>
-                  <a:pt x="1075913" y="1121720"/>
-                  <a:pt x="1045432" y="1061699"/>
-                </a:cubicBezTo>
-                <a:cubicBezTo>
-                  <a:pt x="1014640" y="1001802"/>
-                  <a:pt x="993382" y="937464"/>
-                  <a:pt x="982416" y="871004"/>
-                </a:cubicBezTo>
-                <a:cubicBezTo>
-                  <a:pt x="980113" y="854354"/>
-                  <a:pt x="977118" y="837788"/>
-                  <a:pt x="976284" y="820977"/>
-                </a:cubicBezTo>
-                <a:lnTo>
-                  <a:pt x="974322" y="795844"/>
-                </a:lnTo>
-                <a:lnTo>
-                  <a:pt x="974019" y="770570"/>
-                </a:lnTo>
-                <a:lnTo>
-                  <a:pt x="973905" y="757935"/>
-                </a:lnTo>
-                <a:lnTo>
-                  <a:pt x="974493" y="745389"/>
-                </a:lnTo>
-                <a:lnTo>
-                  <a:pt x="975687" y="720299"/>
-                </a:lnTo>
-                <a:cubicBezTo>
-                  <a:pt x="977326" y="703743"/>
-                  <a:pt x="978388" y="687040"/>
-                  <a:pt x="980558" y="670621"/>
-                </a:cubicBezTo>
-                <a:cubicBezTo>
-                  <a:pt x="988273" y="604714"/>
-                  <a:pt x="1000300" y="539988"/>
-                  <a:pt x="1008176" y="475279"/>
-                </a:cubicBezTo>
-                <a:cubicBezTo>
-                  <a:pt x="1010024" y="459106"/>
-                  <a:pt x="1012119" y="442927"/>
-                  <a:pt x="1013218" y="426767"/>
-                </a:cubicBezTo>
-                <a:cubicBezTo>
-                  <a:pt x="1013825" y="418686"/>
-                  <a:pt x="1014668" y="410597"/>
-                  <a:pt x="1015095" y="402522"/>
-                </a:cubicBezTo>
-                <a:lnTo>
-                  <a:pt x="1015995" y="378311"/>
-                </a:lnTo>
-                <a:lnTo>
-                  <a:pt x="1016422" y="366207"/>
-                </a:lnTo>
-                <a:lnTo>
-                  <a:pt x="1016175" y="354152"/>
-                </a:lnTo>
-                <a:lnTo>
-                  <a:pt x="1015701" y="330039"/>
-                </a:lnTo>
-                <a:lnTo>
-                  <a:pt x="1013578" y="306135"/>
-                </a:lnTo>
-                <a:cubicBezTo>
-                  <a:pt x="1013085" y="298167"/>
-                  <a:pt x="1012081" y="290239"/>
-                  <a:pt x="1010555" y="282403"/>
-                </a:cubicBezTo>
-                <a:lnTo>
-                  <a:pt x="1006385" y="258893"/>
-                </a:lnTo>
-                <a:cubicBezTo>
-                  <a:pt x="1004679" y="251146"/>
-                  <a:pt x="1002186" y="243620"/>
-                  <a:pt x="1000148" y="235966"/>
-                </a:cubicBezTo>
-                <a:cubicBezTo>
-                  <a:pt x="995760" y="220783"/>
-                  <a:pt x="990311" y="205931"/>
-                  <a:pt x="983819" y="191521"/>
-                </a:cubicBezTo>
-                <a:cubicBezTo>
-                  <a:pt x="957746" y="133530"/>
-                  <a:pt x="912414" y="86364"/>
-                  <a:pt x="855539" y="58035"/>
-                </a:cubicBezTo>
-                <a:cubicBezTo>
-                  <a:pt x="826955" y="44298"/>
-                  <a:pt x="796550" y="34735"/>
-                  <a:pt x="765255" y="29636"/>
-                </a:cubicBezTo>
-                <a:cubicBezTo>
-                  <a:pt x="701812" y="19952"/>
-                  <a:pt x="637041" y="23652"/>
-                  <a:pt x="575104" y="40497"/>
-                </a:cubicBezTo>
-                <a:cubicBezTo>
-                  <a:pt x="512883" y="56500"/>
-                  <a:pt x="454130" y="83820"/>
-                  <a:pt x="401778" y="121093"/>
-                </a:cubicBezTo>
-                <a:close/>
-                <a:moveTo>
-                  <a:pt x="386449" y="99836"/>
-                </a:moveTo>
-                <a:cubicBezTo>
-                  <a:pt x="441643" y="61041"/>
-                  <a:pt x="503500" y="32751"/>
-                  <a:pt x="568927" y="16380"/>
-                </a:cubicBezTo>
-                <a:cubicBezTo>
-                  <a:pt x="634268" y="-945"/>
-                  <a:pt x="702476" y="-4575"/>
-                  <a:pt x="769283" y="5720"/>
-                </a:cubicBezTo>
-                <a:cubicBezTo>
-                  <a:pt x="802881" y="11278"/>
-                  <a:pt x="835513" y="21635"/>
-                  <a:pt x="866173" y="36475"/>
-                </a:cubicBezTo>
-                <a:cubicBezTo>
-                  <a:pt x="928185" y="66967"/>
-                  <a:pt x="977762" y="117978"/>
-                  <a:pt x="1006508" y="180869"/>
-                </a:cubicBezTo>
-                <a:cubicBezTo>
-                  <a:pt x="1013597" y="196381"/>
-                  <a:pt x="1019578" y="212378"/>
-                  <a:pt x="1024411" y="228741"/>
-                </a:cubicBezTo>
-                <a:cubicBezTo>
-                  <a:pt x="1026657" y="236938"/>
-                  <a:pt x="1029340" y="245060"/>
-                  <a:pt x="1031207" y="253330"/>
-                </a:cubicBezTo>
-                <a:lnTo>
-                  <a:pt x="1035803" y="278334"/>
-                </a:lnTo>
-                <a:cubicBezTo>
-                  <a:pt x="1037443" y="286625"/>
-                  <a:pt x="1038561" y="295012"/>
-                  <a:pt x="1039139" y="303444"/>
-                </a:cubicBezTo>
-                <a:lnTo>
-                  <a:pt x="1041490" y="328632"/>
-                </a:lnTo>
-                <a:lnTo>
-                  <a:pt x="1042134" y="353805"/>
-                </a:lnTo>
-                <a:lnTo>
-                  <a:pt x="1042447" y="366394"/>
-                </a:lnTo>
-                <a:lnTo>
-                  <a:pt x="1042077" y="378923"/>
-                </a:lnTo>
-                <a:lnTo>
-                  <a:pt x="1041272" y="403982"/>
-                </a:lnTo>
-                <a:cubicBezTo>
-                  <a:pt x="1040874" y="412316"/>
-                  <a:pt x="1040068" y="420588"/>
-                  <a:pt x="1039481" y="428894"/>
-                </a:cubicBezTo>
-                <a:cubicBezTo>
-                  <a:pt x="1038429" y="445541"/>
-                  <a:pt x="1036391" y="461977"/>
-                  <a:pt x="1034590" y="478466"/>
-                </a:cubicBezTo>
-                <a:cubicBezTo>
-                  <a:pt x="1026904" y="544309"/>
-                  <a:pt x="1015237" y="609021"/>
-                  <a:pt x="1008024" y="673748"/>
-                </a:cubicBezTo>
-                <a:cubicBezTo>
-                  <a:pt x="1005968" y="689928"/>
-                  <a:pt x="1005048" y="706060"/>
-                  <a:pt x="1003523" y="722213"/>
-                </a:cubicBezTo>
-                <a:lnTo>
-                  <a:pt x="1002508" y="746374"/>
-                </a:lnTo>
-                <a:lnTo>
-                  <a:pt x="1001997" y="758453"/>
-                </a:lnTo>
-                <a:lnTo>
-                  <a:pt x="1002186" y="770465"/>
-                </a:lnTo>
-                <a:lnTo>
-                  <a:pt x="1002575" y="794484"/>
-                </a:lnTo>
-                <a:lnTo>
-                  <a:pt x="1004594" y="818490"/>
-                </a:lnTo>
-                <a:cubicBezTo>
-                  <a:pt x="1005446" y="834547"/>
-                  <a:pt x="1008432" y="850359"/>
-                  <a:pt x="1010697" y="866248"/>
-                </a:cubicBezTo>
-                <a:cubicBezTo>
-                  <a:pt x="1021511" y="929685"/>
-                  <a:pt x="1042144" y="991042"/>
-                  <a:pt x="1071866" y="1048103"/>
-                </a:cubicBezTo>
-                <a:cubicBezTo>
-                  <a:pt x="1101294" y="1105325"/>
-                  <a:pt x="1139157" y="1157783"/>
-                  <a:pt x="1184185" y="1203734"/>
-                </a:cubicBezTo>
-                <a:cubicBezTo>
-                  <a:pt x="1206552" y="1226770"/>
-                  <a:pt x="1230502" y="1248222"/>
-                  <a:pt x="1255864" y="1267910"/>
-                </a:cubicBezTo>
-                <a:cubicBezTo>
-                  <a:pt x="1268848" y="1277313"/>
-                  <a:pt x="1281672" y="1287000"/>
-                  <a:pt x="1295092" y="1295785"/>
-                </a:cubicBezTo>
-                <a:cubicBezTo>
-                  <a:pt x="1308758" y="1304277"/>
-                  <a:pt x="1321923" y="1313129"/>
-                  <a:pt x="1336206" y="1321194"/>
-                </a:cubicBezTo>
-                <a:cubicBezTo>
-                  <a:pt x="1392522" y="1353918"/>
-                  <a:pt x="1451814" y="1384906"/>
-                  <a:pt x="1504604" y="1427886"/>
-                </a:cubicBezTo>
-                <a:cubicBezTo>
-                  <a:pt x="1531558" y="1449424"/>
-                  <a:pt x="1555186" y="1474842"/>
-                  <a:pt x="1574719" y="1503306"/>
-                </a:cubicBezTo>
-                <a:cubicBezTo>
-                  <a:pt x="1593940" y="1532073"/>
-                  <a:pt x="1608687" y="1563602"/>
-                  <a:pt x="1618439" y="1596809"/>
-                </a:cubicBezTo>
-                <a:cubicBezTo>
-                  <a:pt x="1636324" y="1662646"/>
-                  <a:pt x="1640646" y="1731443"/>
-                  <a:pt x="1631149" y="1799007"/>
-                </a:cubicBezTo>
-                <a:cubicBezTo>
-                  <a:pt x="1627329" y="1832537"/>
-                  <a:pt x="1620932" y="1865736"/>
-                  <a:pt x="1612023" y="1898289"/>
-                </a:cubicBezTo>
-                <a:cubicBezTo>
-                  <a:pt x="1602915" y="1930813"/>
-                  <a:pt x="1591457" y="1962626"/>
-                  <a:pt x="1577724" y="1993481"/>
-                </a:cubicBezTo>
-                <a:cubicBezTo>
-                  <a:pt x="1521446" y="2117545"/>
-                  <a:pt x="1427617" y="2220736"/>
-                  <a:pt x="1309507" y="2288461"/>
-                </a:cubicBezTo>
-                <a:cubicBezTo>
-                  <a:pt x="1191170" y="2356243"/>
-                  <a:pt x="1054256" y="2384337"/>
-                  <a:pt x="918821" y="2368615"/>
-                </a:cubicBezTo>
-                <a:cubicBezTo>
-                  <a:pt x="784182" y="2352248"/>
-                  <a:pt x="657562" y="2295691"/>
-                  <a:pt x="549563" y="2216846"/>
-                </a:cubicBezTo>
-                <a:cubicBezTo>
-                  <a:pt x="441809" y="2137166"/>
-                  <a:pt x="349924" y="2037979"/>
-                  <a:pt x="278661" y="1924418"/>
-                </a:cubicBezTo>
-                <a:cubicBezTo>
-                  <a:pt x="208108" y="1811635"/>
-                  <a:pt x="151597" y="1690645"/>
-                  <a:pt x="110386" y="1564133"/>
-                </a:cubicBezTo>
-                <a:cubicBezTo>
-                  <a:pt x="67624" y="1438645"/>
-                  <a:pt x="36308" y="1309543"/>
-                  <a:pt x="16820" y="1178401"/>
-                </a:cubicBezTo>
-                <a:cubicBezTo>
-                  <a:pt x="-3076" y="1046822"/>
-                  <a:pt x="-5332" y="913171"/>
-                  <a:pt x="10110" y="780994"/>
-                </a:cubicBezTo>
-                <a:cubicBezTo>
-                  <a:pt x="26054" y="648322"/>
-                  <a:pt x="66159" y="519700"/>
-                  <a:pt x="128438" y="401508"/>
-                </a:cubicBezTo>
-                <a:cubicBezTo>
-                  <a:pt x="190290" y="282537"/>
-                  <a:pt x="278552" y="179340"/>
-                  <a:pt x="386449" y="99837"/>
-                </a:cubicBezTo>
-                <a:close/>
-              </a:path>
-            </a:pathLst>
-          </a:custGeom>
-          <a:solidFill>
-            <a:schemeClr val="accent4"/>
-          </a:solidFill>
-          <a:ln w="9478" cap="flat">
-            <a:noFill/>
-            <a:prstDash val="solid"/>
-            <a:miter/>
-          </a:ln>
-        </p:spPr>
-        <p:txBody>
-          <a:bodyPr rtlCol="0" anchor="ctr"/>
-          <a:lstStyle/>
-          <a:p>
-            <a:endParaRPr lang="en-SV" dirty="0">
-              <a:latin typeface="Mulish Light" pitchFamily="2" charset="77"/>
-            </a:endParaRPr>
-          </a:p>
-        </p:txBody>
-      </p:sp>
-      <p:sp>
-        <p:nvSpPr>
-          <p:cNvPr id="10" name="Freeform 9">
-            <a:extLst>
-              <a:ext uri="{FF2B5EF4-FFF2-40B4-BE49-F238E27FC236}">
-                <a16:creationId xmlns:a16="http://schemas.microsoft.com/office/drawing/2014/main" id="{A727B642-78BD-2C5D-90C3-3D2179C915A8}"/>
-              </a:ext>
-            </a:extLst>
-          </p:cNvPr>
-          <p:cNvSpPr/>
-          <p:nvPr/>
-        </p:nvSpPr>
-        <p:spPr>
-          <a:xfrm rot="9000000">
-            <a:off x="15655607" y="10110927"/>
-            <a:ext cx="8823639" cy="7981947"/>
-          </a:xfrm>
-          <a:custGeom>
-            <a:avLst/>
-            <a:gdLst>
-              <a:gd name="connsiteX0" fmla="*/ 16459 w 3170326"/>
-              <a:gd name="connsiteY0" fmla="*/ 771778 h 2867907"/>
-              <a:gd name="connsiteX1" fmla="*/ 124132 w 3170326"/>
-              <a:gd name="connsiteY1" fmla="*/ 593312 h 2867907"/>
-              <a:gd name="connsiteX2" fmla="*/ 516841 w 3170326"/>
-              <a:gd name="connsiteY2" fmla="*/ 938266 h 2867907"/>
-              <a:gd name="connsiteX3" fmla="*/ 604105 w 3170326"/>
-              <a:gd name="connsiteY3" fmla="*/ 977788 h 2867907"/>
-              <a:gd name="connsiteX4" fmla="*/ 715486 w 3170326"/>
-              <a:gd name="connsiteY4" fmla="*/ 928792 h 2867907"/>
-              <a:gd name="connsiteX5" fmla="*/ 970409 w 3170326"/>
-              <a:gd name="connsiteY5" fmla="*/ 558304 h 2867907"/>
-              <a:gd name="connsiteX6" fmla="*/ 1337160 w 3170326"/>
-              <a:gd name="connsiteY6" fmla="*/ 213100 h 2867907"/>
-              <a:gd name="connsiteX7" fmla="*/ 2221996 w 3170326"/>
-              <a:gd name="connsiteY7" fmla="*/ 40915 h 2867907"/>
-              <a:gd name="connsiteX8" fmla="*/ 2083637 w 3170326"/>
-              <a:gd name="connsiteY8" fmla="*/ 465569 h 2867907"/>
-              <a:gd name="connsiteX9" fmla="*/ 1653500 w 3170326"/>
-              <a:gd name="connsiteY9" fmla="*/ 913139 h 2867907"/>
-              <a:gd name="connsiteX10" fmla="*/ 1625410 w 3170326"/>
-              <a:gd name="connsiteY10" fmla="*/ 994582 h 2867907"/>
-              <a:gd name="connsiteX11" fmla="*/ 1707732 w 3170326"/>
-              <a:gd name="connsiteY11" fmla="*/ 1062689 h 2867907"/>
-              <a:gd name="connsiteX12" fmla="*/ 1819418 w 3170326"/>
-              <a:gd name="connsiteY12" fmla="*/ 1038871 h 2867907"/>
-              <a:gd name="connsiteX13" fmla="*/ 2406203 w 3170326"/>
-              <a:gd name="connsiteY13" fmla="*/ 805733 h 2867907"/>
-              <a:gd name="connsiteX14" fmla="*/ 3154895 w 3170326"/>
-              <a:gd name="connsiteY14" fmla="*/ 1098720 h 2867907"/>
-              <a:gd name="connsiteX15" fmla="*/ 2818202 w 3170326"/>
-              <a:gd name="connsiteY15" fmla="*/ 1401924 h 2867907"/>
-              <a:gd name="connsiteX16" fmla="*/ 2455178 w 3170326"/>
-              <a:gd name="connsiteY16" fmla="*/ 1483680 h 2867907"/>
-              <a:gd name="connsiteX17" fmla="*/ 1806119 w 3170326"/>
-              <a:gd name="connsiteY17" fmla="*/ 1531885 h 2867907"/>
-              <a:gd name="connsiteX18" fmla="*/ 1616978 w 3170326"/>
-              <a:gd name="connsiteY18" fmla="*/ 1808240 h 2867907"/>
-              <a:gd name="connsiteX19" fmla="*/ 1252138 w 3170326"/>
-              <a:gd name="connsiteY19" fmla="*/ 2799106 h 2867907"/>
-              <a:gd name="connsiteX20" fmla="*/ 961265 w 3170326"/>
-              <a:gd name="connsiteY20" fmla="*/ 2752649 h 2867907"/>
-              <a:gd name="connsiteX21" fmla="*/ 787331 w 3170326"/>
-              <a:gd name="connsiteY21" fmla="*/ 1769796 h 2867907"/>
-              <a:gd name="connsiteX22" fmla="*/ 128824 w 3170326"/>
-              <a:gd name="connsiteY22" fmla="*/ 1595060 h 2867907"/>
-              <a:gd name="connsiteX23" fmla="*/ 16459 w 3170326"/>
-              <a:gd name="connsiteY23" fmla="*/ 771778 h 2867907"/>
-            </a:gdLst>
-            <a:ahLst/>
-            <a:cxnLst>
-              <a:cxn ang="0">
-                <a:pos x="connsiteX0" y="connsiteY0"/>
-              </a:cxn>
-              <a:cxn ang="0">
-                <a:pos x="connsiteX1" y="connsiteY1"/>
-              </a:cxn>
-              <a:cxn ang="0">
-                <a:pos x="connsiteX2" y="connsiteY2"/>
-              </a:cxn>
-              <a:cxn ang="0">
-                <a:pos x="connsiteX3" y="connsiteY3"/>
-              </a:cxn>
-              <a:cxn ang="0">
-                <a:pos x="connsiteX4" y="connsiteY4"/>
-              </a:cxn>
-              <a:cxn ang="0">
-                <a:pos x="connsiteX5" y="connsiteY5"/>
-              </a:cxn>
-              <a:cxn ang="0">
-                <a:pos x="connsiteX6" y="connsiteY6"/>
-              </a:cxn>
-              <a:cxn ang="0">
-                <a:pos x="connsiteX7" y="connsiteY7"/>
-              </a:cxn>
-              <a:cxn ang="0">
-                <a:pos x="connsiteX8" y="connsiteY8"/>
-              </a:cxn>
-              <a:cxn ang="0">
-                <a:pos x="connsiteX9" y="connsiteY9"/>
-              </a:cxn>
-              <a:cxn ang="0">
-                <a:pos x="connsiteX10" y="connsiteY10"/>
-              </a:cxn>
-              <a:cxn ang="0">
-                <a:pos x="connsiteX11" y="connsiteY11"/>
-              </a:cxn>
-              <a:cxn ang="0">
-                <a:pos x="connsiteX12" y="connsiteY12"/>
-              </a:cxn>
-              <a:cxn ang="0">
-                <a:pos x="connsiteX13" y="connsiteY13"/>
-              </a:cxn>
-              <a:cxn ang="0">
-                <a:pos x="connsiteX14" y="connsiteY14"/>
-              </a:cxn>
-              <a:cxn ang="0">
-                <a:pos x="connsiteX15" y="connsiteY15"/>
-              </a:cxn>
-              <a:cxn ang="0">
-                <a:pos x="connsiteX16" y="connsiteY16"/>
-              </a:cxn>
-              <a:cxn ang="0">
-                <a:pos x="connsiteX17" y="connsiteY17"/>
-              </a:cxn>
-              <a:cxn ang="0">
-                <a:pos x="connsiteX18" y="connsiteY18"/>
-              </a:cxn>
-              <a:cxn ang="0">
-                <a:pos x="connsiteX19" y="connsiteY19"/>
-              </a:cxn>
-              <a:cxn ang="0">
-                <a:pos x="connsiteX20" y="connsiteY20"/>
-              </a:cxn>
-              <a:cxn ang="0">
-                <a:pos x="connsiteX21" y="connsiteY21"/>
-              </a:cxn>
-              <a:cxn ang="0">
-                <a:pos x="connsiteX22" y="connsiteY22"/>
-              </a:cxn>
-              <a:cxn ang="0">
-                <a:pos x="connsiteX23" y="connsiteY23"/>
-              </a:cxn>
-            </a:cxnLst>
-            <a:rect l="l" t="t" r="r" b="b"/>
-            <a:pathLst>
-              <a:path w="3170326" h="2867907">
-                <a:moveTo>
-                  <a:pt x="16459" y="771778"/>
-                </a:moveTo>
-                <a:cubicBezTo>
-                  <a:pt x="25269" y="706112"/>
-                  <a:pt x="51676" y="613783"/>
-                  <a:pt x="124132" y="593312"/>
-                </a:cubicBezTo>
-                <a:cubicBezTo>
-                  <a:pt x="278553" y="549685"/>
-                  <a:pt x="415930" y="862060"/>
-                  <a:pt x="516841" y="938266"/>
-                </a:cubicBezTo>
-                <a:cubicBezTo>
-                  <a:pt x="542671" y="957772"/>
-                  <a:pt x="571848" y="975079"/>
-                  <a:pt x="604105" y="977788"/>
-                </a:cubicBezTo>
-                <a:cubicBezTo>
-                  <a:pt x="645918" y="981295"/>
-                  <a:pt x="686612" y="959235"/>
-                  <a:pt x="715486" y="928792"/>
-                </a:cubicBezTo>
-                <a:cubicBezTo>
-                  <a:pt x="814984" y="823900"/>
-                  <a:pt x="878242" y="672492"/>
-                  <a:pt x="970409" y="558304"/>
-                </a:cubicBezTo>
-                <a:cubicBezTo>
-                  <a:pt x="1076182" y="427269"/>
-                  <a:pt x="1197450" y="307800"/>
-                  <a:pt x="1337160" y="213100"/>
-                </a:cubicBezTo>
-                <a:cubicBezTo>
-                  <a:pt x="1574601" y="52156"/>
-                  <a:pt x="1939535" y="-65864"/>
-                  <a:pt x="2221996" y="40915"/>
-                </a:cubicBezTo>
-                <a:cubicBezTo>
-                  <a:pt x="2441566" y="123917"/>
-                  <a:pt x="2166795" y="382795"/>
-                  <a:pt x="2083637" y="465569"/>
-                </a:cubicBezTo>
-                <a:cubicBezTo>
-                  <a:pt x="1937083" y="611441"/>
-                  <a:pt x="1769407" y="739392"/>
-                  <a:pt x="1653500" y="913139"/>
-                </a:cubicBezTo>
-                <a:cubicBezTo>
-                  <a:pt x="1637188" y="937586"/>
-                  <a:pt x="1621417" y="965470"/>
-                  <a:pt x="1625410" y="994582"/>
-                </a:cubicBezTo>
-                <a:cubicBezTo>
-                  <a:pt x="1630619" y="1032656"/>
-                  <a:pt x="1669470" y="1058963"/>
-                  <a:pt x="1707732" y="1062689"/>
-                </a:cubicBezTo>
-                <a:cubicBezTo>
-                  <a:pt x="1745984" y="1066415"/>
-                  <a:pt x="1783609" y="1052843"/>
-                  <a:pt x="1819418" y="1038871"/>
-                </a:cubicBezTo>
-                <a:cubicBezTo>
-                  <a:pt x="2015574" y="962315"/>
-                  <a:pt x="2204695" y="866824"/>
-                  <a:pt x="2406203" y="805733"/>
-                </a:cubicBezTo>
-                <a:cubicBezTo>
-                  <a:pt x="2636961" y="735779"/>
-                  <a:pt x="3277437" y="657610"/>
-                  <a:pt x="3154895" y="1098720"/>
-                </a:cubicBezTo>
-                <a:cubicBezTo>
-                  <a:pt x="3111567" y="1254694"/>
-                  <a:pt x="2960849" y="1348187"/>
-                  <a:pt x="2818202" y="1401924"/>
-                </a:cubicBezTo>
-                <a:cubicBezTo>
-                  <a:pt x="2701564" y="1445843"/>
-                  <a:pt x="2579383" y="1473358"/>
-                  <a:pt x="2455178" y="1483680"/>
-                </a:cubicBezTo>
-                <a:cubicBezTo>
-                  <a:pt x="2238252" y="1501671"/>
-                  <a:pt x="2014072" y="1467561"/>
-                  <a:pt x="1806119" y="1531885"/>
-                </a:cubicBezTo>
-                <a:cubicBezTo>
-                  <a:pt x="1660972" y="1576793"/>
-                  <a:pt x="1604459" y="1659841"/>
-                  <a:pt x="1616978" y="1808240"/>
-                </a:cubicBezTo>
-                <a:cubicBezTo>
-                  <a:pt x="1646437" y="2157474"/>
-                  <a:pt x="1480216" y="2540923"/>
-                  <a:pt x="1252138" y="2799106"/>
-                </a:cubicBezTo>
-                <a:cubicBezTo>
-                  <a:pt x="1157335" y="2906428"/>
-                  <a:pt x="1016646" y="2886127"/>
-                  <a:pt x="961265" y="2752649"/>
-                </a:cubicBezTo>
-                <a:cubicBezTo>
-                  <a:pt x="852565" y="2490683"/>
-                  <a:pt x="1048758" y="1943296"/>
-                  <a:pt x="787331" y="1769796"/>
-                </a:cubicBezTo>
-                <a:cubicBezTo>
-                  <a:pt x="573497" y="1627888"/>
-                  <a:pt x="281469" y="1879275"/>
-                  <a:pt x="128824" y="1595060"/>
-                </a:cubicBezTo>
-                <a:cubicBezTo>
-                  <a:pt x="-2053" y="1351381"/>
-                  <a:pt x="-19758" y="1041751"/>
-                  <a:pt x="16459" y="771778"/>
-                </a:cubicBezTo>
-                <a:close/>
-              </a:path>
-            </a:pathLst>
-          </a:custGeom>
-          <a:solidFill>
-            <a:schemeClr val="accent6">
-              <a:alpha val="40000"/>
-            </a:schemeClr>
-          </a:solidFill>
-          <a:ln w="9496" cap="flat">
-            <a:noFill/>
-            <a:prstDash val="solid"/>
-            <a:miter/>
-          </a:ln>
-        </p:spPr>
-        <p:txBody>
-          <a:bodyPr rtlCol="0" anchor="ctr"/>
-          <a:lstStyle/>
-          <a:p>
-            <a:endParaRPr lang="en-SV" dirty="0">
-              <a:latin typeface="Mulish Light" pitchFamily="2" charset="77"/>
-            </a:endParaRPr>
-          </a:p>
-        </p:txBody>
-      </p:sp>
-      <p:sp>
-        <p:nvSpPr>
-          <p:cNvPr id="11" name="TextBox 10">
-            <a:extLst>
-              <a:ext uri="{FF2B5EF4-FFF2-40B4-BE49-F238E27FC236}">
-                <a16:creationId xmlns:a16="http://schemas.microsoft.com/office/drawing/2014/main" id="{DEBE3658-201B-712E-867E-2EB391195D5B}"/>
-              </a:ext>
-            </a:extLst>
-          </p:cNvPr>
-          <p:cNvSpPr txBox="1"/>
-          <p:nvPr/>
-        </p:nvSpPr>
-        <p:spPr>
-          <a:xfrm>
-            <a:off x="1544886" y="6811833"/>
-            <a:ext cx="12098924" cy="2308324"/>
-          </a:xfrm>
-          <a:prstGeom prst="rect">
-            <a:avLst/>
-          </a:prstGeom>
-          <a:noFill/>
-        </p:spPr>
-        <p:txBody>
-          <a:bodyPr wrap="square" rtlCol="0" anchor="t">
-            <a:spAutoFit/>
-          </a:bodyPr>
-          <a:lstStyle>
-            <a:defPPr>
-              <a:defRPr lang="en-US"/>
-            </a:defPPr>
-            <a:lvl1pPr algn="r">
-              <a:defRPr sz="7200">
-                <a:solidFill>
-                  <a:schemeClr val="tx2"/>
-                </a:solidFill>
-                <a:latin typeface="Heebo Medium" pitchFamily="2" charset="-79"/>
-                <a:ea typeface="Arimo" panose="020B0604020202020204" pitchFamily="34" charset="0"/>
-                <a:cs typeface="Arimo" panose="020B0604020202020204" pitchFamily="34" charset="0"/>
-              </a:defRPr>
-            </a:lvl1pPr>
-          </a:lstStyle>
-          <a:p>
-            <a:pPr algn="l"/>
-            <a:r>
-              <a:rPr lang="en-US" sz="14400" b="1" u="none" strike="noStrike" dirty="0">
-                <a:effectLst/>
-                <a:latin typeface="Mulish" pitchFamily="2" charset="0"/>
-              </a:rPr>
-              <a:t>Thank you!</a:t>
-            </a:r>
-            <a:endParaRPr lang="en-US" sz="14400" b="1" dirty="0">
-              <a:latin typeface="Mulish" pitchFamily="2" charset="0"/>
-              <a:cs typeface="Space Grotesk" pitchFamily="2" charset="77"/>
-            </a:endParaRPr>
-          </a:p>
-        </p:txBody>
-      </p:sp>
-    </p:spTree>
-    <p:extLst>
-      <p:ext uri="{BB962C8B-B14F-4D97-AF65-F5344CB8AC3E}">
-        <p14:creationId xmlns:p14="http://schemas.microsoft.com/office/powerpoint/2010/main" val="165845194"/>
-      </p:ext>
-    </p:extLst>
-  </p:cSld>
-  <p:clrMapOvr>
-    <a:masterClrMapping/>
-  </p:clrMapOvr>
-</p:sld>
-</file>
-
 <file path=ppt/theme/theme1.xml><?xml version="1.0" encoding="utf-8"?>
 <a:theme xmlns:a="http://schemas.openxmlformats.org/drawingml/2006/main" name="Default Theme">
   <a:themeElements>
